--- a/bts_final-presentaion_0802_draft_6_sjlyu.pptx
+++ b/bts_final-presentaion_0802_draft_6_sjlyu.pptx
@@ -316,11 +316,11 @@
         </c:dLbls>
         <c:gapWidth val="219"/>
         <c:overlap val="-27"/>
-        <c:axId val="297604320"/>
-        <c:axId val="297604712"/>
+        <c:axId val="155263048"/>
+        <c:axId val="155263440"/>
       </c:barChart>
       <c:catAx>
-        <c:axId val="297604320"/>
+        <c:axId val="155263048"/>
         <c:scaling>
           <c:orientation val="minMax"/>
         </c:scaling>
@@ -363,7 +363,7 @@
             <a:endParaRPr lang="ko-KR"/>
           </a:p>
         </c:txPr>
-        <c:crossAx val="297604712"/>
+        <c:crossAx val="155263440"/>
         <c:crosses val="autoZero"/>
         <c:auto val="1"/>
         <c:lblAlgn val="ctr"/>
@@ -371,7 +371,7 @@
         <c:noMultiLvlLbl val="0"/>
       </c:catAx>
       <c:valAx>
-        <c:axId val="297604712"/>
+        <c:axId val="155263440"/>
         <c:scaling>
           <c:orientation val="minMax"/>
         </c:scaling>
@@ -422,7 +422,7 @@
             <a:endParaRPr lang="ko-KR"/>
           </a:p>
         </c:txPr>
-        <c:crossAx val="297604320"/>
+        <c:crossAx val="155263048"/>
         <c:crosses val="autoZero"/>
         <c:crossBetween val="between"/>
       </c:valAx>
@@ -612,11 +612,11 @@
         </c:dLbls>
         <c:gapWidth val="219"/>
         <c:overlap val="-27"/>
-        <c:axId val="156125208"/>
-        <c:axId val="156125600"/>
+        <c:axId val="255948760"/>
+        <c:axId val="255949152"/>
       </c:barChart>
       <c:catAx>
-        <c:axId val="156125208"/>
+        <c:axId val="255948760"/>
         <c:scaling>
           <c:orientation val="minMax"/>
         </c:scaling>
@@ -659,7 +659,7 @@
             <a:endParaRPr lang="ko-KR"/>
           </a:p>
         </c:txPr>
-        <c:crossAx val="156125600"/>
+        <c:crossAx val="255949152"/>
         <c:crosses val="autoZero"/>
         <c:auto val="1"/>
         <c:lblAlgn val="ctr"/>
@@ -667,7 +667,7 @@
         <c:noMultiLvlLbl val="0"/>
       </c:catAx>
       <c:valAx>
-        <c:axId val="156125600"/>
+        <c:axId val="255949152"/>
         <c:scaling>
           <c:orientation val="minMax"/>
         </c:scaling>
@@ -718,7 +718,7 @@
             <a:endParaRPr lang="ko-KR"/>
           </a:p>
         </c:txPr>
-        <c:crossAx val="156125208"/>
+        <c:crossAx val="255948760"/>
         <c:crosses val="autoZero"/>
         <c:crossBetween val="between"/>
       </c:valAx>
@@ -1925,7 +1925,7 @@
           <a:p>
             <a:fld id="{712325F5-C9E2-904D-9196-95C4D5092AAB}" type="datetimeFigureOut">
               <a:rPr kumimoji="1" lang="ko-KR" altLang="en-US" smtClean="0"/>
-              <a:t>2018-08-02</a:t>
+              <a:t>2018-08-03</a:t>
             </a:fld>
             <a:endParaRPr kumimoji="1" lang="ko-KR" altLang="en-US"/>
           </a:p>
@@ -3447,7 +3447,7 @@
           <a:p>
             <a:fld id="{81016135-A4DB-5940-9618-602446510983}" type="datetime1">
               <a:rPr lang="ko-KR" altLang="en-US" smtClean="0"/>
-              <a:t>2018-08-02</a:t>
+              <a:t>2018-08-03</a:t>
             </a:fld>
             <a:endParaRPr lang="ko-KR" altLang="en-US"/>
           </a:p>
@@ -3615,7 +3615,7 @@
           <a:p>
             <a:fld id="{BD744770-A14D-6941-A904-58BC2931730E}" type="datetime1">
               <a:rPr lang="ko-KR" altLang="en-US" smtClean="0"/>
-              <a:t>2018-08-02</a:t>
+              <a:t>2018-08-03</a:t>
             </a:fld>
             <a:endParaRPr lang="ko-KR" altLang="en-US"/>
           </a:p>
@@ -3793,7 +3793,7 @@
           <a:p>
             <a:fld id="{30DF2F99-AA6B-6247-914B-5F6E585CCF74}" type="datetime1">
               <a:rPr lang="ko-KR" altLang="en-US" smtClean="0"/>
-              <a:t>2018-08-02</a:t>
+              <a:t>2018-08-03</a:t>
             </a:fld>
             <a:endParaRPr lang="ko-KR" altLang="en-US"/>
           </a:p>
@@ -3961,7 +3961,7 @@
           <a:p>
             <a:fld id="{B19DC939-4D94-9049-B99C-915C87CD8943}" type="datetime1">
               <a:rPr lang="ko-KR" altLang="en-US" smtClean="0"/>
-              <a:t>2018-08-02</a:t>
+              <a:t>2018-08-03</a:t>
             </a:fld>
             <a:endParaRPr lang="ko-KR" altLang="en-US"/>
           </a:p>
@@ -4213,7 +4213,7 @@
           <a:p>
             <a:fld id="{93ABA6C5-3672-5C41-A2A3-675E6E21B724}" type="datetime1">
               <a:rPr lang="ko-KR" altLang="en-US" smtClean="0"/>
-              <a:t>2018-08-02</a:t>
+              <a:t>2018-08-03</a:t>
             </a:fld>
             <a:endParaRPr lang="ko-KR" altLang="en-US"/>
           </a:p>
@@ -4498,7 +4498,7 @@
           <a:p>
             <a:fld id="{13F61A0F-950E-D045-B518-F0C90A574A66}" type="datetime1">
               <a:rPr lang="ko-KR" altLang="en-US" smtClean="0"/>
-              <a:t>2018-08-02</a:t>
+              <a:t>2018-08-03</a:t>
             </a:fld>
             <a:endParaRPr lang="ko-KR" altLang="en-US"/>
           </a:p>
@@ -4917,7 +4917,7 @@
           <a:p>
             <a:fld id="{3181B833-30BB-BD4A-AAEB-AEB4820343F5}" type="datetime1">
               <a:rPr lang="ko-KR" altLang="en-US" smtClean="0"/>
-              <a:t>2018-08-02</a:t>
+              <a:t>2018-08-03</a:t>
             </a:fld>
             <a:endParaRPr lang="ko-KR" altLang="en-US"/>
           </a:p>
@@ -5034,7 +5034,7 @@
           <a:p>
             <a:fld id="{D1E0FACA-138F-0B49-86E8-6EFD6A6FD36E}" type="datetime1">
               <a:rPr lang="ko-KR" altLang="en-US" smtClean="0"/>
-              <a:t>2018-08-02</a:t>
+              <a:t>2018-08-03</a:t>
             </a:fld>
             <a:endParaRPr lang="ko-KR" altLang="en-US"/>
           </a:p>
@@ -5129,7 +5129,7 @@
           <a:p>
             <a:fld id="{790D20DD-29E9-F643-8A57-5893DCB35680}" type="datetime1">
               <a:rPr lang="ko-KR" altLang="en-US" smtClean="0"/>
-              <a:t>2018-08-02</a:t>
+              <a:t>2018-08-03</a:t>
             </a:fld>
             <a:endParaRPr lang="ko-KR" altLang="en-US"/>
           </a:p>
@@ -5404,7 +5404,7 @@
           <a:p>
             <a:fld id="{2DAA6339-3440-B046-B02E-1540F78394BD}" type="datetime1">
               <a:rPr lang="ko-KR" altLang="en-US" smtClean="0"/>
-              <a:t>2018-08-02</a:t>
+              <a:t>2018-08-03</a:t>
             </a:fld>
             <a:endParaRPr lang="ko-KR" altLang="en-US"/>
           </a:p>
@@ -5656,7 +5656,7 @@
           <a:p>
             <a:fld id="{E50044E2-E6DA-C246-B020-23F7EAFA2E4E}" type="datetime1">
               <a:rPr lang="ko-KR" altLang="en-US" smtClean="0"/>
-              <a:t>2018-08-02</a:t>
+              <a:t>2018-08-03</a:t>
             </a:fld>
             <a:endParaRPr lang="ko-KR" altLang="en-US"/>
           </a:p>
@@ -5867,7 +5867,7 @@
           <a:p>
             <a:fld id="{F58FF9CF-F15B-A142-A635-C5F74D42CE0E}" type="datetime1">
               <a:rPr lang="ko-KR" altLang="en-US" smtClean="0"/>
-              <a:t>2018-08-02</a:t>
+              <a:t>2018-08-03</a:t>
             </a:fld>
             <a:endParaRPr lang="ko-KR" altLang="en-US"/>
           </a:p>
@@ -6279,7 +6279,7 @@
           <p:cNvPr id="5" name="슬라이드 번호 개체 틀 4">
             <a:extLst>
               <a:ext uri="{FF2B5EF4-FFF2-40B4-BE49-F238E27FC236}">
-                <a16:creationId xmlns:a16="http://schemas.microsoft.com/office/drawing/2014/main" xmlns="" id="{9FA75F19-B7A8-6A4F-A5D3-84D9FFF88627}"/>
+                <a16:creationId xmlns="" xmlns:a16="http://schemas.microsoft.com/office/drawing/2014/main" id="{9FA75F19-B7A8-6A4F-A5D3-84D9FFF88627}"/>
               </a:ext>
             </a:extLst>
           </p:cNvPr>
@@ -6308,7 +6308,7 @@
           <p:cNvPr id="6" name="TextBox 5">
             <a:extLst>
               <a:ext uri="{FF2B5EF4-FFF2-40B4-BE49-F238E27FC236}">
-                <a16:creationId xmlns:a16="http://schemas.microsoft.com/office/drawing/2014/main" xmlns="" id="{255C3C49-883C-204B-8A2C-B220C66630BD}"/>
+                <a16:creationId xmlns="" xmlns:a16="http://schemas.microsoft.com/office/drawing/2014/main" id="{255C3C49-883C-204B-8A2C-B220C66630BD}"/>
               </a:ext>
             </a:extLst>
           </p:cNvPr>
@@ -6764,7 +6764,7 @@
           <p:cNvPr id="7" name="TextBox 6">
             <a:extLst>
               <a:ext uri="{FF2B5EF4-FFF2-40B4-BE49-F238E27FC236}">
-                <a16:creationId xmlns:a16="http://schemas.microsoft.com/office/drawing/2014/main" xmlns="" id="{B4B1FE1F-6CD7-654F-8F56-C2F661931D17}"/>
+                <a16:creationId xmlns="" xmlns:a16="http://schemas.microsoft.com/office/drawing/2014/main" id="{B4B1FE1F-6CD7-654F-8F56-C2F661931D17}"/>
               </a:ext>
             </a:extLst>
           </p:cNvPr>
@@ -6809,7 +6809,7 @@
           <p:cNvPr id="8" name="그림 7">
             <a:extLst>
               <a:ext uri="{FF2B5EF4-FFF2-40B4-BE49-F238E27FC236}">
-                <a16:creationId xmlns:a16="http://schemas.microsoft.com/office/drawing/2014/main" xmlns="" id="{434B5C57-8B8B-1A4A-B338-3D39BA11B5B9}"/>
+                <a16:creationId xmlns="" xmlns:a16="http://schemas.microsoft.com/office/drawing/2014/main" id="{434B5C57-8B8B-1A4A-B338-3D39BA11B5B9}"/>
               </a:ext>
             </a:extLst>
           </p:cNvPr>
@@ -6902,7 +6902,7 @@
           <p:cNvPr id="5" name="슬라이드 번호 개체 틀 4">
             <a:extLst>
               <a:ext uri="{FF2B5EF4-FFF2-40B4-BE49-F238E27FC236}">
-                <a16:creationId xmlns="" xmlns:a16="http://schemas.microsoft.com/office/drawing/2014/main" id="{9FA75F19-B7A8-6A4F-A5D3-84D9FFF88627}"/>
+                <a16:creationId xmlns:a16="http://schemas.microsoft.com/office/drawing/2014/main" xmlns="" id="{9FA75F19-B7A8-6A4F-A5D3-84D9FFF88627}"/>
               </a:ext>
             </a:extLst>
           </p:cNvPr>
@@ -6931,7 +6931,7 @@
           <p:cNvPr id="6" name="TextBox 5">
             <a:extLst>
               <a:ext uri="{FF2B5EF4-FFF2-40B4-BE49-F238E27FC236}">
-                <a16:creationId xmlns="" xmlns:a16="http://schemas.microsoft.com/office/drawing/2014/main" id="{255C3C49-883C-204B-8A2C-B220C66630BD}"/>
+                <a16:creationId xmlns:a16="http://schemas.microsoft.com/office/drawing/2014/main" xmlns="" id="{255C3C49-883C-204B-8A2C-B220C66630BD}"/>
               </a:ext>
             </a:extLst>
           </p:cNvPr>
@@ -7199,6 +7199,16 @@
               <a:t>: </a:t>
             </a:r>
             <a:r>
+              <a:rPr lang="en-US" altLang="ko-KR" dirty="0" smtClean="0">
+                <a:solidFill>
+                  <a:srgbClr val="FF0000"/>
+                </a:solidFill>
+                <a:latin typeface="Arial" panose="020B0604020202020204" pitchFamily="34" charset="0"/>
+                <a:cs typeface="Arial" panose="020B0604020202020204" pitchFamily="34" charset="0"/>
+              </a:rPr>
+              <a:t>97.1 </a:t>
+            </a:r>
+            <a:r>
               <a:rPr lang="en-US" altLang="ko-KR" dirty="0">
                 <a:solidFill>
                   <a:srgbClr val="FF0000"/>
@@ -7206,7 +7216,7 @@
                 <a:latin typeface="Arial" panose="020B0604020202020204" pitchFamily="34" charset="0"/>
                 <a:cs typeface="Arial" panose="020B0604020202020204" pitchFamily="34" charset="0"/>
               </a:rPr>
-              <a:t>94.7 %</a:t>
+              <a:t>%</a:t>
             </a:r>
             <a:r>
               <a:rPr lang="en-US" altLang="ko-KR" dirty="0">
@@ -7215,10 +7225,6 @@
               </a:rPr>
               <a:t> </a:t>
             </a:r>
-            <a:endParaRPr lang="en-US" altLang="ko-KR" dirty="0">
-              <a:latin typeface="Arial" panose="020B0604020202020204" pitchFamily="34" charset="0"/>
-              <a:cs typeface="Arial" panose="020B0604020202020204" pitchFamily="34" charset="0"/>
-            </a:endParaRPr>
           </a:p>
           <a:p>
             <a:pPr marL="742950" lvl="1" indent="-285750">
@@ -7286,7 +7292,7 @@
           <p:cNvPr id="7" name="TextBox 6">
             <a:extLst>
               <a:ext uri="{FF2B5EF4-FFF2-40B4-BE49-F238E27FC236}">
-                <a16:creationId xmlns="" xmlns:a16="http://schemas.microsoft.com/office/drawing/2014/main" id="{B4B1FE1F-6CD7-654F-8F56-C2F661931D17}"/>
+                <a16:creationId xmlns:a16="http://schemas.microsoft.com/office/drawing/2014/main" xmlns="" id="{B4B1FE1F-6CD7-654F-8F56-C2F661931D17}"/>
               </a:ext>
             </a:extLst>
           </p:cNvPr>
@@ -7324,7 +7330,7 @@
           <p:cNvPr id="8" name="그림 7">
             <a:extLst>
               <a:ext uri="{FF2B5EF4-FFF2-40B4-BE49-F238E27FC236}">
-                <a16:creationId xmlns="" xmlns:a16="http://schemas.microsoft.com/office/drawing/2014/main" id="{434B5C57-8B8B-1A4A-B338-3D39BA11B5B9}"/>
+                <a16:creationId xmlns:a16="http://schemas.microsoft.com/office/drawing/2014/main" xmlns="" id="{434B5C57-8B8B-1A4A-B338-3D39BA11B5B9}"/>
               </a:ext>
             </a:extLst>
           </p:cNvPr>
@@ -7421,7 +7427,7 @@
           <p:cNvPr id="5" name="슬라이드 번호 개체 틀 4">
             <a:extLst>
               <a:ext uri="{FF2B5EF4-FFF2-40B4-BE49-F238E27FC236}">
-                <a16:creationId xmlns="" xmlns:a16="http://schemas.microsoft.com/office/drawing/2014/main" id="{9FA75F19-B7A8-6A4F-A5D3-84D9FFF88627}"/>
+                <a16:creationId xmlns:a16="http://schemas.microsoft.com/office/drawing/2014/main" xmlns="" id="{9FA75F19-B7A8-6A4F-A5D3-84D9FFF88627}"/>
               </a:ext>
             </a:extLst>
           </p:cNvPr>
@@ -7455,7 +7461,7 @@
           <p:cNvPr id="7" name="TextBox 6">
             <a:extLst>
               <a:ext uri="{FF2B5EF4-FFF2-40B4-BE49-F238E27FC236}">
-                <a16:creationId xmlns="" xmlns:a16="http://schemas.microsoft.com/office/drawing/2014/main" id="{B4B1FE1F-6CD7-654F-8F56-C2F661931D17}"/>
+                <a16:creationId xmlns:a16="http://schemas.microsoft.com/office/drawing/2014/main" xmlns="" id="{B4B1FE1F-6CD7-654F-8F56-C2F661931D17}"/>
               </a:ext>
             </a:extLst>
           </p:cNvPr>
@@ -7500,7 +7506,7 @@
           <p:cNvPr id="8" name="그림 7">
             <a:extLst>
               <a:ext uri="{FF2B5EF4-FFF2-40B4-BE49-F238E27FC236}">
-                <a16:creationId xmlns="" xmlns:a16="http://schemas.microsoft.com/office/drawing/2014/main" id="{434B5C57-8B8B-1A4A-B338-3D39BA11B5B9}"/>
+                <a16:creationId xmlns:a16="http://schemas.microsoft.com/office/drawing/2014/main" xmlns="" id="{434B5C57-8B8B-1A4A-B338-3D39BA11B5B9}"/>
               </a:ext>
             </a:extLst>
           </p:cNvPr>
@@ -8422,7 +8428,7 @@
           <p:cNvPr id="5" name="슬라이드 번호 개체 틀 4">
             <a:extLst>
               <a:ext uri="{FF2B5EF4-FFF2-40B4-BE49-F238E27FC236}">
-                <a16:creationId xmlns="" xmlns:a16="http://schemas.microsoft.com/office/drawing/2014/main" id="{9FA75F19-B7A8-6A4F-A5D3-84D9FFF88627}"/>
+                <a16:creationId xmlns:a16="http://schemas.microsoft.com/office/drawing/2014/main" xmlns="" id="{9FA75F19-B7A8-6A4F-A5D3-84D9FFF88627}"/>
               </a:ext>
             </a:extLst>
           </p:cNvPr>
@@ -8451,7 +8457,7 @@
           <p:cNvPr id="7" name="TextBox 6">
             <a:extLst>
               <a:ext uri="{FF2B5EF4-FFF2-40B4-BE49-F238E27FC236}">
-                <a16:creationId xmlns="" xmlns:a16="http://schemas.microsoft.com/office/drawing/2014/main" id="{B4B1FE1F-6CD7-654F-8F56-C2F661931D17}"/>
+                <a16:creationId xmlns:a16="http://schemas.microsoft.com/office/drawing/2014/main" xmlns="" id="{B4B1FE1F-6CD7-654F-8F56-C2F661931D17}"/>
               </a:ext>
             </a:extLst>
           </p:cNvPr>
@@ -8493,7 +8499,7 @@
           <p:cNvPr id="8" name="그림 7">
             <a:extLst>
               <a:ext uri="{FF2B5EF4-FFF2-40B4-BE49-F238E27FC236}">
-                <a16:creationId xmlns="" xmlns:a16="http://schemas.microsoft.com/office/drawing/2014/main" id="{434B5C57-8B8B-1A4A-B338-3D39BA11B5B9}"/>
+                <a16:creationId xmlns:a16="http://schemas.microsoft.com/office/drawing/2014/main" xmlns="" id="{434B5C57-8B8B-1A4A-B338-3D39BA11B5B9}"/>
               </a:ext>
             </a:extLst>
           </p:cNvPr>
@@ -8529,7 +8535,7 @@
           <p:cNvPr id="24" name="TextBox 23">
             <a:extLst>
               <a:ext uri="{FF2B5EF4-FFF2-40B4-BE49-F238E27FC236}">
-                <a16:creationId xmlns="" xmlns:a16="http://schemas.microsoft.com/office/drawing/2014/main" id="{5736F6F7-E001-2547-BD4A-3C13D8B4B3A8}"/>
+                <a16:creationId xmlns:a16="http://schemas.microsoft.com/office/drawing/2014/main" xmlns="" id="{5736F6F7-E001-2547-BD4A-3C13D8B4B3A8}"/>
               </a:ext>
             </a:extLst>
           </p:cNvPr>
@@ -8609,7 +8615,7 @@
           <p:cNvPr id="7" name="TextBox 6">
             <a:extLst>
               <a:ext uri="{FF2B5EF4-FFF2-40B4-BE49-F238E27FC236}">
-                <a16:creationId xmlns:a16="http://schemas.microsoft.com/office/drawing/2014/main" xmlns="" id="{B4B1FE1F-6CD7-654F-8F56-C2F661931D17}"/>
+                <a16:creationId xmlns="" xmlns:a16="http://schemas.microsoft.com/office/drawing/2014/main" id="{B4B1FE1F-6CD7-654F-8F56-C2F661931D17}"/>
               </a:ext>
             </a:extLst>
           </p:cNvPr>
@@ -8649,7 +8655,7 @@
           <p:cNvPr id="8" name="그림 7">
             <a:extLst>
               <a:ext uri="{FF2B5EF4-FFF2-40B4-BE49-F238E27FC236}">
-                <a16:creationId xmlns:a16="http://schemas.microsoft.com/office/drawing/2014/main" xmlns="" id="{434B5C57-8B8B-1A4A-B338-3D39BA11B5B9}"/>
+                <a16:creationId xmlns="" xmlns:a16="http://schemas.microsoft.com/office/drawing/2014/main" id="{434B5C57-8B8B-1A4A-B338-3D39BA11B5B9}"/>
               </a:ext>
             </a:extLst>
           </p:cNvPr>
@@ -8873,7 +8879,7 @@
           <p:cNvPr id="37" name="슬라이드 번호 개체 틀 4">
             <a:extLst>
               <a:ext uri="{FF2B5EF4-FFF2-40B4-BE49-F238E27FC236}">
-                <a16:creationId xmlns:a16="http://schemas.microsoft.com/office/drawing/2014/main" xmlns="" id="{9FA75F19-B7A8-6A4F-A5D3-84D9FFF88627}"/>
+                <a16:creationId xmlns="" xmlns:a16="http://schemas.microsoft.com/office/drawing/2014/main" id="{9FA75F19-B7A8-6A4F-A5D3-84D9FFF88627}"/>
               </a:ext>
             </a:extLst>
           </p:cNvPr>
@@ -8969,7 +8975,7 @@
           <p:cNvPr id="8" name="그림 7">
             <a:extLst>
               <a:ext uri="{FF2B5EF4-FFF2-40B4-BE49-F238E27FC236}">
-                <a16:creationId xmlns:a16="http://schemas.microsoft.com/office/drawing/2014/main" xmlns="" id="{434B5C57-8B8B-1A4A-B338-3D39BA11B5B9}"/>
+                <a16:creationId xmlns="" xmlns:a16="http://schemas.microsoft.com/office/drawing/2014/main" id="{434B5C57-8B8B-1A4A-B338-3D39BA11B5B9}"/>
               </a:ext>
             </a:extLst>
           </p:cNvPr>
@@ -9009,14 +9015,14 @@
         <p:spPr>
           <a:xfrm>
             <a:off x="293680" y="893483"/>
-            <a:ext cx="1639167" cy="412742"/>
+            <a:ext cx="3702256" cy="412742"/>
           </a:xfrm>
           <a:prstGeom prst="rect">
             <a:avLst/>
           </a:prstGeom>
         </p:spPr>
         <p:txBody>
-          <a:bodyPr wrap="none">
+          <a:bodyPr wrap="square">
             <a:spAutoFit/>
           </a:bodyPr>
           <a:lstStyle/>
@@ -9030,7 +9036,19 @@
             </a:pPr>
             <a:r>
               <a:rPr lang="en-US" altLang="ko-KR" b="1" dirty="0" smtClean="0"/>
-              <a:t>NG TC List</a:t>
+              <a:t>NG </a:t>
+            </a:r>
+            <a:r>
+              <a:rPr lang="en-US" altLang="ko-KR" b="1" dirty="0" smtClean="0"/>
+              <a:t>Defect</a:t>
+            </a:r>
+            <a:r>
+              <a:rPr lang="en-US" altLang="ko-KR" b="1" dirty="0" smtClean="0"/>
+              <a:t> - TC </a:t>
+            </a:r>
+            <a:r>
+              <a:rPr lang="en-US" altLang="ko-KR" b="1" dirty="0" smtClean="0"/>
+              <a:t>List</a:t>
             </a:r>
             <a:endParaRPr lang="en-US" altLang="ko-KR" b="1" dirty="0"/>
           </a:p>
@@ -9041,7 +9059,7 @@
           <p:cNvPr id="37" name="슬라이드 번호 개체 틀 4">
             <a:extLst>
               <a:ext uri="{FF2B5EF4-FFF2-40B4-BE49-F238E27FC236}">
-                <a16:creationId xmlns:a16="http://schemas.microsoft.com/office/drawing/2014/main" xmlns="" id="{9FA75F19-B7A8-6A4F-A5D3-84D9FFF88627}"/>
+                <a16:creationId xmlns="" xmlns:a16="http://schemas.microsoft.com/office/drawing/2014/main" id="{9FA75F19-B7A8-6A4F-A5D3-84D9FFF88627}"/>
               </a:ext>
             </a:extLst>
           </p:cNvPr>
@@ -9071,4785 +9089,12 @@
           </a:p>
         </p:txBody>
       </p:sp>
-      <p:graphicFrame>
-        <p:nvGraphicFramePr>
-          <p:cNvPr id="5" name="표 4"/>
-          <p:cNvGraphicFramePr>
-            <a:graphicFrameLocks noGrp="1"/>
-          </p:cNvGraphicFramePr>
-          <p:nvPr>
-            <p:extLst/>
-          </p:nvPr>
-        </p:nvGraphicFramePr>
-        <p:xfrm>
-          <a:off x="293681" y="1412776"/>
-          <a:ext cx="5430447" cy="4810568"/>
-        </p:xfrm>
-        <a:graphic>
-          <a:graphicData uri="http://schemas.openxmlformats.org/drawingml/2006/table">
-            <a:tbl>
-              <a:tblPr>
-                <a:tableStyleId>{5C22544A-7EE6-4342-B048-85BDC9FD1C3A}</a:tableStyleId>
-              </a:tblPr>
-              <a:tblGrid>
-                <a:gridCol w="256873"/>
-                <a:gridCol w="781086"/>
-                <a:gridCol w="1102509"/>
-                <a:gridCol w="3289979"/>
-              </a:tblGrid>
-              <a:tr h="156068">
-                <a:tc>
-                  <a:txBody>
-                    <a:bodyPr/>
-                    <a:lstStyle/>
-                    <a:p>
-                      <a:pPr algn="l" fontAlgn="ctr"/>
-                      <a:r>
-                        <a:rPr lang="en-US" sz="800" u="none" strike="noStrike" dirty="0" err="1">
-                          <a:effectLst/>
-                        </a:rPr>
-                        <a:t>num</a:t>
-                      </a:r>
-                      <a:endParaRPr lang="en-US" sz="800" b="0" i="0" u="none" strike="noStrike" dirty="0">
-                        <a:solidFill>
-                          <a:srgbClr val="000000"/>
-                        </a:solidFill>
-                        <a:effectLst/>
-                        <a:latin typeface="맑은 고딕" panose="020B0503020000020004" pitchFamily="50" charset="-127"/>
-                        <a:ea typeface="맑은 고딕" panose="020B0503020000020004" pitchFamily="50" charset="-127"/>
-                      </a:endParaRPr>
-                    </a:p>
-                  </a:txBody>
-                  <a:tcPr marL="7094" marR="7094" marT="7094" marB="0" anchor="ctr"/>
-                </a:tc>
-                <a:tc>
-                  <a:txBody>
-                    <a:bodyPr/>
-                    <a:lstStyle/>
-                    <a:p>
-                      <a:pPr algn="l" fontAlgn="ctr"/>
-                      <a:r>
-                        <a:rPr lang="en-US" sz="800" u="none" strike="noStrike">
-                          <a:effectLst/>
-                        </a:rPr>
-                        <a:t>TC ID</a:t>
-                      </a:r>
-                      <a:endParaRPr lang="en-US" sz="800" b="0" i="0" u="none" strike="noStrike">
-                        <a:solidFill>
-                          <a:srgbClr val="000000"/>
-                        </a:solidFill>
-                        <a:effectLst/>
-                        <a:latin typeface="맑은 고딕" panose="020B0503020000020004" pitchFamily="50" charset="-127"/>
-                        <a:ea typeface="맑은 고딕" panose="020B0503020000020004" pitchFamily="50" charset="-127"/>
-                      </a:endParaRPr>
-                    </a:p>
-                  </a:txBody>
-                  <a:tcPr marL="7094" marR="7094" marT="7094" marB="0" anchor="ctr"/>
-                </a:tc>
-                <a:tc>
-                  <a:txBody>
-                    <a:bodyPr/>
-                    <a:lstStyle/>
-                    <a:p>
-                      <a:pPr algn="l" fontAlgn="ctr"/>
-                      <a:r>
-                        <a:rPr lang="en-US" sz="800" u="none" strike="noStrike">
-                          <a:effectLst/>
-                        </a:rPr>
-                        <a:t>Category</a:t>
-                      </a:r>
-                      <a:endParaRPr lang="en-US" sz="800" b="0" i="0" u="none" strike="noStrike">
-                        <a:solidFill>
-                          <a:srgbClr val="000000"/>
-                        </a:solidFill>
-                        <a:effectLst/>
-                        <a:latin typeface="맑은 고딕" panose="020B0503020000020004" pitchFamily="50" charset="-127"/>
-                        <a:ea typeface="맑은 고딕" panose="020B0503020000020004" pitchFamily="50" charset="-127"/>
-                      </a:endParaRPr>
-                    </a:p>
-                  </a:txBody>
-                  <a:tcPr marL="7094" marR="7094" marT="7094" marB="0" anchor="ctr"/>
-                </a:tc>
-                <a:tc>
-                  <a:txBody>
-                    <a:bodyPr/>
-                    <a:lstStyle/>
-                    <a:p>
-                      <a:pPr algn="l" fontAlgn="ctr"/>
-                      <a:r>
-                        <a:rPr lang="en-US" sz="800" u="none" strike="noStrike">
-                          <a:effectLst/>
-                        </a:rPr>
-                        <a:t>TestCase</a:t>
-                      </a:r>
-                      <a:endParaRPr lang="en-US" sz="800" b="0" i="0" u="none" strike="noStrike">
-                        <a:solidFill>
-                          <a:srgbClr val="000000"/>
-                        </a:solidFill>
-                        <a:effectLst/>
-                        <a:latin typeface="맑은 고딕" panose="020B0503020000020004" pitchFamily="50" charset="-127"/>
-                        <a:ea typeface="맑은 고딕" panose="020B0503020000020004" pitchFamily="50" charset="-127"/>
-                      </a:endParaRPr>
-                    </a:p>
-                  </a:txBody>
-                  <a:tcPr marL="7094" marR="7094" marT="7094" marB="0" anchor="ctr"/>
-                </a:tc>
-              </a:tr>
-              <a:tr h="156068">
-                <a:tc>
-                  <a:txBody>
-                    <a:bodyPr/>
-                    <a:lstStyle/>
-                    <a:p>
-                      <a:pPr algn="r" fontAlgn="ctr"/>
-                      <a:r>
-                        <a:rPr lang="en-US" altLang="ko-KR" sz="800" u="none" strike="noStrike">
-                          <a:effectLst/>
-                        </a:rPr>
-                        <a:t>1</a:t>
-                      </a:r>
-                      <a:endParaRPr lang="en-US" altLang="ko-KR" sz="800" b="0" i="0" u="none" strike="noStrike">
-                        <a:solidFill>
-                          <a:srgbClr val="000000"/>
-                        </a:solidFill>
-                        <a:effectLst/>
-                        <a:latin typeface="맑은 고딕" panose="020B0503020000020004" pitchFamily="50" charset="-127"/>
-                        <a:ea typeface="맑은 고딕" panose="020B0503020000020004" pitchFamily="50" charset="-127"/>
-                      </a:endParaRPr>
-                    </a:p>
-                  </a:txBody>
-                  <a:tcPr marL="7094" marR="7094" marT="7094" marB="0" anchor="ctr"/>
-                </a:tc>
-                <a:tc>
-                  <a:txBody>
-                    <a:bodyPr/>
-                    <a:lstStyle/>
-                    <a:p>
-                      <a:pPr algn="l" fontAlgn="ctr"/>
-                      <a:r>
-                        <a:rPr lang="en-US" sz="800" u="none" strike="noStrike">
-                          <a:effectLst/>
-                        </a:rPr>
-                        <a:t>tc_breakpot</a:t>
-                      </a:r>
-                      <a:endParaRPr lang="en-US" sz="800" b="0" i="0" u="none" strike="noStrike">
-                        <a:solidFill>
-                          <a:srgbClr val="000000"/>
-                        </a:solidFill>
-                        <a:effectLst/>
-                        <a:latin typeface="맑은 고딕" panose="020B0503020000020004" pitchFamily="50" charset="-127"/>
-                        <a:ea typeface="맑은 고딕" panose="020B0503020000020004" pitchFamily="50" charset="-127"/>
-                      </a:endParaRPr>
-                    </a:p>
-                  </a:txBody>
-                  <a:tcPr marL="7094" marR="7094" marT="7094" marB="0" anchor="ctr"/>
-                </a:tc>
-                <a:tc>
-                  <a:txBody>
-                    <a:bodyPr/>
-                    <a:lstStyle/>
-                    <a:p>
-                      <a:pPr algn="l" fontAlgn="ctr"/>
-                      <a:r>
-                        <a:rPr lang="en-US" sz="800" u="none" strike="noStrike">
-                          <a:effectLst/>
-                        </a:rPr>
-                        <a:t>action-item</a:t>
-                      </a:r>
-                      <a:endParaRPr lang="en-US" sz="800" b="0" i="0" u="none" strike="noStrike">
-                        <a:solidFill>
-                          <a:srgbClr val="000000"/>
-                        </a:solidFill>
-                        <a:effectLst/>
-                        <a:latin typeface="맑은 고딕" panose="020B0503020000020004" pitchFamily="50" charset="-127"/>
-                        <a:ea typeface="맑은 고딕" panose="020B0503020000020004" pitchFamily="50" charset="-127"/>
-                      </a:endParaRPr>
-                    </a:p>
-                  </a:txBody>
-                  <a:tcPr marL="7094" marR="7094" marT="7094" marB="0" anchor="ctr"/>
-                </a:tc>
-                <a:tc>
-                  <a:txBody>
-                    <a:bodyPr/>
-                    <a:lstStyle/>
-                    <a:p>
-                      <a:pPr algn="l" fontAlgn="ctr"/>
-                      <a:r>
-                        <a:rPr lang="en-US" sz="800" u="none" strike="noStrike">
-                          <a:effectLst/>
-                        </a:rPr>
-                        <a:t>break pot</a:t>
-                      </a:r>
-                      <a:endParaRPr lang="en-US" sz="800" b="0" i="0" u="none" strike="noStrike">
-                        <a:solidFill>
-                          <a:srgbClr val="000000"/>
-                        </a:solidFill>
-                        <a:effectLst/>
-                        <a:latin typeface="맑은 고딕" panose="020B0503020000020004" pitchFamily="50" charset="-127"/>
-                        <a:ea typeface="맑은 고딕" panose="020B0503020000020004" pitchFamily="50" charset="-127"/>
-                      </a:endParaRPr>
-                    </a:p>
-                  </a:txBody>
-                  <a:tcPr marL="7094" marR="7094" marT="7094" marB="0" anchor="ctr"/>
-                </a:tc>
-              </a:tr>
-              <a:tr h="156068">
-                <a:tc>
-                  <a:txBody>
-                    <a:bodyPr/>
-                    <a:lstStyle/>
-                    <a:p>
-                      <a:pPr algn="r" fontAlgn="ctr"/>
-                      <a:r>
-                        <a:rPr lang="en-US" altLang="ko-KR" sz="800" u="none" strike="noStrike">
-                          <a:effectLst/>
-                        </a:rPr>
-                        <a:t>2</a:t>
-                      </a:r>
-                      <a:endParaRPr lang="en-US" altLang="ko-KR" sz="800" b="0" i="0" u="none" strike="noStrike">
-                        <a:solidFill>
-                          <a:srgbClr val="000000"/>
-                        </a:solidFill>
-                        <a:effectLst/>
-                        <a:latin typeface="맑은 고딕" panose="020B0503020000020004" pitchFamily="50" charset="-127"/>
-                        <a:ea typeface="맑은 고딕" panose="020B0503020000020004" pitchFamily="50" charset="-127"/>
-                      </a:endParaRPr>
-                    </a:p>
-                  </a:txBody>
-                  <a:tcPr marL="7094" marR="7094" marT="7094" marB="0" anchor="ctr"/>
-                </a:tc>
-                <a:tc>
-                  <a:txBody>
-                    <a:bodyPr/>
-                    <a:lstStyle/>
-                    <a:p>
-                      <a:pPr algn="l" fontAlgn="ctr"/>
-                      <a:r>
-                        <a:rPr lang="en-US" sz="800" u="none" strike="noStrike">
-                          <a:effectLst/>
-                        </a:rPr>
-                        <a:t>tc_detonatedynamite</a:t>
-                      </a:r>
-                      <a:endParaRPr lang="en-US" sz="800" b="0" i="0" u="none" strike="noStrike">
-                        <a:solidFill>
-                          <a:srgbClr val="000000"/>
-                        </a:solidFill>
-                        <a:effectLst/>
-                        <a:latin typeface="맑은 고딕" panose="020B0503020000020004" pitchFamily="50" charset="-127"/>
-                        <a:ea typeface="맑은 고딕" panose="020B0503020000020004" pitchFamily="50" charset="-127"/>
-                      </a:endParaRPr>
-                    </a:p>
-                  </a:txBody>
-                  <a:tcPr marL="7094" marR="7094" marT="7094" marB="0" anchor="ctr"/>
-                </a:tc>
-                <a:tc>
-                  <a:txBody>
-                    <a:bodyPr/>
-                    <a:lstStyle/>
-                    <a:p>
-                      <a:pPr algn="l" fontAlgn="ctr"/>
-                      <a:r>
-                        <a:rPr lang="en-US" sz="800" u="none" strike="noStrike">
-                          <a:effectLst/>
-                        </a:rPr>
-                        <a:t>action-item</a:t>
-                      </a:r>
-                      <a:endParaRPr lang="en-US" sz="800" b="0" i="0" u="none" strike="noStrike">
-                        <a:solidFill>
-                          <a:srgbClr val="000000"/>
-                        </a:solidFill>
-                        <a:effectLst/>
-                        <a:latin typeface="맑은 고딕" panose="020B0503020000020004" pitchFamily="50" charset="-127"/>
-                        <a:ea typeface="맑은 고딕" panose="020B0503020000020004" pitchFamily="50" charset="-127"/>
-                      </a:endParaRPr>
-                    </a:p>
-                  </a:txBody>
-                  <a:tcPr marL="7094" marR="7094" marT="7094" marB="0" anchor="ctr"/>
-                </a:tc>
-                <a:tc>
-                  <a:txBody>
-                    <a:bodyPr/>
-                    <a:lstStyle/>
-                    <a:p>
-                      <a:pPr algn="l" fontAlgn="ctr"/>
-                      <a:r>
-                        <a:rPr lang="en-US" sz="800" u="none" strike="noStrike">
-                          <a:effectLst/>
-                        </a:rPr>
-                        <a:t>detonate dynamite</a:t>
-                      </a:r>
-                      <a:endParaRPr lang="en-US" sz="800" b="0" i="0" u="none" strike="noStrike">
-                        <a:solidFill>
-                          <a:srgbClr val="000000"/>
-                        </a:solidFill>
-                        <a:effectLst/>
-                        <a:latin typeface="맑은 고딕" panose="020B0503020000020004" pitchFamily="50" charset="-127"/>
-                        <a:ea typeface="맑은 고딕" panose="020B0503020000020004" pitchFamily="50" charset="-127"/>
-                      </a:endParaRPr>
-                    </a:p>
-                  </a:txBody>
-                  <a:tcPr marL="7094" marR="7094" marT="7094" marB="0" anchor="ctr"/>
-                </a:tc>
-              </a:tr>
-              <a:tr h="156068">
-                <a:tc>
-                  <a:txBody>
-                    <a:bodyPr/>
-                    <a:lstStyle/>
-                    <a:p>
-                      <a:pPr algn="r" fontAlgn="ctr"/>
-                      <a:r>
-                        <a:rPr lang="en-US" altLang="ko-KR" sz="800" u="none" strike="noStrike">
-                          <a:effectLst/>
-                        </a:rPr>
-                        <a:t>3</a:t>
-                      </a:r>
-                      <a:endParaRPr lang="en-US" altLang="ko-KR" sz="800" b="0" i="0" u="none" strike="noStrike">
-                        <a:solidFill>
-                          <a:srgbClr val="000000"/>
-                        </a:solidFill>
-                        <a:effectLst/>
-                        <a:latin typeface="맑은 고딕" panose="020B0503020000020004" pitchFamily="50" charset="-127"/>
-                        <a:ea typeface="맑은 고딕" panose="020B0503020000020004" pitchFamily="50" charset="-127"/>
-                      </a:endParaRPr>
-                    </a:p>
-                  </a:txBody>
-                  <a:tcPr marL="7094" marR="7094" marT="7094" marB="0" anchor="ctr"/>
-                </a:tc>
-                <a:tc>
-                  <a:txBody>
-                    <a:bodyPr/>
-                    <a:lstStyle/>
-                    <a:p>
-                      <a:pPr algn="l" fontAlgn="ctr"/>
-                      <a:r>
-                        <a:rPr lang="en-US" sz="800" u="none" strike="noStrike">
-                          <a:effectLst/>
-                        </a:rPr>
-                        <a:t>tc_eatcoffee</a:t>
-                      </a:r>
-                      <a:endParaRPr lang="en-US" sz="800" b="0" i="0" u="none" strike="noStrike">
-                        <a:solidFill>
-                          <a:srgbClr val="000000"/>
-                        </a:solidFill>
-                        <a:effectLst/>
-                        <a:latin typeface="맑은 고딕" panose="020B0503020000020004" pitchFamily="50" charset="-127"/>
-                        <a:ea typeface="맑은 고딕" panose="020B0503020000020004" pitchFamily="50" charset="-127"/>
-                      </a:endParaRPr>
-                    </a:p>
-                  </a:txBody>
-                  <a:tcPr marL="7094" marR="7094" marT="7094" marB="0" anchor="ctr"/>
-                </a:tc>
-                <a:tc>
-                  <a:txBody>
-                    <a:bodyPr/>
-                    <a:lstStyle/>
-                    <a:p>
-                      <a:pPr algn="l" fontAlgn="ctr"/>
-                      <a:r>
-                        <a:rPr lang="en-US" sz="800" u="none" strike="noStrike">
-                          <a:effectLst/>
-                        </a:rPr>
-                        <a:t>action-item</a:t>
-                      </a:r>
-                      <a:endParaRPr lang="en-US" sz="800" b="0" i="0" u="none" strike="noStrike">
-                        <a:solidFill>
-                          <a:srgbClr val="000000"/>
-                        </a:solidFill>
-                        <a:effectLst/>
-                        <a:latin typeface="맑은 고딕" panose="020B0503020000020004" pitchFamily="50" charset="-127"/>
-                        <a:ea typeface="맑은 고딕" panose="020B0503020000020004" pitchFamily="50" charset="-127"/>
-                      </a:endParaRPr>
-                    </a:p>
-                  </a:txBody>
-                  <a:tcPr marL="7094" marR="7094" marT="7094" marB="0" anchor="ctr"/>
-                </a:tc>
-                <a:tc>
-                  <a:txBody>
-                    <a:bodyPr/>
-                    <a:lstStyle/>
-                    <a:p>
-                      <a:pPr algn="l" fontAlgn="ctr"/>
-                      <a:r>
-                        <a:rPr lang="en-US" sz="800" u="none" strike="noStrike">
-                          <a:effectLst/>
-                        </a:rPr>
-                        <a:t>eat coffee</a:t>
-                      </a:r>
-                      <a:endParaRPr lang="en-US" sz="800" b="0" i="0" u="none" strike="noStrike">
-                        <a:solidFill>
-                          <a:srgbClr val="000000"/>
-                        </a:solidFill>
-                        <a:effectLst/>
-                        <a:latin typeface="맑은 고딕" panose="020B0503020000020004" pitchFamily="50" charset="-127"/>
-                        <a:ea typeface="맑은 고딕" panose="020B0503020000020004" pitchFamily="50" charset="-127"/>
-                      </a:endParaRPr>
-                    </a:p>
-                  </a:txBody>
-                  <a:tcPr marL="7094" marR="7094" marT="7094" marB="0" anchor="ctr"/>
-                </a:tc>
-              </a:tr>
-              <a:tr h="156068">
-                <a:tc>
-                  <a:txBody>
-                    <a:bodyPr/>
-                    <a:lstStyle/>
-                    <a:p>
-                      <a:pPr algn="r" fontAlgn="ctr"/>
-                      <a:r>
-                        <a:rPr lang="en-US" altLang="ko-KR" sz="800" u="none" strike="noStrike">
-                          <a:effectLst/>
-                        </a:rPr>
-                        <a:t>4</a:t>
-                      </a:r>
-                      <a:endParaRPr lang="en-US" altLang="ko-KR" sz="800" b="0" i="0" u="none" strike="noStrike">
-                        <a:solidFill>
-                          <a:srgbClr val="000000"/>
-                        </a:solidFill>
-                        <a:effectLst/>
-                        <a:latin typeface="맑은 고딕" panose="020B0503020000020004" pitchFamily="50" charset="-127"/>
-                        <a:ea typeface="맑은 고딕" panose="020B0503020000020004" pitchFamily="50" charset="-127"/>
-                      </a:endParaRPr>
-                    </a:p>
-                  </a:txBody>
-                  <a:tcPr marL="7094" marR="7094" marT="7094" marB="0" anchor="ctr"/>
-                </a:tc>
-                <a:tc>
-                  <a:txBody>
-                    <a:bodyPr/>
-                    <a:lstStyle/>
-                    <a:p>
-                      <a:pPr algn="l" fontAlgn="ctr"/>
-                      <a:r>
-                        <a:rPr lang="en-US" sz="800" u="none" strike="noStrike">
-                          <a:effectLst/>
-                        </a:rPr>
-                        <a:t>tc_eatfood</a:t>
-                      </a:r>
-                      <a:endParaRPr lang="en-US" sz="800" b="0" i="0" u="none" strike="noStrike">
-                        <a:solidFill>
-                          <a:srgbClr val="000000"/>
-                        </a:solidFill>
-                        <a:effectLst/>
-                        <a:latin typeface="맑은 고딕" panose="020B0503020000020004" pitchFamily="50" charset="-127"/>
-                        <a:ea typeface="맑은 고딕" panose="020B0503020000020004" pitchFamily="50" charset="-127"/>
-                      </a:endParaRPr>
-                    </a:p>
-                  </a:txBody>
-                  <a:tcPr marL="7094" marR="7094" marT="7094" marB="0" anchor="ctr"/>
-                </a:tc>
-                <a:tc>
-                  <a:txBody>
-                    <a:bodyPr/>
-                    <a:lstStyle/>
-                    <a:p>
-                      <a:pPr algn="l" fontAlgn="ctr"/>
-                      <a:r>
-                        <a:rPr lang="en-US" sz="800" u="none" strike="noStrike">
-                          <a:effectLst/>
-                        </a:rPr>
-                        <a:t>action-item</a:t>
-                      </a:r>
-                      <a:endParaRPr lang="en-US" sz="800" b="0" i="0" u="none" strike="noStrike">
-                        <a:solidFill>
-                          <a:srgbClr val="000000"/>
-                        </a:solidFill>
-                        <a:effectLst/>
-                        <a:latin typeface="맑은 고딕" panose="020B0503020000020004" pitchFamily="50" charset="-127"/>
-                        <a:ea typeface="맑은 고딕" panose="020B0503020000020004" pitchFamily="50" charset="-127"/>
-                      </a:endParaRPr>
-                    </a:p>
-                  </a:txBody>
-                  <a:tcPr marL="7094" marR="7094" marT="7094" marB="0" anchor="ctr"/>
-                </a:tc>
-                <a:tc>
-                  <a:txBody>
-                    <a:bodyPr/>
-                    <a:lstStyle/>
-                    <a:p>
-                      <a:pPr algn="l" fontAlgn="ctr"/>
-                      <a:r>
-                        <a:rPr lang="en-US" sz="800" u="none" strike="noStrike">
-                          <a:effectLst/>
-                        </a:rPr>
-                        <a:t>eat food</a:t>
-                      </a:r>
-                      <a:endParaRPr lang="en-US" sz="800" b="0" i="0" u="none" strike="noStrike">
-                        <a:solidFill>
-                          <a:srgbClr val="000000"/>
-                        </a:solidFill>
-                        <a:effectLst/>
-                        <a:latin typeface="맑은 고딕" panose="020B0503020000020004" pitchFamily="50" charset="-127"/>
-                        <a:ea typeface="맑은 고딕" panose="020B0503020000020004" pitchFamily="50" charset="-127"/>
-                      </a:endParaRPr>
-                    </a:p>
-                  </a:txBody>
-                  <a:tcPr marL="7094" marR="7094" marT="7094" marB="0" anchor="ctr"/>
-                </a:tc>
-              </a:tr>
-              <a:tr h="156068">
-                <a:tc>
-                  <a:txBody>
-                    <a:bodyPr/>
-                    <a:lstStyle/>
-                    <a:p>
-                      <a:pPr algn="r" fontAlgn="ctr"/>
-                      <a:r>
-                        <a:rPr lang="en-US" altLang="ko-KR" sz="800" u="none" strike="noStrike">
-                          <a:effectLst/>
-                        </a:rPr>
-                        <a:t>5</a:t>
-                      </a:r>
-                      <a:endParaRPr lang="en-US" altLang="ko-KR" sz="800" b="0" i="0" u="none" strike="noStrike">
-                        <a:solidFill>
-                          <a:srgbClr val="000000"/>
-                        </a:solidFill>
-                        <a:effectLst/>
-                        <a:latin typeface="맑은 고딕" panose="020B0503020000020004" pitchFamily="50" charset="-127"/>
-                        <a:ea typeface="맑은 고딕" panose="020B0503020000020004" pitchFamily="50" charset="-127"/>
-                      </a:endParaRPr>
-                    </a:p>
-                  </a:txBody>
-                  <a:tcPr marL="7094" marR="7094" marT="7094" marB="0" anchor="ctr"/>
-                </a:tc>
-                <a:tc>
-                  <a:txBody>
-                    <a:bodyPr/>
-                    <a:lstStyle/>
-                    <a:p>
-                      <a:pPr algn="l" fontAlgn="ctr"/>
-                      <a:r>
-                        <a:rPr lang="en-US" sz="800" u="none" strike="noStrike">
-                          <a:effectLst/>
-                        </a:rPr>
-                        <a:t>tc_enter</a:t>
-                      </a:r>
-                      <a:endParaRPr lang="en-US" sz="800" b="0" i="0" u="none" strike="noStrike">
-                        <a:solidFill>
-                          <a:srgbClr val="000000"/>
-                        </a:solidFill>
-                        <a:effectLst/>
-                        <a:latin typeface="맑은 고딕" panose="020B0503020000020004" pitchFamily="50" charset="-127"/>
-                        <a:ea typeface="맑은 고딕" panose="020B0503020000020004" pitchFamily="50" charset="-127"/>
-                      </a:endParaRPr>
-                    </a:p>
-                  </a:txBody>
-                  <a:tcPr marL="7094" marR="7094" marT="7094" marB="0" anchor="ctr"/>
-                </a:tc>
-                <a:tc>
-                  <a:txBody>
-                    <a:bodyPr/>
-                    <a:lstStyle/>
-                    <a:p>
-                      <a:pPr algn="l" fontAlgn="ctr"/>
-                      <a:r>
-                        <a:rPr lang="en-US" sz="800" u="none" strike="noStrike">
-                          <a:effectLst/>
-                        </a:rPr>
-                        <a:t>action-item</a:t>
-                      </a:r>
-                      <a:endParaRPr lang="en-US" sz="800" b="0" i="0" u="none" strike="noStrike">
-                        <a:solidFill>
-                          <a:srgbClr val="000000"/>
-                        </a:solidFill>
-                        <a:effectLst/>
-                        <a:latin typeface="맑은 고딕" panose="020B0503020000020004" pitchFamily="50" charset="-127"/>
-                        <a:ea typeface="맑은 고딕" panose="020B0503020000020004" pitchFamily="50" charset="-127"/>
-                      </a:endParaRPr>
-                    </a:p>
-                  </a:txBody>
-                  <a:tcPr marL="7094" marR="7094" marT="7094" marB="0" anchor="ctr"/>
-                </a:tc>
-                <a:tc>
-                  <a:txBody>
-                    <a:bodyPr/>
-                    <a:lstStyle/>
-                    <a:p>
-                      <a:pPr algn="l" fontAlgn="ctr"/>
-                      <a:r>
-                        <a:rPr lang="en-US" sz="800" u="none" strike="noStrike">
-                          <a:effectLst/>
-                        </a:rPr>
-                        <a:t>enter</a:t>
-                      </a:r>
-                      <a:endParaRPr lang="en-US" sz="800" b="0" i="0" u="none" strike="noStrike">
-                        <a:solidFill>
-                          <a:srgbClr val="000000"/>
-                        </a:solidFill>
-                        <a:effectLst/>
-                        <a:latin typeface="맑은 고딕" panose="020B0503020000020004" pitchFamily="50" charset="-127"/>
-                        <a:ea typeface="맑은 고딕" panose="020B0503020000020004" pitchFamily="50" charset="-127"/>
-                      </a:endParaRPr>
-                    </a:p>
-                  </a:txBody>
-                  <a:tcPr marL="7094" marR="7094" marT="7094" marB="0" anchor="ctr"/>
-                </a:tc>
-              </a:tr>
-              <a:tr h="156068">
-                <a:tc>
-                  <a:txBody>
-                    <a:bodyPr/>
-                    <a:lstStyle/>
-                    <a:p>
-                      <a:pPr algn="r" fontAlgn="ctr"/>
-                      <a:r>
-                        <a:rPr lang="en-US" altLang="ko-KR" sz="800" u="none" strike="noStrike">
-                          <a:effectLst/>
-                        </a:rPr>
-                        <a:t>6</a:t>
-                      </a:r>
-                      <a:endParaRPr lang="en-US" altLang="ko-KR" sz="800" b="0" i="0" u="none" strike="noStrike">
-                        <a:solidFill>
-                          <a:srgbClr val="000000"/>
-                        </a:solidFill>
-                        <a:effectLst/>
-                        <a:latin typeface="맑은 고딕" panose="020B0503020000020004" pitchFamily="50" charset="-127"/>
-                        <a:ea typeface="맑은 고딕" panose="020B0503020000020004" pitchFamily="50" charset="-127"/>
-                      </a:endParaRPr>
-                    </a:p>
-                  </a:txBody>
-                  <a:tcPr marL="7094" marR="7094" marT="7094" marB="0" anchor="ctr"/>
-                </a:tc>
-                <a:tc>
-                  <a:txBody>
-                    <a:bodyPr/>
-                    <a:lstStyle/>
-                    <a:p>
-                      <a:pPr algn="l" fontAlgn="ctr"/>
-                      <a:r>
-                        <a:rPr lang="en-US" sz="800" u="none" strike="noStrike">
-                          <a:effectLst/>
-                        </a:rPr>
-                        <a:t>tc_pass</a:t>
-                      </a:r>
-                      <a:endParaRPr lang="en-US" sz="800" b="0" i="0" u="none" strike="noStrike">
-                        <a:solidFill>
-                          <a:srgbClr val="000000"/>
-                        </a:solidFill>
-                        <a:effectLst/>
-                        <a:latin typeface="맑은 고딕" panose="020B0503020000020004" pitchFamily="50" charset="-127"/>
-                        <a:ea typeface="맑은 고딕" panose="020B0503020000020004" pitchFamily="50" charset="-127"/>
-                      </a:endParaRPr>
-                    </a:p>
-                  </a:txBody>
-                  <a:tcPr marL="7094" marR="7094" marT="7094" marB="0" anchor="ctr"/>
-                </a:tc>
-                <a:tc>
-                  <a:txBody>
-                    <a:bodyPr/>
-                    <a:lstStyle/>
-                    <a:p>
-                      <a:pPr algn="l" fontAlgn="ctr"/>
-                      <a:r>
-                        <a:rPr lang="en-US" sz="800" u="none" strike="noStrike">
-                          <a:effectLst/>
-                        </a:rPr>
-                        <a:t>action-item</a:t>
-                      </a:r>
-                      <a:endParaRPr lang="en-US" sz="800" b="0" i="0" u="none" strike="noStrike">
-                        <a:solidFill>
-                          <a:srgbClr val="000000"/>
-                        </a:solidFill>
-                        <a:effectLst/>
-                        <a:latin typeface="맑은 고딕" panose="020B0503020000020004" pitchFamily="50" charset="-127"/>
-                        <a:ea typeface="맑은 고딕" panose="020B0503020000020004" pitchFamily="50" charset="-127"/>
-                      </a:endParaRPr>
-                    </a:p>
-                  </a:txBody>
-                  <a:tcPr marL="7094" marR="7094" marT="7094" marB="0" anchor="ctr"/>
-                </a:tc>
-                <a:tc>
-                  <a:txBody>
-                    <a:bodyPr/>
-                    <a:lstStyle/>
-                    <a:p>
-                      <a:pPr algn="l" fontAlgn="ctr"/>
-                      <a:r>
-                        <a:rPr lang="en-US" sz="800" u="none" strike="noStrike">
-                          <a:effectLst/>
-                        </a:rPr>
-                        <a:t>pass</a:t>
-                      </a:r>
-                      <a:endParaRPr lang="en-US" sz="800" b="0" i="0" u="none" strike="noStrike">
-                        <a:solidFill>
-                          <a:srgbClr val="000000"/>
-                        </a:solidFill>
-                        <a:effectLst/>
-                        <a:latin typeface="맑은 고딕" panose="020B0503020000020004" pitchFamily="50" charset="-127"/>
-                        <a:ea typeface="맑은 고딕" panose="020B0503020000020004" pitchFamily="50" charset="-127"/>
-                      </a:endParaRPr>
-                    </a:p>
-                  </a:txBody>
-                  <a:tcPr marL="7094" marR="7094" marT="7094" marB="0" anchor="ctr"/>
-                </a:tc>
-              </a:tr>
-              <a:tr h="156068">
-                <a:tc>
-                  <a:txBody>
-                    <a:bodyPr/>
-                    <a:lstStyle/>
-                    <a:p>
-                      <a:pPr algn="r" fontAlgn="ctr"/>
-                      <a:r>
-                        <a:rPr lang="en-US" altLang="ko-KR" sz="800" u="none" strike="noStrike">
-                          <a:effectLst/>
-                        </a:rPr>
-                        <a:t>7</a:t>
-                      </a:r>
-                      <a:endParaRPr lang="en-US" altLang="ko-KR" sz="800" b="0" i="0" u="none" strike="noStrike">
-                        <a:solidFill>
-                          <a:srgbClr val="000000"/>
-                        </a:solidFill>
-                        <a:effectLst/>
-                        <a:latin typeface="맑은 고딕" panose="020B0503020000020004" pitchFamily="50" charset="-127"/>
-                        <a:ea typeface="맑은 고딕" panose="020B0503020000020004" pitchFamily="50" charset="-127"/>
-                      </a:endParaRPr>
-                    </a:p>
-                  </a:txBody>
-                  <a:tcPr marL="7094" marR="7094" marT="7094" marB="0" anchor="ctr"/>
-                </a:tc>
-                <a:tc>
-                  <a:txBody>
-                    <a:bodyPr/>
-                    <a:lstStyle/>
-                    <a:p>
-                      <a:pPr algn="l" fontAlgn="ctr"/>
-                      <a:r>
-                        <a:rPr lang="en-US" sz="800" u="none" strike="noStrike">
-                          <a:effectLst/>
-                        </a:rPr>
-                        <a:t>tc_removedocumentinsafe</a:t>
-                      </a:r>
-                      <a:endParaRPr lang="en-US" sz="800" b="0" i="0" u="none" strike="noStrike">
-                        <a:solidFill>
-                          <a:srgbClr val="000000"/>
-                        </a:solidFill>
-                        <a:effectLst/>
-                        <a:latin typeface="맑은 고딕" panose="020B0503020000020004" pitchFamily="50" charset="-127"/>
-                        <a:ea typeface="맑은 고딕" panose="020B0503020000020004" pitchFamily="50" charset="-127"/>
-                      </a:endParaRPr>
-                    </a:p>
-                  </a:txBody>
-                  <a:tcPr marL="7094" marR="7094" marT="7094" marB="0" anchor="ctr"/>
-                </a:tc>
-                <a:tc>
-                  <a:txBody>
-                    <a:bodyPr/>
-                    <a:lstStyle/>
-                    <a:p>
-                      <a:pPr algn="l" fontAlgn="ctr"/>
-                      <a:r>
-                        <a:rPr lang="en-US" sz="800" u="none" strike="noStrike">
-                          <a:effectLst/>
-                        </a:rPr>
-                        <a:t>action-item</a:t>
-                      </a:r>
-                      <a:endParaRPr lang="en-US" sz="800" b="0" i="0" u="none" strike="noStrike">
-                        <a:solidFill>
-                          <a:srgbClr val="000000"/>
-                        </a:solidFill>
-                        <a:effectLst/>
-                        <a:latin typeface="맑은 고딕" panose="020B0503020000020004" pitchFamily="50" charset="-127"/>
-                        <a:ea typeface="맑은 고딕" panose="020B0503020000020004" pitchFamily="50" charset="-127"/>
-                      </a:endParaRPr>
-                    </a:p>
-                  </a:txBody>
-                  <a:tcPr marL="7094" marR="7094" marT="7094" marB="0" anchor="ctr"/>
-                </a:tc>
-                <a:tc>
-                  <a:txBody>
-                    <a:bodyPr/>
-                    <a:lstStyle/>
-                    <a:p>
-                      <a:pPr algn="l" fontAlgn="ctr"/>
-                      <a:r>
-                        <a:rPr lang="en-US" sz="800" u="none" strike="noStrike">
-                          <a:effectLst/>
-                        </a:rPr>
-                        <a:t>remove document in safe</a:t>
-                      </a:r>
-                      <a:endParaRPr lang="en-US" sz="800" b="0" i="0" u="none" strike="noStrike">
-                        <a:solidFill>
-                          <a:srgbClr val="000000"/>
-                        </a:solidFill>
-                        <a:effectLst/>
-                        <a:latin typeface="맑은 고딕" panose="020B0503020000020004" pitchFamily="50" charset="-127"/>
-                        <a:ea typeface="맑은 고딕" panose="020B0503020000020004" pitchFamily="50" charset="-127"/>
-                      </a:endParaRPr>
-                    </a:p>
-                  </a:txBody>
-                  <a:tcPr marL="7094" marR="7094" marT="7094" marB="0" anchor="ctr"/>
-                </a:tc>
-              </a:tr>
-              <a:tr h="156068">
-                <a:tc>
-                  <a:txBody>
-                    <a:bodyPr/>
-                    <a:lstStyle/>
-                    <a:p>
-                      <a:pPr algn="r" fontAlgn="ctr"/>
-                      <a:r>
-                        <a:rPr lang="en-US" altLang="ko-KR" sz="800" u="none" strike="noStrike">
-                          <a:effectLst/>
-                        </a:rPr>
-                        <a:t>8</a:t>
-                      </a:r>
-                      <a:endParaRPr lang="en-US" altLang="ko-KR" sz="800" b="0" i="0" u="none" strike="noStrike">
-                        <a:solidFill>
-                          <a:srgbClr val="000000"/>
-                        </a:solidFill>
-                        <a:effectLst/>
-                        <a:latin typeface="맑은 고딕" panose="020B0503020000020004" pitchFamily="50" charset="-127"/>
-                        <a:ea typeface="맑은 고딕" panose="020B0503020000020004" pitchFamily="50" charset="-127"/>
-                      </a:endParaRPr>
-                    </a:p>
-                  </a:txBody>
-                  <a:tcPr marL="7094" marR="7094" marT="7094" marB="0" anchor="ctr"/>
-                </a:tc>
-                <a:tc>
-                  <a:txBody>
-                    <a:bodyPr/>
-                    <a:lstStyle/>
-                    <a:p>
-                      <a:pPr algn="l" fontAlgn="ctr"/>
-                      <a:r>
-                        <a:rPr lang="en-US" sz="800" u="none" strike="noStrike">
-                          <a:effectLst/>
-                        </a:rPr>
-                        <a:t>tc_removegoldinpot</a:t>
-                      </a:r>
-                      <a:endParaRPr lang="en-US" sz="800" b="0" i="0" u="none" strike="noStrike">
-                        <a:solidFill>
-                          <a:srgbClr val="000000"/>
-                        </a:solidFill>
-                        <a:effectLst/>
-                        <a:latin typeface="맑은 고딕" panose="020B0503020000020004" pitchFamily="50" charset="-127"/>
-                        <a:ea typeface="맑은 고딕" panose="020B0503020000020004" pitchFamily="50" charset="-127"/>
-                      </a:endParaRPr>
-                    </a:p>
-                  </a:txBody>
-                  <a:tcPr marL="7094" marR="7094" marT="7094" marB="0" anchor="ctr"/>
-                </a:tc>
-                <a:tc>
-                  <a:txBody>
-                    <a:bodyPr/>
-                    <a:lstStyle/>
-                    <a:p>
-                      <a:pPr algn="l" fontAlgn="ctr"/>
-                      <a:r>
-                        <a:rPr lang="en-US" sz="800" u="none" strike="noStrike">
-                          <a:effectLst/>
-                        </a:rPr>
-                        <a:t>action-item</a:t>
-                      </a:r>
-                      <a:endParaRPr lang="en-US" sz="800" b="0" i="0" u="none" strike="noStrike">
-                        <a:solidFill>
-                          <a:srgbClr val="000000"/>
-                        </a:solidFill>
-                        <a:effectLst/>
-                        <a:latin typeface="맑은 고딕" panose="020B0503020000020004" pitchFamily="50" charset="-127"/>
-                        <a:ea typeface="맑은 고딕" panose="020B0503020000020004" pitchFamily="50" charset="-127"/>
-                      </a:endParaRPr>
-                    </a:p>
-                  </a:txBody>
-                  <a:tcPr marL="7094" marR="7094" marT="7094" marB="0" anchor="ctr"/>
-                </a:tc>
-                <a:tc>
-                  <a:txBody>
-                    <a:bodyPr/>
-                    <a:lstStyle/>
-                    <a:p>
-                      <a:pPr algn="l" fontAlgn="ctr"/>
-                      <a:r>
-                        <a:rPr lang="en-US" sz="800" u="none" strike="noStrike">
-                          <a:effectLst/>
-                        </a:rPr>
-                        <a:t>remove gold in pot</a:t>
-                      </a:r>
-                      <a:endParaRPr lang="en-US" sz="800" b="0" i="0" u="none" strike="noStrike">
-                        <a:solidFill>
-                          <a:srgbClr val="000000"/>
-                        </a:solidFill>
-                        <a:effectLst/>
-                        <a:latin typeface="맑은 고딕" panose="020B0503020000020004" pitchFamily="50" charset="-127"/>
-                        <a:ea typeface="맑은 고딕" panose="020B0503020000020004" pitchFamily="50" charset="-127"/>
-                      </a:endParaRPr>
-                    </a:p>
-                  </a:txBody>
-                  <a:tcPr marL="7094" marR="7094" marT="7094" marB="0" anchor="ctr"/>
-                </a:tc>
-              </a:tr>
-              <a:tr h="156068">
-                <a:tc>
-                  <a:txBody>
-                    <a:bodyPr/>
-                    <a:lstStyle/>
-                    <a:p>
-                      <a:pPr algn="r" fontAlgn="ctr"/>
-                      <a:r>
-                        <a:rPr lang="en-US" altLang="ko-KR" sz="800" u="none" strike="noStrike">
-                          <a:effectLst/>
-                        </a:rPr>
-                        <a:t>9</a:t>
-                      </a:r>
-                      <a:endParaRPr lang="en-US" altLang="ko-KR" sz="800" b="0" i="0" u="none" strike="noStrike">
-                        <a:solidFill>
-                          <a:srgbClr val="000000"/>
-                        </a:solidFill>
-                        <a:effectLst/>
-                        <a:latin typeface="맑은 고딕" panose="020B0503020000020004" pitchFamily="50" charset="-127"/>
-                        <a:ea typeface="맑은 고딕" panose="020B0503020000020004" pitchFamily="50" charset="-127"/>
-                      </a:endParaRPr>
-                    </a:p>
-                  </a:txBody>
-                  <a:tcPr marL="7094" marR="7094" marT="7094" marB="0" anchor="ctr"/>
-                </a:tc>
-                <a:tc>
-                  <a:txBody>
-                    <a:bodyPr/>
-                    <a:lstStyle/>
-                    <a:p>
-                      <a:pPr algn="l" fontAlgn="ctr"/>
-                      <a:r>
-                        <a:rPr lang="en-US" sz="800" u="none" strike="noStrike">
-                          <a:effectLst/>
-                        </a:rPr>
-                        <a:t>tc_cg3</a:t>
-                      </a:r>
-                      <a:endParaRPr lang="en-US" sz="800" b="0" i="0" u="none" strike="noStrike">
-                        <a:solidFill>
-                          <a:srgbClr val="000000"/>
-                        </a:solidFill>
-                        <a:effectLst/>
-                        <a:latin typeface="맑은 고딕" panose="020B0503020000020004" pitchFamily="50" charset="-127"/>
-                        <a:ea typeface="맑은 고딕" panose="020B0503020000020004" pitchFamily="50" charset="-127"/>
-                      </a:endParaRPr>
-                    </a:p>
-                  </a:txBody>
-                  <a:tcPr marL="7094" marR="7094" marT="7094" marB="0" anchor="ctr"/>
-                </a:tc>
-                <a:tc>
-                  <a:txBody>
-                    <a:bodyPr/>
-                    <a:lstStyle/>
-                    <a:p>
-                      <a:pPr algn="l" fontAlgn="ctr"/>
-                      <a:r>
-                        <a:rPr lang="en-US" sz="800" u="none" strike="noStrike">
-                          <a:effectLst/>
-                        </a:rPr>
-                        <a:t>gameConfig - goal</a:t>
-                      </a:r>
-                      <a:endParaRPr lang="en-US" sz="800" b="0" i="0" u="none" strike="noStrike">
-                        <a:solidFill>
-                          <a:srgbClr val="000000"/>
-                        </a:solidFill>
-                        <a:effectLst/>
-                        <a:latin typeface="맑은 고딕" panose="020B0503020000020004" pitchFamily="50" charset="-127"/>
-                        <a:ea typeface="맑은 고딕" panose="020B0503020000020004" pitchFamily="50" charset="-127"/>
-                      </a:endParaRPr>
-                    </a:p>
-                  </a:txBody>
-                  <a:tcPr marL="7094" marR="7094" marT="7094" marB="0" anchor="ctr"/>
-                </a:tc>
-                <a:tc>
-                  <a:txBody>
-                    <a:bodyPr/>
-                    <a:lstStyle/>
-                    <a:p>
-                      <a:pPr algn="l" fontAlgn="ctr"/>
-                      <a:r>
-                        <a:rPr lang="en-US" sz="800" u="none" strike="noStrike">
-                          <a:effectLst/>
-                        </a:rPr>
-                        <a:t>Collect</a:t>
-                      </a:r>
-                      <a:endParaRPr lang="en-US" sz="800" b="0" i="0" u="none" strike="noStrike">
-                        <a:solidFill>
-                          <a:srgbClr val="000000"/>
-                        </a:solidFill>
-                        <a:effectLst/>
-                        <a:latin typeface="맑은 고딕" panose="020B0503020000020004" pitchFamily="50" charset="-127"/>
-                        <a:ea typeface="맑은 고딕" panose="020B0503020000020004" pitchFamily="50" charset="-127"/>
-                      </a:endParaRPr>
-                    </a:p>
-                  </a:txBody>
-                  <a:tcPr marL="7094" marR="7094" marT="7094" marB="0" anchor="ctr"/>
-                </a:tc>
-              </a:tr>
-              <a:tr h="156068">
-                <a:tc>
-                  <a:txBody>
-                    <a:bodyPr/>
-                    <a:lstStyle/>
-                    <a:p>
-                      <a:pPr algn="r" fontAlgn="ctr"/>
-                      <a:r>
-                        <a:rPr lang="en-US" altLang="ko-KR" sz="800" u="none" strike="noStrike">
-                          <a:effectLst/>
-                        </a:rPr>
-                        <a:t>10</a:t>
-                      </a:r>
-                      <a:endParaRPr lang="en-US" altLang="ko-KR" sz="800" b="0" i="0" u="none" strike="noStrike">
-                        <a:solidFill>
-                          <a:srgbClr val="000000"/>
-                        </a:solidFill>
-                        <a:effectLst/>
-                        <a:latin typeface="맑은 고딕" panose="020B0503020000020004" pitchFamily="50" charset="-127"/>
-                        <a:ea typeface="맑은 고딕" panose="020B0503020000020004" pitchFamily="50" charset="-127"/>
-                      </a:endParaRPr>
-                    </a:p>
-                  </a:txBody>
-                  <a:tcPr marL="7094" marR="7094" marT="7094" marB="0" anchor="ctr"/>
-                </a:tc>
-                <a:tc>
-                  <a:txBody>
-                    <a:bodyPr/>
-                    <a:lstStyle/>
-                    <a:p>
-                      <a:pPr algn="l" fontAlgn="ctr"/>
-                      <a:r>
-                        <a:rPr lang="en-US" sz="800" u="none" strike="noStrike">
-                          <a:effectLst/>
-                        </a:rPr>
-                        <a:t>tc_cg5</a:t>
-                      </a:r>
-                      <a:endParaRPr lang="en-US" sz="800" b="0" i="0" u="none" strike="noStrike">
-                        <a:solidFill>
-                          <a:srgbClr val="000000"/>
-                        </a:solidFill>
-                        <a:effectLst/>
-                        <a:latin typeface="맑은 고딕" panose="020B0503020000020004" pitchFamily="50" charset="-127"/>
-                        <a:ea typeface="맑은 고딕" panose="020B0503020000020004" pitchFamily="50" charset="-127"/>
-                      </a:endParaRPr>
-                    </a:p>
-                  </a:txBody>
-                  <a:tcPr marL="7094" marR="7094" marT="7094" marB="0" anchor="ctr"/>
-                </a:tc>
-                <a:tc>
-                  <a:txBody>
-                    <a:bodyPr/>
-                    <a:lstStyle/>
-                    <a:p>
-                      <a:pPr algn="l" fontAlgn="ctr"/>
-                      <a:r>
-                        <a:rPr lang="en-US" sz="800" u="none" strike="noStrike">
-                          <a:effectLst/>
-                        </a:rPr>
-                        <a:t>gameConfig - goal</a:t>
-                      </a:r>
-                      <a:endParaRPr lang="en-US" sz="800" b="0" i="0" u="none" strike="noStrike">
-                        <a:solidFill>
-                          <a:srgbClr val="000000"/>
-                        </a:solidFill>
-                        <a:effectLst/>
-                        <a:latin typeface="맑은 고딕" panose="020B0503020000020004" pitchFamily="50" charset="-127"/>
-                        <a:ea typeface="맑은 고딕" panose="020B0503020000020004" pitchFamily="50" charset="-127"/>
-                      </a:endParaRPr>
-                    </a:p>
-                  </a:txBody>
-                  <a:tcPr marL="7094" marR="7094" marT="7094" marB="0" anchor="ctr"/>
-                </a:tc>
-                <a:tc>
-                  <a:txBody>
-                    <a:bodyPr/>
-                    <a:lstStyle/>
-                    <a:p>
-                      <a:pPr algn="l" fontAlgn="ctr"/>
-                      <a:r>
-                        <a:rPr lang="en-US" sz="800" u="none" strike="noStrike">
-                          <a:effectLst/>
-                        </a:rPr>
-                        <a:t>explore</a:t>
-                      </a:r>
-                      <a:endParaRPr lang="en-US" sz="800" b="0" i="0" u="none" strike="noStrike">
-                        <a:solidFill>
-                          <a:srgbClr val="000000"/>
-                        </a:solidFill>
-                        <a:effectLst/>
-                        <a:latin typeface="맑은 고딕" panose="020B0503020000020004" pitchFamily="50" charset="-127"/>
-                        <a:ea typeface="맑은 고딕" panose="020B0503020000020004" pitchFamily="50" charset="-127"/>
-                      </a:endParaRPr>
-                    </a:p>
-                  </a:txBody>
-                  <a:tcPr marL="7094" marR="7094" marT="7094" marB="0" anchor="ctr"/>
-                </a:tc>
-              </a:tr>
-              <a:tr h="156068">
-                <a:tc>
-                  <a:txBody>
-                    <a:bodyPr/>
-                    <a:lstStyle/>
-                    <a:p>
-                      <a:pPr algn="r" fontAlgn="ctr"/>
-                      <a:r>
-                        <a:rPr lang="en-US" altLang="ko-KR" sz="800" u="none" strike="noStrike">
-                          <a:effectLst/>
-                        </a:rPr>
-                        <a:t>11</a:t>
-                      </a:r>
-                      <a:endParaRPr lang="en-US" altLang="ko-KR" sz="800" b="0" i="0" u="none" strike="noStrike">
-                        <a:solidFill>
-                          <a:srgbClr val="000000"/>
-                        </a:solidFill>
-                        <a:effectLst/>
-                        <a:latin typeface="맑은 고딕" panose="020B0503020000020004" pitchFamily="50" charset="-127"/>
-                        <a:ea typeface="맑은 고딕" panose="020B0503020000020004" pitchFamily="50" charset="-127"/>
-                      </a:endParaRPr>
-                    </a:p>
-                  </a:txBody>
-                  <a:tcPr marL="7094" marR="7094" marT="7094" marB="0" anchor="ctr"/>
-                </a:tc>
-                <a:tc>
-                  <a:txBody>
-                    <a:bodyPr/>
-                    <a:lstStyle/>
-                    <a:p>
-                      <a:pPr algn="l" fontAlgn="ctr"/>
-                      <a:r>
-                        <a:rPr lang="en-US" sz="800" u="none" strike="noStrike">
-                          <a:effectLst/>
-                        </a:rPr>
-                        <a:t>tc_cg6</a:t>
-                      </a:r>
-                      <a:endParaRPr lang="en-US" sz="800" b="0" i="0" u="none" strike="noStrike">
-                        <a:solidFill>
-                          <a:srgbClr val="000000"/>
-                        </a:solidFill>
-                        <a:effectLst/>
-                        <a:latin typeface="맑은 고딕" panose="020B0503020000020004" pitchFamily="50" charset="-127"/>
-                        <a:ea typeface="맑은 고딕" panose="020B0503020000020004" pitchFamily="50" charset="-127"/>
-                      </a:endParaRPr>
-                    </a:p>
-                  </a:txBody>
-                  <a:tcPr marL="7094" marR="7094" marT="7094" marB="0" anchor="ctr"/>
-                </a:tc>
-                <a:tc>
-                  <a:txBody>
-                    <a:bodyPr/>
-                    <a:lstStyle/>
-                    <a:p>
-                      <a:pPr algn="l" fontAlgn="ctr"/>
-                      <a:r>
-                        <a:rPr lang="en-US" sz="800" u="none" strike="noStrike">
-                          <a:effectLst/>
-                        </a:rPr>
-                        <a:t>gameConfig - goal</a:t>
-                      </a:r>
-                      <a:endParaRPr lang="en-US" sz="800" b="0" i="0" u="none" strike="noStrike">
-                        <a:solidFill>
-                          <a:srgbClr val="000000"/>
-                        </a:solidFill>
-                        <a:effectLst/>
-                        <a:latin typeface="맑은 고딕" panose="020B0503020000020004" pitchFamily="50" charset="-127"/>
-                        <a:ea typeface="맑은 고딕" panose="020B0503020000020004" pitchFamily="50" charset="-127"/>
-                      </a:endParaRPr>
-                    </a:p>
-                  </a:txBody>
-                  <a:tcPr marL="7094" marR="7094" marT="7094" marB="0" anchor="ctr"/>
-                </a:tc>
-                <a:tc>
-                  <a:txBody>
-                    <a:bodyPr/>
-                    <a:lstStyle/>
-                    <a:p>
-                      <a:pPr algn="l" fontAlgn="ctr"/>
-                      <a:r>
-                        <a:rPr lang="en-US" sz="800" u="none" strike="noStrike">
-                          <a:effectLst/>
-                        </a:rPr>
-                        <a:t>point</a:t>
-                      </a:r>
-                      <a:endParaRPr lang="en-US" sz="800" b="0" i="0" u="none" strike="noStrike">
-                        <a:solidFill>
-                          <a:srgbClr val="000000"/>
-                        </a:solidFill>
-                        <a:effectLst/>
-                        <a:latin typeface="맑은 고딕" panose="020B0503020000020004" pitchFamily="50" charset="-127"/>
-                        <a:ea typeface="맑은 고딕" panose="020B0503020000020004" pitchFamily="50" charset="-127"/>
-                      </a:endParaRPr>
-                    </a:p>
-                  </a:txBody>
-                  <a:tcPr marL="7094" marR="7094" marT="7094" marB="0" anchor="ctr"/>
-                </a:tc>
-              </a:tr>
-              <a:tr h="156068">
-                <a:tc>
-                  <a:txBody>
-                    <a:bodyPr/>
-                    <a:lstStyle/>
-                    <a:p>
-                      <a:pPr algn="r" fontAlgn="ctr"/>
-                      <a:r>
-                        <a:rPr lang="en-US" altLang="ko-KR" sz="800" u="none" strike="noStrike">
-                          <a:effectLst/>
-                        </a:rPr>
-                        <a:t>12</a:t>
-                      </a:r>
-                      <a:endParaRPr lang="en-US" altLang="ko-KR" sz="800" b="0" i="0" u="none" strike="noStrike">
-                        <a:solidFill>
-                          <a:srgbClr val="000000"/>
-                        </a:solidFill>
-                        <a:effectLst/>
-                        <a:latin typeface="맑은 고딕" panose="020B0503020000020004" pitchFamily="50" charset="-127"/>
-                        <a:ea typeface="맑은 고딕" panose="020B0503020000020004" pitchFamily="50" charset="-127"/>
-                      </a:endParaRPr>
-                    </a:p>
-                  </a:txBody>
-                  <a:tcPr marL="7094" marR="7094" marT="7094" marB="0" anchor="ctr"/>
-                </a:tc>
-                <a:tc>
-                  <a:txBody>
-                    <a:bodyPr/>
-                    <a:lstStyle/>
-                    <a:p>
-                      <a:pPr algn="l" fontAlgn="ctr"/>
-                      <a:r>
-                        <a:rPr lang="en-US" sz="800" u="none" strike="noStrike">
-                          <a:effectLst/>
-                        </a:rPr>
-                        <a:t>tc_cr06</a:t>
-                      </a:r>
-                      <a:endParaRPr lang="en-US" sz="800" b="0" i="0" u="none" strike="noStrike">
-                        <a:solidFill>
-                          <a:srgbClr val="000000"/>
-                        </a:solidFill>
-                        <a:effectLst/>
-                        <a:latin typeface="맑은 고딕" panose="020B0503020000020004" pitchFamily="50" charset="-127"/>
-                        <a:ea typeface="맑은 고딕" panose="020B0503020000020004" pitchFamily="50" charset="-127"/>
-                      </a:endParaRPr>
-                    </a:p>
-                  </a:txBody>
-                  <a:tcPr marL="7094" marR="7094" marT="7094" marB="0" anchor="ctr"/>
-                </a:tc>
-                <a:tc>
-                  <a:txBody>
-                    <a:bodyPr/>
-                    <a:lstStyle/>
-                    <a:p>
-                      <a:pPr algn="l" fontAlgn="ctr"/>
-                      <a:r>
-                        <a:rPr lang="en-US" sz="800" u="none" strike="noStrike">
-                          <a:effectLst/>
-                        </a:rPr>
-                        <a:t>gameConfig - room</a:t>
-                      </a:r>
-                      <a:endParaRPr lang="en-US" sz="800" b="0" i="0" u="none" strike="noStrike">
-                        <a:solidFill>
-                          <a:srgbClr val="000000"/>
-                        </a:solidFill>
-                        <a:effectLst/>
-                        <a:latin typeface="맑은 고딕" panose="020B0503020000020004" pitchFamily="50" charset="-127"/>
-                        <a:ea typeface="맑은 고딕" panose="020B0503020000020004" pitchFamily="50" charset="-127"/>
-                      </a:endParaRPr>
-                    </a:p>
-                  </a:txBody>
-                  <a:tcPr marL="7094" marR="7094" marT="7094" marB="0" anchor="ctr"/>
-                </a:tc>
-                <a:tc>
-                  <a:txBody>
-                    <a:bodyPr/>
-                    <a:lstStyle/>
-                    <a:p>
-                      <a:pPr algn="l" fontAlgn="ctr"/>
-                      <a:r>
-                        <a:rPr lang="en-US" sz="800" u="none" strike="noStrike">
-                          <a:effectLst/>
-                        </a:rPr>
-                        <a:t>Elevator Room : some 1~4 button has same releated floor room</a:t>
-                      </a:r>
-                      <a:endParaRPr lang="en-US" sz="800" b="0" i="0" u="none" strike="noStrike">
-                        <a:solidFill>
-                          <a:srgbClr val="000000"/>
-                        </a:solidFill>
-                        <a:effectLst/>
-                        <a:latin typeface="맑은 고딕" panose="020B0503020000020004" pitchFamily="50" charset="-127"/>
-                        <a:ea typeface="맑은 고딕" panose="020B0503020000020004" pitchFamily="50" charset="-127"/>
-                      </a:endParaRPr>
-                    </a:p>
-                  </a:txBody>
-                  <a:tcPr marL="7094" marR="7094" marT="7094" marB="0" anchor="ctr"/>
-                </a:tc>
-              </a:tr>
-              <a:tr h="156068">
-                <a:tc>
-                  <a:txBody>
-                    <a:bodyPr/>
-                    <a:lstStyle/>
-                    <a:p>
-                      <a:pPr algn="r" fontAlgn="ctr"/>
-                      <a:r>
-                        <a:rPr lang="en-US" altLang="ko-KR" sz="800" u="none" strike="noStrike">
-                          <a:effectLst/>
-                        </a:rPr>
-                        <a:t>13</a:t>
-                      </a:r>
-                      <a:endParaRPr lang="en-US" altLang="ko-KR" sz="800" b="0" i="0" u="none" strike="noStrike">
-                        <a:solidFill>
-                          <a:srgbClr val="000000"/>
-                        </a:solidFill>
-                        <a:effectLst/>
-                        <a:latin typeface="맑은 고딕" panose="020B0503020000020004" pitchFamily="50" charset="-127"/>
-                        <a:ea typeface="맑은 고딕" panose="020B0503020000020004" pitchFamily="50" charset="-127"/>
-                      </a:endParaRPr>
-                    </a:p>
-                  </a:txBody>
-                  <a:tcPr marL="7094" marR="7094" marT="7094" marB="0" anchor="ctr"/>
-                </a:tc>
-                <a:tc>
-                  <a:txBody>
-                    <a:bodyPr/>
-                    <a:lstStyle/>
-                    <a:p>
-                      <a:pPr algn="l" fontAlgn="ctr"/>
-                      <a:r>
-                        <a:rPr lang="en-US" sz="800" u="none" strike="noStrike">
-                          <a:effectLst/>
-                        </a:rPr>
-                        <a:t>tc_cr11</a:t>
-                      </a:r>
-                      <a:endParaRPr lang="en-US" sz="800" b="0" i="0" u="none" strike="noStrike">
-                        <a:solidFill>
-                          <a:srgbClr val="000000"/>
-                        </a:solidFill>
-                        <a:effectLst/>
-                        <a:latin typeface="맑은 고딕" panose="020B0503020000020004" pitchFamily="50" charset="-127"/>
-                        <a:ea typeface="맑은 고딕" panose="020B0503020000020004" pitchFamily="50" charset="-127"/>
-                      </a:endParaRPr>
-                    </a:p>
-                  </a:txBody>
-                  <a:tcPr marL="7094" marR="7094" marT="7094" marB="0" anchor="ctr"/>
-                </a:tc>
-                <a:tc>
-                  <a:txBody>
-                    <a:bodyPr/>
-                    <a:lstStyle/>
-                    <a:p>
-                      <a:pPr algn="l" fontAlgn="ctr"/>
-                      <a:r>
-                        <a:rPr lang="en-US" sz="800" u="none" strike="noStrike">
-                          <a:effectLst/>
-                        </a:rPr>
-                        <a:t>gameConfig - room</a:t>
-                      </a:r>
-                      <a:endParaRPr lang="en-US" sz="800" b="0" i="0" u="none" strike="noStrike">
-                        <a:solidFill>
-                          <a:srgbClr val="000000"/>
-                        </a:solidFill>
-                        <a:effectLst/>
-                        <a:latin typeface="맑은 고딕" panose="020B0503020000020004" pitchFamily="50" charset="-127"/>
-                        <a:ea typeface="맑은 고딕" panose="020B0503020000020004" pitchFamily="50" charset="-127"/>
-                      </a:endParaRPr>
-                    </a:p>
-                  </a:txBody>
-                  <a:tcPr marL="7094" marR="7094" marT="7094" marB="0" anchor="ctr"/>
-                </a:tc>
-                <a:tc>
-                  <a:txBody>
-                    <a:bodyPr/>
-                    <a:lstStyle/>
-                    <a:p>
-                      <a:pPr algn="l" fontAlgn="ctr"/>
-                      <a:r>
-                        <a:rPr lang="en-US" sz="800" u="none" strike="noStrike">
-                          <a:effectLst/>
-                        </a:rPr>
-                        <a:t>Excavatable Room : no shovel in game</a:t>
-                      </a:r>
-                      <a:endParaRPr lang="en-US" sz="800" b="0" i="0" u="none" strike="noStrike">
-                        <a:solidFill>
-                          <a:srgbClr val="000000"/>
-                        </a:solidFill>
-                        <a:effectLst/>
-                        <a:latin typeface="맑은 고딕" panose="020B0503020000020004" pitchFamily="50" charset="-127"/>
-                        <a:ea typeface="맑은 고딕" panose="020B0503020000020004" pitchFamily="50" charset="-127"/>
-                      </a:endParaRPr>
-                    </a:p>
-                  </a:txBody>
-                  <a:tcPr marL="7094" marR="7094" marT="7094" marB="0" anchor="ctr"/>
-                </a:tc>
-              </a:tr>
-              <a:tr h="156068">
-                <a:tc>
-                  <a:txBody>
-                    <a:bodyPr/>
-                    <a:lstStyle/>
-                    <a:p>
-                      <a:pPr algn="r" fontAlgn="ctr"/>
-                      <a:r>
-                        <a:rPr lang="en-US" altLang="ko-KR" sz="800" u="none" strike="noStrike">
-                          <a:effectLst/>
-                        </a:rPr>
-                        <a:t>14</a:t>
-                      </a:r>
-                      <a:endParaRPr lang="en-US" altLang="ko-KR" sz="800" b="0" i="0" u="none" strike="noStrike">
-                        <a:solidFill>
-                          <a:srgbClr val="000000"/>
-                        </a:solidFill>
-                        <a:effectLst/>
-                        <a:latin typeface="맑은 고딕" panose="020B0503020000020004" pitchFamily="50" charset="-127"/>
-                        <a:ea typeface="맑은 고딕" panose="020B0503020000020004" pitchFamily="50" charset="-127"/>
-                      </a:endParaRPr>
-                    </a:p>
-                  </a:txBody>
-                  <a:tcPr marL="7094" marR="7094" marT="7094" marB="0" anchor="ctr"/>
-                </a:tc>
-                <a:tc>
-                  <a:txBody>
-                    <a:bodyPr/>
-                    <a:lstStyle/>
-                    <a:p>
-                      <a:pPr algn="l" fontAlgn="ctr"/>
-                      <a:r>
-                        <a:rPr lang="en-US" sz="800" u="none" strike="noStrike">
-                          <a:effectLst/>
-                        </a:rPr>
-                        <a:t>tc_cr12</a:t>
-                      </a:r>
-                      <a:endParaRPr lang="en-US" sz="800" b="0" i="0" u="none" strike="noStrike">
-                        <a:solidFill>
-                          <a:srgbClr val="000000"/>
-                        </a:solidFill>
-                        <a:effectLst/>
-                        <a:latin typeface="맑은 고딕" panose="020B0503020000020004" pitchFamily="50" charset="-127"/>
-                        <a:ea typeface="맑은 고딕" panose="020B0503020000020004" pitchFamily="50" charset="-127"/>
-                      </a:endParaRPr>
-                    </a:p>
-                  </a:txBody>
-                  <a:tcPr marL="7094" marR="7094" marT="7094" marB="0" anchor="ctr"/>
-                </a:tc>
-                <a:tc>
-                  <a:txBody>
-                    <a:bodyPr/>
-                    <a:lstStyle/>
-                    <a:p>
-                      <a:pPr algn="l" fontAlgn="ctr"/>
-                      <a:r>
-                        <a:rPr lang="en-US" sz="800" u="none" strike="noStrike">
-                          <a:effectLst/>
-                        </a:rPr>
-                        <a:t>gameConfig - room</a:t>
-                      </a:r>
-                      <a:endParaRPr lang="en-US" sz="800" b="0" i="0" u="none" strike="noStrike">
-                        <a:solidFill>
-                          <a:srgbClr val="000000"/>
-                        </a:solidFill>
-                        <a:effectLst/>
-                        <a:latin typeface="맑은 고딕" panose="020B0503020000020004" pitchFamily="50" charset="-127"/>
-                        <a:ea typeface="맑은 고딕" panose="020B0503020000020004" pitchFamily="50" charset="-127"/>
-                      </a:endParaRPr>
-                    </a:p>
-                  </a:txBody>
-                  <a:tcPr marL="7094" marR="7094" marT="7094" marB="0" anchor="ctr"/>
-                </a:tc>
-                <a:tc>
-                  <a:txBody>
-                    <a:bodyPr/>
-                    <a:lstStyle/>
-                    <a:p>
-                      <a:pPr algn="l" fontAlgn="ctr"/>
-                      <a:r>
-                        <a:rPr lang="en-US" sz="800" u="none" strike="noStrike">
-                          <a:effectLst/>
-                        </a:rPr>
-                        <a:t>Lockable Room : No room related time (e.g key)</a:t>
-                      </a:r>
-                      <a:endParaRPr lang="en-US" sz="800" b="0" i="0" u="none" strike="noStrike">
-                        <a:solidFill>
-                          <a:srgbClr val="000000"/>
-                        </a:solidFill>
-                        <a:effectLst/>
-                        <a:latin typeface="맑은 고딕" panose="020B0503020000020004" pitchFamily="50" charset="-127"/>
-                        <a:ea typeface="맑은 고딕" panose="020B0503020000020004" pitchFamily="50" charset="-127"/>
-                      </a:endParaRPr>
-                    </a:p>
-                  </a:txBody>
-                  <a:tcPr marL="7094" marR="7094" marT="7094" marB="0" anchor="ctr"/>
-                </a:tc>
-              </a:tr>
-              <a:tr h="156068">
-                <a:tc>
-                  <a:txBody>
-                    <a:bodyPr/>
-                    <a:lstStyle/>
-                    <a:p>
-                      <a:pPr algn="r" fontAlgn="ctr"/>
-                      <a:r>
-                        <a:rPr lang="en-US" altLang="ko-KR" sz="800" u="none" strike="noStrike">
-                          <a:effectLst/>
-                        </a:rPr>
-                        <a:t>15</a:t>
-                      </a:r>
-                      <a:endParaRPr lang="en-US" altLang="ko-KR" sz="800" b="0" i="0" u="none" strike="noStrike">
-                        <a:solidFill>
-                          <a:srgbClr val="000000"/>
-                        </a:solidFill>
-                        <a:effectLst/>
-                        <a:latin typeface="맑은 고딕" panose="020B0503020000020004" pitchFamily="50" charset="-127"/>
-                        <a:ea typeface="맑은 고딕" panose="020B0503020000020004" pitchFamily="50" charset="-127"/>
-                      </a:endParaRPr>
-                    </a:p>
-                  </a:txBody>
-                  <a:tcPr marL="7094" marR="7094" marT="7094" marB="0" anchor="ctr"/>
-                </a:tc>
-                <a:tc>
-                  <a:txBody>
-                    <a:bodyPr/>
-                    <a:lstStyle/>
-                    <a:p>
-                      <a:pPr algn="l" fontAlgn="ctr"/>
-                      <a:r>
-                        <a:rPr lang="en-US" sz="800" u="none" strike="noStrike">
-                          <a:effectLst/>
-                        </a:rPr>
-                        <a:t>tc_cr13</a:t>
-                      </a:r>
-                      <a:endParaRPr lang="en-US" sz="800" b="0" i="0" u="none" strike="noStrike">
-                        <a:solidFill>
-                          <a:srgbClr val="000000"/>
-                        </a:solidFill>
-                        <a:effectLst/>
-                        <a:latin typeface="맑은 고딕" panose="020B0503020000020004" pitchFamily="50" charset="-127"/>
-                        <a:ea typeface="맑은 고딕" panose="020B0503020000020004" pitchFamily="50" charset="-127"/>
-                      </a:endParaRPr>
-                    </a:p>
-                  </a:txBody>
-                  <a:tcPr marL="7094" marR="7094" marT="7094" marB="0" anchor="ctr"/>
-                </a:tc>
-                <a:tc>
-                  <a:txBody>
-                    <a:bodyPr/>
-                    <a:lstStyle/>
-                    <a:p>
-                      <a:pPr algn="l" fontAlgn="ctr"/>
-                      <a:r>
-                        <a:rPr lang="en-US" sz="800" u="none" strike="noStrike">
-                          <a:effectLst/>
-                        </a:rPr>
-                        <a:t>gameConfig - room</a:t>
-                      </a:r>
-                      <a:endParaRPr lang="en-US" sz="800" b="0" i="0" u="none" strike="noStrike">
-                        <a:solidFill>
-                          <a:srgbClr val="000000"/>
-                        </a:solidFill>
-                        <a:effectLst/>
-                        <a:latin typeface="맑은 고딕" panose="020B0503020000020004" pitchFamily="50" charset="-127"/>
-                        <a:ea typeface="맑은 고딕" panose="020B0503020000020004" pitchFamily="50" charset="-127"/>
-                      </a:endParaRPr>
-                    </a:p>
-                  </a:txBody>
-                  <a:tcPr marL="7094" marR="7094" marT="7094" marB="0" anchor="ctr"/>
-                </a:tc>
-                <a:tc>
-                  <a:txBody>
-                    <a:bodyPr/>
-                    <a:lstStyle/>
-                    <a:p>
-                      <a:pPr algn="l" fontAlgn="ctr"/>
-                      <a:r>
-                        <a:rPr lang="en-US" sz="800" u="none" strike="noStrike">
-                          <a:effectLst/>
-                        </a:rPr>
-                        <a:t>Lockable Room : No lock in game</a:t>
-                      </a:r>
-                      <a:endParaRPr lang="en-US" sz="800" b="0" i="0" u="none" strike="noStrike">
-                        <a:solidFill>
-                          <a:srgbClr val="000000"/>
-                        </a:solidFill>
-                        <a:effectLst/>
-                        <a:latin typeface="맑은 고딕" panose="020B0503020000020004" pitchFamily="50" charset="-127"/>
-                        <a:ea typeface="맑은 고딕" panose="020B0503020000020004" pitchFamily="50" charset="-127"/>
-                      </a:endParaRPr>
-                    </a:p>
-                  </a:txBody>
-                  <a:tcPr marL="7094" marR="7094" marT="7094" marB="0" anchor="ctr"/>
-                </a:tc>
-              </a:tr>
-              <a:tr h="156068">
-                <a:tc>
-                  <a:txBody>
-                    <a:bodyPr/>
-                    <a:lstStyle/>
-                    <a:p>
-                      <a:pPr algn="r" fontAlgn="ctr"/>
-                      <a:r>
-                        <a:rPr lang="en-US" altLang="ko-KR" sz="800" u="none" strike="noStrike">
-                          <a:effectLst/>
-                        </a:rPr>
-                        <a:t>16</a:t>
-                      </a:r>
-                      <a:endParaRPr lang="en-US" altLang="ko-KR" sz="800" b="0" i="0" u="none" strike="noStrike">
-                        <a:solidFill>
-                          <a:srgbClr val="000000"/>
-                        </a:solidFill>
-                        <a:effectLst/>
-                        <a:latin typeface="맑은 고딕" panose="020B0503020000020004" pitchFamily="50" charset="-127"/>
-                        <a:ea typeface="맑은 고딕" panose="020B0503020000020004" pitchFamily="50" charset="-127"/>
-                      </a:endParaRPr>
-                    </a:p>
-                  </a:txBody>
-                  <a:tcPr marL="7094" marR="7094" marT="7094" marB="0" anchor="ctr"/>
-                </a:tc>
-                <a:tc>
-                  <a:txBody>
-                    <a:bodyPr/>
-                    <a:lstStyle/>
-                    <a:p>
-                      <a:pPr algn="l" fontAlgn="ctr"/>
-                      <a:r>
-                        <a:rPr lang="en-US" sz="800" u="none" strike="noStrike">
-                          <a:effectLst/>
-                        </a:rPr>
-                        <a:t>tc_cr16</a:t>
-                      </a:r>
-                      <a:endParaRPr lang="en-US" sz="800" b="0" i="0" u="none" strike="noStrike">
-                        <a:solidFill>
-                          <a:srgbClr val="000000"/>
-                        </a:solidFill>
-                        <a:effectLst/>
-                        <a:latin typeface="맑은 고딕" panose="020B0503020000020004" pitchFamily="50" charset="-127"/>
-                        <a:ea typeface="맑은 고딕" panose="020B0503020000020004" pitchFamily="50" charset="-127"/>
-                      </a:endParaRPr>
-                    </a:p>
-                  </a:txBody>
-                  <a:tcPr marL="7094" marR="7094" marT="7094" marB="0" anchor="ctr"/>
-                </a:tc>
-                <a:tc>
-                  <a:txBody>
-                    <a:bodyPr/>
-                    <a:lstStyle/>
-                    <a:p>
-                      <a:pPr algn="l" fontAlgn="ctr"/>
-                      <a:r>
-                        <a:rPr lang="en-US" sz="800" u="none" strike="noStrike">
-                          <a:effectLst/>
-                        </a:rPr>
-                        <a:t>gameConfig - room</a:t>
-                      </a:r>
-                      <a:endParaRPr lang="en-US" sz="800" b="0" i="0" u="none" strike="noStrike">
-                        <a:solidFill>
-                          <a:srgbClr val="000000"/>
-                        </a:solidFill>
-                        <a:effectLst/>
-                        <a:latin typeface="맑은 고딕" panose="020B0503020000020004" pitchFamily="50" charset="-127"/>
-                        <a:ea typeface="맑은 고딕" panose="020B0503020000020004" pitchFamily="50" charset="-127"/>
-                      </a:endParaRPr>
-                    </a:p>
-                  </a:txBody>
-                  <a:tcPr marL="7094" marR="7094" marT="7094" marB="0" anchor="ctr"/>
-                </a:tc>
-                <a:tc>
-                  <a:txBody>
-                    <a:bodyPr/>
-                    <a:lstStyle/>
-                    <a:p>
-                      <a:pPr algn="l" fontAlgn="ctr"/>
-                      <a:r>
-                        <a:rPr lang="en-US" sz="800" u="none" strike="noStrike">
-                          <a:effectLst/>
-                        </a:rPr>
-                        <a:t>Obscured Room : No (obscuring setted) itme in game</a:t>
-                      </a:r>
-                      <a:endParaRPr lang="en-US" sz="800" b="0" i="0" u="none" strike="noStrike">
-                        <a:solidFill>
-                          <a:srgbClr val="000000"/>
-                        </a:solidFill>
-                        <a:effectLst/>
-                        <a:latin typeface="맑은 고딕" panose="020B0503020000020004" pitchFamily="50" charset="-127"/>
-                        <a:ea typeface="맑은 고딕" panose="020B0503020000020004" pitchFamily="50" charset="-127"/>
-                      </a:endParaRPr>
-                    </a:p>
-                  </a:txBody>
-                  <a:tcPr marL="7094" marR="7094" marT="7094" marB="0" anchor="ctr"/>
-                </a:tc>
-              </a:tr>
-              <a:tr h="156068">
-                <a:tc>
-                  <a:txBody>
-                    <a:bodyPr/>
-                    <a:lstStyle/>
-                    <a:p>
-                      <a:pPr algn="r" fontAlgn="ctr"/>
-                      <a:r>
-                        <a:rPr lang="en-US" altLang="ko-KR" sz="800" u="none" strike="noStrike">
-                          <a:effectLst/>
-                        </a:rPr>
-                        <a:t>17</a:t>
-                      </a:r>
-                      <a:endParaRPr lang="en-US" altLang="ko-KR" sz="800" b="0" i="0" u="none" strike="noStrike">
-                        <a:solidFill>
-                          <a:srgbClr val="000000"/>
-                        </a:solidFill>
-                        <a:effectLst/>
-                        <a:latin typeface="맑은 고딕" panose="020B0503020000020004" pitchFamily="50" charset="-127"/>
-                        <a:ea typeface="맑은 고딕" panose="020B0503020000020004" pitchFamily="50" charset="-127"/>
-                      </a:endParaRPr>
-                    </a:p>
-                  </a:txBody>
-                  <a:tcPr marL="7094" marR="7094" marT="7094" marB="0" anchor="ctr"/>
-                </a:tc>
-                <a:tc>
-                  <a:txBody>
-                    <a:bodyPr/>
-                    <a:lstStyle/>
-                    <a:p>
-                      <a:pPr algn="l" fontAlgn="ctr"/>
-                      <a:r>
-                        <a:rPr lang="en-US" sz="800" u="none" strike="noStrike">
-                          <a:effectLst/>
-                        </a:rPr>
-                        <a:t>tc_cr18</a:t>
-                      </a:r>
-                      <a:endParaRPr lang="en-US" sz="800" b="0" i="0" u="none" strike="noStrike">
-                        <a:solidFill>
-                          <a:srgbClr val="000000"/>
-                        </a:solidFill>
-                        <a:effectLst/>
-                        <a:latin typeface="맑은 고딕" panose="020B0503020000020004" pitchFamily="50" charset="-127"/>
-                        <a:ea typeface="맑은 고딕" panose="020B0503020000020004" pitchFamily="50" charset="-127"/>
-                      </a:endParaRPr>
-                    </a:p>
-                  </a:txBody>
-                  <a:tcPr marL="7094" marR="7094" marT="7094" marB="0" anchor="ctr"/>
-                </a:tc>
-                <a:tc>
-                  <a:txBody>
-                    <a:bodyPr/>
-                    <a:lstStyle/>
-                    <a:p>
-                      <a:pPr algn="l" fontAlgn="ctr"/>
-                      <a:r>
-                        <a:rPr lang="en-US" sz="800" u="none" strike="noStrike">
-                          <a:effectLst/>
-                        </a:rPr>
-                        <a:t>gameConfig - room</a:t>
-                      </a:r>
-                      <a:endParaRPr lang="en-US" sz="800" b="0" i="0" u="none" strike="noStrike">
-                        <a:solidFill>
-                          <a:srgbClr val="000000"/>
-                        </a:solidFill>
-                        <a:effectLst/>
-                        <a:latin typeface="맑은 고딕" panose="020B0503020000020004" pitchFamily="50" charset="-127"/>
-                        <a:ea typeface="맑은 고딕" panose="020B0503020000020004" pitchFamily="50" charset="-127"/>
-                      </a:endParaRPr>
-                    </a:p>
-                  </a:txBody>
-                  <a:tcPr marL="7094" marR="7094" marT="7094" marB="0" anchor="ctr"/>
-                </a:tc>
-                <a:tc>
-                  <a:txBody>
-                    <a:bodyPr/>
-                    <a:lstStyle/>
-                    <a:p>
-                      <a:pPr algn="l" fontAlgn="ctr"/>
-                      <a:r>
-                        <a:rPr lang="en-US" sz="800" u="none" strike="noStrike">
-                          <a:effectLst/>
-                        </a:rPr>
-                        <a:t>Required Item Room: set room related item that is not holdable</a:t>
-                      </a:r>
-                      <a:endParaRPr lang="en-US" sz="800" b="0" i="0" u="none" strike="noStrike">
-                        <a:solidFill>
-                          <a:srgbClr val="000000"/>
-                        </a:solidFill>
-                        <a:effectLst/>
-                        <a:latin typeface="맑은 고딕" panose="020B0503020000020004" pitchFamily="50" charset="-127"/>
-                        <a:ea typeface="맑은 고딕" panose="020B0503020000020004" pitchFamily="50" charset="-127"/>
-                      </a:endParaRPr>
-                    </a:p>
-                  </a:txBody>
-                  <a:tcPr marL="7094" marR="7094" marT="7094" marB="0" anchor="ctr"/>
-                </a:tc>
-              </a:tr>
-              <a:tr h="156068">
-                <a:tc>
-                  <a:txBody>
-                    <a:bodyPr/>
-                    <a:lstStyle/>
-                    <a:p>
-                      <a:pPr algn="r" fontAlgn="ctr"/>
-                      <a:r>
-                        <a:rPr lang="en-US" altLang="ko-KR" sz="800" u="none" strike="noStrike">
-                          <a:effectLst/>
-                        </a:rPr>
-                        <a:t>18</a:t>
-                      </a:r>
-                      <a:endParaRPr lang="en-US" altLang="ko-KR" sz="800" b="0" i="0" u="none" strike="noStrike">
-                        <a:solidFill>
-                          <a:srgbClr val="000000"/>
-                        </a:solidFill>
-                        <a:effectLst/>
-                        <a:latin typeface="맑은 고딕" panose="020B0503020000020004" pitchFamily="50" charset="-127"/>
-                        <a:ea typeface="맑은 고딕" panose="020B0503020000020004" pitchFamily="50" charset="-127"/>
-                      </a:endParaRPr>
-                    </a:p>
-                  </a:txBody>
-                  <a:tcPr marL="7094" marR="7094" marT="7094" marB="0" anchor="ctr"/>
-                </a:tc>
-                <a:tc>
-                  <a:txBody>
-                    <a:bodyPr/>
-                    <a:lstStyle/>
-                    <a:p>
-                      <a:pPr algn="l" fontAlgn="ctr"/>
-                      <a:r>
-                        <a:rPr lang="en-US" sz="800" u="none" strike="noStrike">
-                          <a:effectLst/>
-                        </a:rPr>
-                        <a:t>tc_cr21</a:t>
-                      </a:r>
-                      <a:endParaRPr lang="en-US" sz="800" b="0" i="0" u="none" strike="noStrike">
-                        <a:solidFill>
-                          <a:srgbClr val="000000"/>
-                        </a:solidFill>
-                        <a:effectLst/>
-                        <a:latin typeface="맑은 고딕" panose="020B0503020000020004" pitchFamily="50" charset="-127"/>
-                        <a:ea typeface="맑은 고딕" panose="020B0503020000020004" pitchFamily="50" charset="-127"/>
-                      </a:endParaRPr>
-                    </a:p>
-                  </a:txBody>
-                  <a:tcPr marL="7094" marR="7094" marT="7094" marB="0" anchor="ctr"/>
-                </a:tc>
-                <a:tc>
-                  <a:txBody>
-                    <a:bodyPr/>
-                    <a:lstStyle/>
-                    <a:p>
-                      <a:pPr algn="l" fontAlgn="ctr"/>
-                      <a:r>
-                        <a:rPr lang="en-US" sz="800" u="none" strike="noStrike">
-                          <a:effectLst/>
-                        </a:rPr>
-                        <a:t>gameConfig - room</a:t>
-                      </a:r>
-                      <a:endParaRPr lang="en-US" sz="800" b="0" i="0" u="none" strike="noStrike">
-                        <a:solidFill>
-                          <a:srgbClr val="000000"/>
-                        </a:solidFill>
-                        <a:effectLst/>
-                        <a:latin typeface="맑은 고딕" panose="020B0503020000020004" pitchFamily="50" charset="-127"/>
-                        <a:ea typeface="맑은 고딕" panose="020B0503020000020004" pitchFamily="50" charset="-127"/>
-                      </a:endParaRPr>
-                    </a:p>
-                  </a:txBody>
-                  <a:tcPr marL="7094" marR="7094" marT="7094" marB="0" anchor="ctr"/>
-                </a:tc>
-                <a:tc>
-                  <a:txBody>
-                    <a:bodyPr/>
-                    <a:lstStyle/>
-                    <a:p>
-                      <a:pPr algn="l" fontAlgn="ctr"/>
-                      <a:r>
-                        <a:rPr lang="en-US" sz="800" u="none" strike="noStrike">
-                          <a:effectLst/>
-                        </a:rPr>
-                        <a:t>There is an unconnected room.</a:t>
-                      </a:r>
-                      <a:endParaRPr lang="en-US" sz="800" b="0" i="0" u="none" strike="noStrike">
-                        <a:solidFill>
-                          <a:srgbClr val="000000"/>
-                        </a:solidFill>
-                        <a:effectLst/>
-                        <a:latin typeface="맑은 고딕" panose="020B0503020000020004" pitchFamily="50" charset="-127"/>
-                        <a:ea typeface="맑은 고딕" panose="020B0503020000020004" pitchFamily="50" charset="-127"/>
-                      </a:endParaRPr>
-                    </a:p>
-                  </a:txBody>
-                  <a:tcPr marL="7094" marR="7094" marT="7094" marB="0" anchor="ctr"/>
-                </a:tc>
-              </a:tr>
-              <a:tr h="312135">
-                <a:tc>
-                  <a:txBody>
-                    <a:bodyPr/>
-                    <a:lstStyle/>
-                    <a:p>
-                      <a:pPr algn="r" fontAlgn="ctr"/>
-                      <a:r>
-                        <a:rPr lang="en-US" altLang="ko-KR" sz="800" u="none" strike="noStrike">
-                          <a:effectLst/>
-                        </a:rPr>
-                        <a:t>19</a:t>
-                      </a:r>
-                      <a:endParaRPr lang="en-US" altLang="ko-KR" sz="800" b="0" i="0" u="none" strike="noStrike">
-                        <a:solidFill>
-                          <a:srgbClr val="000000"/>
-                        </a:solidFill>
-                        <a:effectLst/>
-                        <a:latin typeface="맑은 고딕" panose="020B0503020000020004" pitchFamily="50" charset="-127"/>
-                        <a:ea typeface="맑은 고딕" panose="020B0503020000020004" pitchFamily="50" charset="-127"/>
-                      </a:endParaRPr>
-                    </a:p>
-                  </a:txBody>
-                  <a:tcPr marL="7094" marR="7094" marT="7094" marB="0" anchor="ctr"/>
-                </a:tc>
-                <a:tc>
-                  <a:txBody>
-                    <a:bodyPr/>
-                    <a:lstStyle/>
-                    <a:p>
-                      <a:pPr algn="l" fontAlgn="ctr"/>
-                      <a:r>
-                        <a:rPr lang="en-US" sz="800" u="none" strike="noStrike">
-                          <a:effectLst/>
-                        </a:rPr>
-                        <a:t>tc_cr7</a:t>
-                      </a:r>
-                      <a:endParaRPr lang="en-US" sz="800" b="0" i="0" u="none" strike="noStrike">
-                        <a:solidFill>
-                          <a:srgbClr val="000000"/>
-                        </a:solidFill>
-                        <a:effectLst/>
-                        <a:latin typeface="맑은 고딕" panose="020B0503020000020004" pitchFamily="50" charset="-127"/>
-                        <a:ea typeface="맑은 고딕" panose="020B0503020000020004" pitchFamily="50" charset="-127"/>
-                      </a:endParaRPr>
-                    </a:p>
-                  </a:txBody>
-                  <a:tcPr marL="7094" marR="7094" marT="7094" marB="0" anchor="ctr"/>
-                </a:tc>
-                <a:tc>
-                  <a:txBody>
-                    <a:bodyPr/>
-                    <a:lstStyle/>
-                    <a:p>
-                      <a:pPr algn="l" fontAlgn="ctr"/>
-                      <a:r>
-                        <a:rPr lang="en-US" sz="800" u="none" strike="noStrike">
-                          <a:effectLst/>
-                        </a:rPr>
-                        <a:t>gameConfig - room</a:t>
-                      </a:r>
-                      <a:endParaRPr lang="en-US" sz="800" b="0" i="0" u="none" strike="noStrike">
-                        <a:solidFill>
-                          <a:srgbClr val="000000"/>
-                        </a:solidFill>
-                        <a:effectLst/>
-                        <a:latin typeface="맑은 고딕" panose="020B0503020000020004" pitchFamily="50" charset="-127"/>
-                        <a:ea typeface="맑은 고딕" panose="020B0503020000020004" pitchFamily="50" charset="-127"/>
-                      </a:endParaRPr>
-                    </a:p>
-                  </a:txBody>
-                  <a:tcPr marL="7094" marR="7094" marT="7094" marB="0" anchor="ctr"/>
-                </a:tc>
-                <a:tc>
-                  <a:txBody>
-                    <a:bodyPr/>
-                    <a:lstStyle/>
-                    <a:p>
-                      <a:pPr algn="l" fontAlgn="ctr"/>
-                      <a:r>
-                        <a:rPr lang="en-US" sz="800" u="none" strike="noStrike">
-                          <a:effectLst/>
-                        </a:rPr>
-                        <a:t>Elevator Room: _elevatorInitialFloor&gt;= floor room or _elevatorInitialFloor&lt;0</a:t>
-                      </a:r>
-                      <a:endParaRPr lang="en-US" sz="800" b="0" i="0" u="none" strike="noStrike">
-                        <a:solidFill>
-                          <a:srgbClr val="000000"/>
-                        </a:solidFill>
-                        <a:effectLst/>
-                        <a:latin typeface="맑은 고딕" panose="020B0503020000020004" pitchFamily="50" charset="-127"/>
-                        <a:ea typeface="맑은 고딕" panose="020B0503020000020004" pitchFamily="50" charset="-127"/>
-                      </a:endParaRPr>
-                    </a:p>
-                  </a:txBody>
-                  <a:tcPr marL="7094" marR="7094" marT="7094" marB="0" anchor="ctr"/>
-                </a:tc>
-              </a:tr>
-              <a:tr h="156068">
-                <a:tc>
-                  <a:txBody>
-                    <a:bodyPr/>
-                    <a:lstStyle/>
-                    <a:p>
-                      <a:pPr algn="r" fontAlgn="ctr"/>
-                      <a:r>
-                        <a:rPr lang="en-US" altLang="ko-KR" sz="800" u="none" strike="noStrike">
-                          <a:effectLst/>
-                        </a:rPr>
-                        <a:t>20</a:t>
-                      </a:r>
-                      <a:endParaRPr lang="en-US" altLang="ko-KR" sz="800" b="0" i="0" u="none" strike="noStrike">
-                        <a:solidFill>
-                          <a:srgbClr val="000000"/>
-                        </a:solidFill>
-                        <a:effectLst/>
-                        <a:latin typeface="맑은 고딕" panose="020B0503020000020004" pitchFamily="50" charset="-127"/>
-                        <a:ea typeface="맑은 고딕" panose="020B0503020000020004" pitchFamily="50" charset="-127"/>
-                      </a:endParaRPr>
-                    </a:p>
-                  </a:txBody>
-                  <a:tcPr marL="7094" marR="7094" marT="7094" marB="0" anchor="ctr"/>
-                </a:tc>
-                <a:tc>
-                  <a:txBody>
-                    <a:bodyPr/>
-                    <a:lstStyle/>
-                    <a:p>
-                      <a:pPr algn="l" fontAlgn="ctr"/>
-                      <a:r>
-                        <a:rPr lang="en-US" sz="800" u="none" strike="noStrike">
-                          <a:effectLst/>
-                        </a:rPr>
-                        <a:t>tc_p20</a:t>
-                      </a:r>
-                      <a:endParaRPr lang="en-US" sz="800" b="0" i="0" u="none" strike="noStrike">
-                        <a:solidFill>
-                          <a:srgbClr val="000000"/>
-                        </a:solidFill>
-                        <a:effectLst/>
-                        <a:latin typeface="맑은 고딕" panose="020B0503020000020004" pitchFamily="50" charset="-127"/>
-                        <a:ea typeface="맑은 고딕" panose="020B0503020000020004" pitchFamily="50" charset="-127"/>
-                      </a:endParaRPr>
-                    </a:p>
-                  </a:txBody>
-                  <a:tcPr marL="7094" marR="7094" marT="7094" marB="0" anchor="ctr"/>
-                </a:tc>
-                <a:tc>
-                  <a:txBody>
-                    <a:bodyPr/>
-                    <a:lstStyle/>
-                    <a:p>
-                      <a:pPr algn="l" fontAlgn="ctr"/>
-                      <a:r>
-                        <a:rPr lang="en-US" sz="800" u="none" strike="noStrike" dirty="0">
-                          <a:effectLst/>
-                        </a:rPr>
-                        <a:t>Scenario - player</a:t>
-                      </a:r>
-                      <a:endParaRPr lang="en-US" sz="800" b="0" i="0" u="none" strike="noStrike" dirty="0">
-                        <a:solidFill>
-                          <a:srgbClr val="000000"/>
-                        </a:solidFill>
-                        <a:effectLst/>
-                        <a:latin typeface="맑은 고딕" panose="020B0503020000020004" pitchFamily="50" charset="-127"/>
-                        <a:ea typeface="맑은 고딕" panose="020B0503020000020004" pitchFamily="50" charset="-127"/>
-                      </a:endParaRPr>
-                    </a:p>
-                  </a:txBody>
-                  <a:tcPr marL="7094" marR="7094" marT="7094" marB="0" anchor="ctr"/>
-                </a:tc>
-                <a:tc>
-                  <a:txBody>
-                    <a:bodyPr/>
-                    <a:lstStyle/>
-                    <a:p>
-                      <a:pPr algn="l" fontAlgn="ctr"/>
-                      <a:r>
-                        <a:rPr lang="en-US" sz="800" u="none" strike="noStrike">
-                          <a:effectLst/>
-                        </a:rPr>
-                        <a:t>Network game → win</a:t>
-                      </a:r>
-                      <a:endParaRPr lang="en-US" sz="800" b="0" i="0" u="none" strike="noStrike">
-                        <a:solidFill>
-                          <a:srgbClr val="000000"/>
-                        </a:solidFill>
-                        <a:effectLst/>
-                        <a:latin typeface="맑은 고딕" panose="020B0503020000020004" pitchFamily="50" charset="-127"/>
-                        <a:ea typeface="맑은 고딕" panose="020B0503020000020004" pitchFamily="50" charset="-127"/>
-                      </a:endParaRPr>
-                    </a:p>
-                  </a:txBody>
-                  <a:tcPr marL="7094" marR="7094" marT="7094" marB="0" anchor="ctr"/>
-                </a:tc>
-              </a:tr>
-              <a:tr h="156068">
-                <a:tc>
-                  <a:txBody>
-                    <a:bodyPr/>
-                    <a:lstStyle/>
-                    <a:p>
-                      <a:pPr algn="r" fontAlgn="ctr"/>
-                      <a:r>
-                        <a:rPr lang="en-US" altLang="ko-KR" sz="800" u="none" strike="noStrike">
-                          <a:effectLst/>
-                        </a:rPr>
-                        <a:t>21</a:t>
-                      </a:r>
-                      <a:endParaRPr lang="en-US" altLang="ko-KR" sz="800" b="0" i="0" u="none" strike="noStrike">
-                        <a:solidFill>
-                          <a:srgbClr val="000000"/>
-                        </a:solidFill>
-                        <a:effectLst/>
-                        <a:latin typeface="맑은 고딕" panose="020B0503020000020004" pitchFamily="50" charset="-127"/>
-                        <a:ea typeface="맑은 고딕" panose="020B0503020000020004" pitchFamily="50" charset="-127"/>
-                      </a:endParaRPr>
-                    </a:p>
-                  </a:txBody>
-                  <a:tcPr marL="7094" marR="7094" marT="7094" marB="0" anchor="ctr"/>
-                </a:tc>
-                <a:tc>
-                  <a:txBody>
-                    <a:bodyPr/>
-                    <a:lstStyle/>
-                    <a:p>
-                      <a:pPr algn="l" fontAlgn="ctr"/>
-                      <a:r>
-                        <a:rPr lang="en-US" sz="800" u="none" strike="noStrike">
-                          <a:effectLst/>
-                        </a:rPr>
-                        <a:t>tc_p22</a:t>
-                      </a:r>
-                      <a:endParaRPr lang="en-US" sz="800" b="0" i="0" u="none" strike="noStrike">
-                        <a:solidFill>
-                          <a:srgbClr val="000000"/>
-                        </a:solidFill>
-                        <a:effectLst/>
-                        <a:latin typeface="맑은 고딕" panose="020B0503020000020004" pitchFamily="50" charset="-127"/>
-                        <a:ea typeface="맑은 고딕" panose="020B0503020000020004" pitchFamily="50" charset="-127"/>
-                      </a:endParaRPr>
-                    </a:p>
-                  </a:txBody>
-                  <a:tcPr marL="7094" marR="7094" marT="7094" marB="0" anchor="ctr"/>
-                </a:tc>
-                <a:tc>
-                  <a:txBody>
-                    <a:bodyPr/>
-                    <a:lstStyle/>
-                    <a:p>
-                      <a:pPr algn="l" fontAlgn="ctr"/>
-                      <a:r>
-                        <a:rPr lang="en-US" sz="800" u="none" strike="noStrike">
-                          <a:effectLst/>
-                        </a:rPr>
-                        <a:t>Scenario - player</a:t>
-                      </a:r>
-                      <a:endParaRPr lang="en-US" sz="800" b="0" i="0" u="none" strike="noStrike">
-                        <a:solidFill>
-                          <a:srgbClr val="000000"/>
-                        </a:solidFill>
-                        <a:effectLst/>
-                        <a:latin typeface="맑은 고딕" panose="020B0503020000020004" pitchFamily="50" charset="-127"/>
-                        <a:ea typeface="맑은 고딕" panose="020B0503020000020004" pitchFamily="50" charset="-127"/>
-                      </a:endParaRPr>
-                    </a:p>
-                  </a:txBody>
-                  <a:tcPr marL="7094" marR="7094" marT="7094" marB="0" anchor="ctr"/>
-                </a:tc>
-                <a:tc>
-                  <a:txBody>
-                    <a:bodyPr/>
-                    <a:lstStyle/>
-                    <a:p>
-                      <a:pPr algn="l" fontAlgn="ctr"/>
-                      <a:r>
-                        <a:rPr lang="en-US" sz="800" u="none" strike="noStrike">
-                          <a:effectLst/>
-                        </a:rPr>
-                        <a:t>Network game → defeat </a:t>
-                      </a:r>
-                      <a:endParaRPr lang="en-US" sz="800" b="0" i="0" u="none" strike="noStrike">
-                        <a:solidFill>
-                          <a:srgbClr val="000000"/>
-                        </a:solidFill>
-                        <a:effectLst/>
-                        <a:latin typeface="맑은 고딕" panose="020B0503020000020004" pitchFamily="50" charset="-127"/>
-                        <a:ea typeface="맑은 고딕" panose="020B0503020000020004" pitchFamily="50" charset="-127"/>
-                      </a:endParaRPr>
-                    </a:p>
-                  </a:txBody>
-                  <a:tcPr marL="7094" marR="7094" marT="7094" marB="0" anchor="ctr"/>
-                </a:tc>
-              </a:tr>
-              <a:tr h="156068">
-                <a:tc>
-                  <a:txBody>
-                    <a:bodyPr/>
-                    <a:lstStyle/>
-                    <a:p>
-                      <a:pPr algn="r" fontAlgn="ctr"/>
-                      <a:r>
-                        <a:rPr lang="en-US" altLang="ko-KR" sz="800" u="none" strike="noStrike">
-                          <a:effectLst/>
-                        </a:rPr>
-                        <a:t>22</a:t>
-                      </a:r>
-                      <a:endParaRPr lang="en-US" altLang="ko-KR" sz="800" b="0" i="0" u="none" strike="noStrike">
-                        <a:solidFill>
-                          <a:srgbClr val="000000"/>
-                        </a:solidFill>
-                        <a:effectLst/>
-                        <a:latin typeface="맑은 고딕" panose="020B0503020000020004" pitchFamily="50" charset="-127"/>
-                        <a:ea typeface="맑은 고딕" panose="020B0503020000020004" pitchFamily="50" charset="-127"/>
-                      </a:endParaRPr>
-                    </a:p>
-                  </a:txBody>
-                  <a:tcPr marL="7094" marR="7094" marT="7094" marB="0" anchor="ctr"/>
-                </a:tc>
-                <a:tc>
-                  <a:txBody>
-                    <a:bodyPr/>
-                    <a:lstStyle/>
-                    <a:p>
-                      <a:pPr algn="l" fontAlgn="ctr"/>
-                      <a:r>
-                        <a:rPr lang="en-US" sz="800" u="none" strike="noStrike">
-                          <a:effectLst/>
-                        </a:rPr>
-                        <a:t>tc_p24</a:t>
-                      </a:r>
-                      <a:endParaRPr lang="en-US" sz="800" b="0" i="0" u="none" strike="noStrike">
-                        <a:solidFill>
-                          <a:srgbClr val="000000"/>
-                        </a:solidFill>
-                        <a:effectLst/>
-                        <a:latin typeface="맑은 고딕" panose="020B0503020000020004" pitchFamily="50" charset="-127"/>
-                        <a:ea typeface="맑은 고딕" panose="020B0503020000020004" pitchFamily="50" charset="-127"/>
-                      </a:endParaRPr>
-                    </a:p>
-                  </a:txBody>
-                  <a:tcPr marL="7094" marR="7094" marT="7094" marB="0" anchor="ctr"/>
-                </a:tc>
-                <a:tc>
-                  <a:txBody>
-                    <a:bodyPr/>
-                    <a:lstStyle/>
-                    <a:p>
-                      <a:pPr algn="l" fontAlgn="ctr"/>
-                      <a:r>
-                        <a:rPr lang="en-US" sz="800" u="none" strike="noStrike">
-                          <a:effectLst/>
-                        </a:rPr>
-                        <a:t>Scenario - player</a:t>
-                      </a:r>
-                      <a:endParaRPr lang="en-US" sz="800" b="0" i="0" u="none" strike="noStrike">
-                        <a:solidFill>
-                          <a:srgbClr val="000000"/>
-                        </a:solidFill>
-                        <a:effectLst/>
-                        <a:latin typeface="맑은 고딕" panose="020B0503020000020004" pitchFamily="50" charset="-127"/>
-                        <a:ea typeface="맑은 고딕" panose="020B0503020000020004" pitchFamily="50" charset="-127"/>
-                      </a:endParaRPr>
-                    </a:p>
-                  </a:txBody>
-                  <a:tcPr marL="7094" marR="7094" marT="7094" marB="0" anchor="ctr"/>
-                </a:tc>
-                <a:tc>
-                  <a:txBody>
-                    <a:bodyPr/>
-                    <a:lstStyle/>
-                    <a:p>
-                      <a:pPr algn="l" fontAlgn="t"/>
-                      <a:r>
-                        <a:rPr lang="en-US" sz="800" u="none" strike="noStrike">
-                          <a:effectLst/>
-                        </a:rPr>
-                        <a:t>network game → log in NG</a:t>
-                      </a:r>
-                      <a:endParaRPr lang="en-US" sz="800" b="0" i="0" u="none" strike="noStrike">
-                        <a:solidFill>
-                          <a:srgbClr val="091E42"/>
-                        </a:solidFill>
-                        <a:effectLst/>
-                        <a:latin typeface="Segoe UI" panose="020B0502040204020203" pitchFamily="34" charset="0"/>
-                        <a:ea typeface="맑은 고딕" panose="020B0503020000020004" pitchFamily="50" charset="-127"/>
-                      </a:endParaRPr>
-                    </a:p>
-                  </a:txBody>
-                  <a:tcPr marL="7094" marR="7094" marT="7094" marB="0"/>
-                </a:tc>
-              </a:tr>
-              <a:tr h="156068">
-                <a:tc>
-                  <a:txBody>
-                    <a:bodyPr/>
-                    <a:lstStyle/>
-                    <a:p>
-                      <a:pPr algn="r" fontAlgn="ctr"/>
-                      <a:r>
-                        <a:rPr lang="en-US" altLang="ko-KR" sz="800" u="none" strike="noStrike">
-                          <a:effectLst/>
-                        </a:rPr>
-                        <a:t>23</a:t>
-                      </a:r>
-                      <a:endParaRPr lang="en-US" altLang="ko-KR" sz="800" b="0" i="0" u="none" strike="noStrike">
-                        <a:solidFill>
-                          <a:srgbClr val="000000"/>
-                        </a:solidFill>
-                        <a:effectLst/>
-                        <a:latin typeface="맑은 고딕" panose="020B0503020000020004" pitchFamily="50" charset="-127"/>
-                        <a:ea typeface="맑은 고딕" panose="020B0503020000020004" pitchFamily="50" charset="-127"/>
-                      </a:endParaRPr>
-                    </a:p>
-                  </a:txBody>
-                  <a:tcPr marL="7094" marR="7094" marT="7094" marB="0" anchor="ctr"/>
-                </a:tc>
-                <a:tc>
-                  <a:txBody>
-                    <a:bodyPr/>
-                    <a:lstStyle/>
-                    <a:p>
-                      <a:pPr algn="l" fontAlgn="ctr"/>
-                      <a:r>
-                        <a:rPr lang="en-US" sz="800" u="none" strike="noStrike">
-                          <a:effectLst/>
-                        </a:rPr>
-                        <a:t>tc_p25</a:t>
-                      </a:r>
-                      <a:endParaRPr lang="en-US" sz="800" b="0" i="0" u="none" strike="noStrike">
-                        <a:solidFill>
-                          <a:srgbClr val="000000"/>
-                        </a:solidFill>
-                        <a:effectLst/>
-                        <a:latin typeface="맑은 고딕" panose="020B0503020000020004" pitchFamily="50" charset="-127"/>
-                        <a:ea typeface="맑은 고딕" panose="020B0503020000020004" pitchFamily="50" charset="-127"/>
-                      </a:endParaRPr>
-                    </a:p>
-                  </a:txBody>
-                  <a:tcPr marL="7094" marR="7094" marT="7094" marB="0" anchor="ctr"/>
-                </a:tc>
-                <a:tc>
-                  <a:txBody>
-                    <a:bodyPr/>
-                    <a:lstStyle/>
-                    <a:p>
-                      <a:pPr algn="l" fontAlgn="ctr"/>
-                      <a:r>
-                        <a:rPr lang="en-US" sz="800" u="none" strike="noStrike">
-                          <a:effectLst/>
-                        </a:rPr>
-                        <a:t>Scenario - player</a:t>
-                      </a:r>
-                      <a:endParaRPr lang="en-US" sz="800" b="0" i="0" u="none" strike="noStrike">
-                        <a:solidFill>
-                          <a:srgbClr val="000000"/>
-                        </a:solidFill>
-                        <a:effectLst/>
-                        <a:latin typeface="맑은 고딕" panose="020B0503020000020004" pitchFamily="50" charset="-127"/>
-                        <a:ea typeface="맑은 고딕" panose="020B0503020000020004" pitchFamily="50" charset="-127"/>
-                      </a:endParaRPr>
-                    </a:p>
-                  </a:txBody>
-                  <a:tcPr marL="7094" marR="7094" marT="7094" marB="0" anchor="ctr"/>
-                </a:tc>
-                <a:tc>
-                  <a:txBody>
-                    <a:bodyPr/>
-                    <a:lstStyle/>
-                    <a:p>
-                      <a:pPr algn="l" fontAlgn="ctr"/>
-                      <a:r>
-                        <a:rPr lang="en-US" sz="800" u="none" strike="noStrike">
-                          <a:effectLst/>
-                        </a:rPr>
-                        <a:t>offline mode → load game → game win</a:t>
-                      </a:r>
-                      <a:endParaRPr lang="en-US" sz="800" b="0" i="0" u="none" strike="noStrike">
-                        <a:solidFill>
-                          <a:srgbClr val="000000"/>
-                        </a:solidFill>
-                        <a:effectLst/>
-                        <a:latin typeface="맑은 고딕" panose="020B0503020000020004" pitchFamily="50" charset="-127"/>
-                        <a:ea typeface="맑은 고딕" panose="020B0503020000020004" pitchFamily="50" charset="-127"/>
-                      </a:endParaRPr>
-                    </a:p>
-                  </a:txBody>
-                  <a:tcPr marL="7094" marR="7094" marT="7094" marB="0" anchor="ctr"/>
-                </a:tc>
-              </a:tr>
-              <a:tr h="156068">
-                <a:tc>
-                  <a:txBody>
-                    <a:bodyPr/>
-                    <a:lstStyle/>
-                    <a:p>
-                      <a:pPr algn="r" fontAlgn="ctr"/>
-                      <a:r>
-                        <a:rPr lang="en-US" altLang="ko-KR" sz="800" u="none" strike="noStrike">
-                          <a:effectLst/>
-                        </a:rPr>
-                        <a:t>24</a:t>
-                      </a:r>
-                      <a:endParaRPr lang="en-US" altLang="ko-KR" sz="800" b="0" i="0" u="none" strike="noStrike">
-                        <a:solidFill>
-                          <a:srgbClr val="000000"/>
-                        </a:solidFill>
-                        <a:effectLst/>
-                        <a:latin typeface="맑은 고딕" panose="020B0503020000020004" pitchFamily="50" charset="-127"/>
-                        <a:ea typeface="맑은 고딕" panose="020B0503020000020004" pitchFamily="50" charset="-127"/>
-                      </a:endParaRPr>
-                    </a:p>
-                  </a:txBody>
-                  <a:tcPr marL="7094" marR="7094" marT="7094" marB="0" anchor="ctr"/>
-                </a:tc>
-                <a:tc>
-                  <a:txBody>
-                    <a:bodyPr/>
-                    <a:lstStyle/>
-                    <a:p>
-                      <a:pPr algn="l" fontAlgn="ctr"/>
-                      <a:r>
-                        <a:rPr lang="en-US" sz="800" u="none" strike="noStrike">
-                          <a:effectLst/>
-                        </a:rPr>
-                        <a:t>tc_p4</a:t>
-                      </a:r>
-                      <a:endParaRPr lang="en-US" sz="800" b="0" i="0" u="none" strike="noStrike">
-                        <a:solidFill>
-                          <a:srgbClr val="000000"/>
-                        </a:solidFill>
-                        <a:effectLst/>
-                        <a:latin typeface="맑은 고딕" panose="020B0503020000020004" pitchFamily="50" charset="-127"/>
-                        <a:ea typeface="맑은 고딕" panose="020B0503020000020004" pitchFamily="50" charset="-127"/>
-                      </a:endParaRPr>
-                    </a:p>
-                  </a:txBody>
-                  <a:tcPr marL="7094" marR="7094" marT="7094" marB="0" anchor="ctr"/>
-                </a:tc>
-                <a:tc>
-                  <a:txBody>
-                    <a:bodyPr/>
-                    <a:lstStyle/>
-                    <a:p>
-                      <a:pPr algn="l" fontAlgn="ctr"/>
-                      <a:r>
-                        <a:rPr lang="en-US" sz="800" u="none" strike="noStrike">
-                          <a:effectLst/>
-                        </a:rPr>
-                        <a:t>Scenario - player</a:t>
-                      </a:r>
-                      <a:endParaRPr lang="en-US" sz="800" b="0" i="0" u="none" strike="noStrike">
-                        <a:solidFill>
-                          <a:srgbClr val="000000"/>
-                        </a:solidFill>
-                        <a:effectLst/>
-                        <a:latin typeface="맑은 고딕" panose="020B0503020000020004" pitchFamily="50" charset="-127"/>
-                        <a:ea typeface="맑은 고딕" panose="020B0503020000020004" pitchFamily="50" charset="-127"/>
-                      </a:endParaRPr>
-                    </a:p>
-                  </a:txBody>
-                  <a:tcPr marL="7094" marR="7094" marT="7094" marB="0" anchor="ctr"/>
-                </a:tc>
-                <a:tc>
-                  <a:txBody>
-                    <a:bodyPr/>
-                    <a:lstStyle/>
-                    <a:p>
-                      <a:pPr algn="l" fontAlgn="ctr"/>
-                      <a:r>
-                        <a:rPr lang="en-US" sz="800" u="none" strike="noStrike">
-                          <a:effectLst/>
-                        </a:rPr>
-                        <a:t>Darkness  Game is win</a:t>
-                      </a:r>
-                      <a:endParaRPr lang="en-US" sz="800" b="0" i="0" u="none" strike="noStrike">
-                        <a:solidFill>
-                          <a:srgbClr val="000000"/>
-                        </a:solidFill>
-                        <a:effectLst/>
-                        <a:latin typeface="맑은 고딕" panose="020B0503020000020004" pitchFamily="50" charset="-127"/>
-                        <a:ea typeface="맑은 고딕" panose="020B0503020000020004" pitchFamily="50" charset="-127"/>
-                      </a:endParaRPr>
-                    </a:p>
-                  </a:txBody>
-                  <a:tcPr marL="7094" marR="7094" marT="7094" marB="0" anchor="ctr"/>
-                </a:tc>
-              </a:tr>
-              <a:tr h="156068">
-                <a:tc>
-                  <a:txBody>
-                    <a:bodyPr/>
-                    <a:lstStyle/>
-                    <a:p>
-                      <a:pPr algn="r" fontAlgn="ctr"/>
-                      <a:r>
-                        <a:rPr lang="en-US" altLang="ko-KR" sz="800" u="none" strike="noStrike">
-                          <a:effectLst/>
-                        </a:rPr>
-                        <a:t>25</a:t>
-                      </a:r>
-                      <a:endParaRPr lang="en-US" altLang="ko-KR" sz="800" b="0" i="0" u="none" strike="noStrike">
-                        <a:solidFill>
-                          <a:srgbClr val="000000"/>
-                        </a:solidFill>
-                        <a:effectLst/>
-                        <a:latin typeface="맑은 고딕" panose="020B0503020000020004" pitchFamily="50" charset="-127"/>
-                        <a:ea typeface="맑은 고딕" panose="020B0503020000020004" pitchFamily="50" charset="-127"/>
-                      </a:endParaRPr>
-                    </a:p>
-                  </a:txBody>
-                  <a:tcPr marL="7094" marR="7094" marT="7094" marB="0" anchor="ctr"/>
-                </a:tc>
-                <a:tc>
-                  <a:txBody>
-                    <a:bodyPr/>
-                    <a:lstStyle/>
-                    <a:p>
-                      <a:pPr algn="l" fontAlgn="ctr"/>
-                      <a:r>
-                        <a:rPr lang="en-US" sz="800" u="none" strike="noStrike">
-                          <a:effectLst/>
-                        </a:rPr>
-                        <a:t>tc_p5</a:t>
-                      </a:r>
-                      <a:endParaRPr lang="en-US" sz="800" b="0" i="0" u="none" strike="noStrike">
-                        <a:solidFill>
-                          <a:srgbClr val="000000"/>
-                        </a:solidFill>
-                        <a:effectLst/>
-                        <a:latin typeface="맑은 고딕" panose="020B0503020000020004" pitchFamily="50" charset="-127"/>
-                        <a:ea typeface="맑은 고딕" panose="020B0503020000020004" pitchFamily="50" charset="-127"/>
-                      </a:endParaRPr>
-                    </a:p>
-                  </a:txBody>
-                  <a:tcPr marL="7094" marR="7094" marT="7094" marB="0" anchor="ctr"/>
-                </a:tc>
-                <a:tc>
-                  <a:txBody>
-                    <a:bodyPr/>
-                    <a:lstStyle/>
-                    <a:p>
-                      <a:pPr algn="l" fontAlgn="ctr"/>
-                      <a:r>
-                        <a:rPr lang="en-US" sz="800" u="none" strike="noStrike">
-                          <a:effectLst/>
-                        </a:rPr>
-                        <a:t>Scenario - player</a:t>
-                      </a:r>
-                      <a:endParaRPr lang="en-US" sz="800" b="0" i="0" u="none" strike="noStrike">
-                        <a:solidFill>
-                          <a:srgbClr val="000000"/>
-                        </a:solidFill>
-                        <a:effectLst/>
-                        <a:latin typeface="맑은 고딕" panose="020B0503020000020004" pitchFamily="50" charset="-127"/>
-                        <a:ea typeface="맑은 고딕" panose="020B0503020000020004" pitchFamily="50" charset="-127"/>
-                      </a:endParaRPr>
-                    </a:p>
-                  </a:txBody>
-                  <a:tcPr marL="7094" marR="7094" marT="7094" marB="0" anchor="ctr"/>
-                </a:tc>
-                <a:tc>
-                  <a:txBody>
-                    <a:bodyPr/>
-                    <a:lstStyle/>
-                    <a:p>
-                      <a:pPr algn="l" fontAlgn="ctr"/>
-                      <a:r>
-                        <a:rPr lang="en-US" sz="800" u="none" strike="noStrike">
-                          <a:effectLst/>
-                        </a:rPr>
-                        <a:t>Defeat the Darkness game</a:t>
-                      </a:r>
-                      <a:endParaRPr lang="en-US" sz="800" b="0" i="0" u="none" strike="noStrike">
-                        <a:solidFill>
-                          <a:srgbClr val="000000"/>
-                        </a:solidFill>
-                        <a:effectLst/>
-                        <a:latin typeface="맑은 고딕" panose="020B0503020000020004" pitchFamily="50" charset="-127"/>
-                        <a:ea typeface="맑은 고딕" panose="020B0503020000020004" pitchFamily="50" charset="-127"/>
-                      </a:endParaRPr>
-                    </a:p>
-                  </a:txBody>
-                  <a:tcPr marL="7094" marR="7094" marT="7094" marB="0" anchor="ctr"/>
-                </a:tc>
-              </a:tr>
-              <a:tr h="312135">
-                <a:tc>
-                  <a:txBody>
-                    <a:bodyPr/>
-                    <a:lstStyle/>
-                    <a:p>
-                      <a:pPr algn="r" fontAlgn="ctr"/>
-                      <a:r>
-                        <a:rPr lang="en-US" altLang="ko-KR" sz="800" u="none" strike="noStrike">
-                          <a:effectLst/>
-                        </a:rPr>
-                        <a:t>26</a:t>
-                      </a:r>
-                      <a:endParaRPr lang="en-US" altLang="ko-KR" sz="800" b="0" i="0" u="none" strike="noStrike">
-                        <a:solidFill>
-                          <a:srgbClr val="000000"/>
-                        </a:solidFill>
-                        <a:effectLst/>
-                        <a:latin typeface="맑은 고딕" panose="020B0503020000020004" pitchFamily="50" charset="-127"/>
-                        <a:ea typeface="맑은 고딕" panose="020B0503020000020004" pitchFamily="50" charset="-127"/>
-                      </a:endParaRPr>
-                    </a:p>
-                  </a:txBody>
-                  <a:tcPr marL="7094" marR="7094" marT="7094" marB="0" anchor="ctr"/>
-                </a:tc>
-                <a:tc>
-                  <a:txBody>
-                    <a:bodyPr/>
-                    <a:lstStyle/>
-                    <a:p>
-                      <a:pPr algn="l" fontAlgn="ctr"/>
-                      <a:r>
-                        <a:rPr lang="en-US" sz="800" u="none" strike="noStrike">
-                          <a:effectLst/>
-                        </a:rPr>
-                        <a:t>tc_uc04</a:t>
-                      </a:r>
-                      <a:endParaRPr lang="en-US" sz="800" b="0" i="0" u="none" strike="noStrike">
-                        <a:solidFill>
-                          <a:srgbClr val="000000"/>
-                        </a:solidFill>
-                        <a:effectLst/>
-                        <a:latin typeface="맑은 고딕" panose="020B0503020000020004" pitchFamily="50" charset="-127"/>
-                        <a:ea typeface="맑은 고딕" panose="020B0503020000020004" pitchFamily="50" charset="-127"/>
-                      </a:endParaRPr>
-                    </a:p>
-                  </a:txBody>
-                  <a:tcPr marL="7094" marR="7094" marT="7094" marB="0" anchor="ctr"/>
-                </a:tc>
-                <a:tc>
-                  <a:txBody>
-                    <a:bodyPr/>
-                    <a:lstStyle/>
-                    <a:p>
-                      <a:pPr algn="l" fontAlgn="ctr"/>
-                      <a:r>
-                        <a:rPr lang="en-US" sz="800" u="none" strike="noStrike">
-                          <a:effectLst/>
-                        </a:rPr>
-                        <a:t>UserCase</a:t>
-                      </a:r>
-                      <a:endParaRPr lang="en-US" sz="800" b="0" i="0" u="none" strike="noStrike">
-                        <a:solidFill>
-                          <a:srgbClr val="000000"/>
-                        </a:solidFill>
-                        <a:effectLst/>
-                        <a:latin typeface="맑은 고딕" panose="020B0503020000020004" pitchFamily="50" charset="-127"/>
-                        <a:ea typeface="맑은 고딕" panose="020B0503020000020004" pitchFamily="50" charset="-127"/>
-                      </a:endParaRPr>
-                    </a:p>
-                  </a:txBody>
-                  <a:tcPr marL="7094" marR="7094" marT="7094" marB="0" anchor="ctr"/>
-                </a:tc>
-                <a:tc>
-                  <a:txBody>
-                    <a:bodyPr/>
-                    <a:lstStyle/>
-                    <a:p>
-                      <a:pPr algn="l" fontAlgn="ctr"/>
-                      <a:r>
-                        <a:rPr lang="en-US" sz="800" u="none" strike="noStrike" dirty="0">
-                          <a:effectLst/>
-                        </a:rPr>
-                        <a:t>Players can query their current status (item inventory, location, score, etc.) at any time during a game.</a:t>
-                      </a:r>
-                      <a:endParaRPr lang="en-US" sz="800" b="0" i="0" u="none" strike="noStrike" dirty="0">
-                        <a:solidFill>
-                          <a:srgbClr val="000000"/>
-                        </a:solidFill>
-                        <a:effectLst/>
-                        <a:latin typeface="맑은 고딕" panose="020B0503020000020004" pitchFamily="50" charset="-127"/>
-                        <a:ea typeface="맑은 고딕" panose="020B0503020000020004" pitchFamily="50" charset="-127"/>
-                      </a:endParaRPr>
-                    </a:p>
-                  </a:txBody>
-                  <a:tcPr marL="7094" marR="7094" marT="7094" marB="0" anchor="ctr"/>
-                </a:tc>
-              </a:tr>
-            </a:tbl>
-          </a:graphicData>
-        </a:graphic>
-      </p:graphicFrame>
-      <p:graphicFrame>
-        <p:nvGraphicFramePr>
-          <p:cNvPr id="6" name="표 5"/>
-          <p:cNvGraphicFramePr>
-            <a:graphicFrameLocks noGrp="1"/>
-          </p:cNvGraphicFramePr>
-          <p:nvPr>
-            <p:extLst/>
-          </p:nvPr>
-        </p:nvGraphicFramePr>
-        <p:xfrm>
-          <a:off x="5868144" y="1412776"/>
-          <a:ext cx="3130819" cy="4525968"/>
-        </p:xfrm>
-        <a:graphic>
-          <a:graphicData uri="http://schemas.openxmlformats.org/drawingml/2006/table">
-            <a:tbl>
-              <a:tblPr>
-                <a:tableStyleId>{5C22544A-7EE6-4342-B048-85BDC9FD1C3A}</a:tableStyleId>
-              </a:tblPr>
-              <a:tblGrid>
-                <a:gridCol w="400389"/>
-                <a:gridCol w="2330041"/>
-                <a:gridCol w="400389"/>
-              </a:tblGrid>
-              <a:tr h="122414">
-                <a:tc>
-                  <a:txBody>
-                    <a:bodyPr/>
-                    <a:lstStyle/>
-                    <a:p>
-                      <a:pPr algn="l" fontAlgn="ctr"/>
-                      <a:r>
-                        <a:rPr lang="en-US" sz="600" u="none" strike="noStrike" dirty="0">
-                          <a:effectLst/>
-                        </a:rPr>
-                        <a:t>Issue key</a:t>
-                      </a:r>
-                      <a:endParaRPr lang="en-US" sz="600" b="0" i="0" u="none" strike="noStrike" dirty="0">
-                        <a:solidFill>
-                          <a:srgbClr val="000000"/>
-                        </a:solidFill>
-                        <a:effectLst/>
-                        <a:latin typeface="맑은 고딕" panose="020B0503020000020004" pitchFamily="50" charset="-127"/>
-                        <a:ea typeface="맑은 고딕" panose="020B0503020000020004" pitchFamily="50" charset="-127"/>
-                      </a:endParaRPr>
-                    </a:p>
-                  </a:txBody>
-                  <a:tcPr marL="5564" marR="5564" marT="5564" marB="0" anchor="ctr"/>
-                </a:tc>
-                <a:tc>
-                  <a:txBody>
-                    <a:bodyPr/>
-                    <a:lstStyle/>
-                    <a:p>
-                      <a:pPr algn="l" fontAlgn="ctr"/>
-                      <a:r>
-                        <a:rPr lang="en-US" sz="600" u="none" strike="noStrike">
-                          <a:effectLst/>
-                        </a:rPr>
-                        <a:t>Summary</a:t>
-                      </a:r>
-                      <a:endParaRPr lang="en-US" sz="600" b="0" i="0" u="none" strike="noStrike">
-                        <a:solidFill>
-                          <a:srgbClr val="000000"/>
-                        </a:solidFill>
-                        <a:effectLst/>
-                        <a:latin typeface="맑은 고딕" panose="020B0503020000020004" pitchFamily="50" charset="-127"/>
-                        <a:ea typeface="맑은 고딕" panose="020B0503020000020004" pitchFamily="50" charset="-127"/>
-                      </a:endParaRPr>
-                    </a:p>
-                  </a:txBody>
-                  <a:tcPr marL="5564" marR="5564" marT="5564" marB="0" anchor="ctr"/>
-                </a:tc>
-                <a:tc>
-                  <a:txBody>
-                    <a:bodyPr/>
-                    <a:lstStyle/>
-                    <a:p>
-                      <a:pPr algn="l" fontAlgn="ctr"/>
-                      <a:r>
-                        <a:rPr lang="en-US" sz="600" u="none" strike="noStrike">
-                          <a:effectLst/>
-                        </a:rPr>
-                        <a:t>Priority</a:t>
-                      </a:r>
-                      <a:endParaRPr lang="en-US" sz="600" b="0" i="0" u="none" strike="noStrike">
-                        <a:solidFill>
-                          <a:srgbClr val="000000"/>
-                        </a:solidFill>
-                        <a:effectLst/>
-                        <a:latin typeface="맑은 고딕" panose="020B0503020000020004" pitchFamily="50" charset="-127"/>
-                        <a:ea typeface="맑은 고딕" panose="020B0503020000020004" pitchFamily="50" charset="-127"/>
-                      </a:endParaRPr>
-                    </a:p>
-                  </a:txBody>
-                  <a:tcPr marL="5564" marR="5564" marT="5564" marB="0" anchor="ctr"/>
-                </a:tc>
-              </a:tr>
-              <a:tr h="201426">
-                <a:tc>
-                  <a:txBody>
-                    <a:bodyPr/>
-                    <a:lstStyle/>
-                    <a:p>
-                      <a:pPr algn="l" fontAlgn="ctr"/>
-                      <a:r>
-                        <a:rPr lang="en-US" sz="600" u="none" strike="noStrike">
-                          <a:effectLst/>
-                        </a:rPr>
-                        <a:t>SDET-203</a:t>
-                      </a:r>
-                      <a:endParaRPr lang="en-US" sz="600" b="0" i="0" u="none" strike="noStrike">
-                        <a:solidFill>
-                          <a:srgbClr val="000000"/>
-                        </a:solidFill>
-                        <a:effectLst/>
-                        <a:latin typeface="맑은 고딕" panose="020B0503020000020004" pitchFamily="50" charset="-127"/>
-                        <a:ea typeface="맑은 고딕" panose="020B0503020000020004" pitchFamily="50" charset="-127"/>
-                      </a:endParaRPr>
-                    </a:p>
-                  </a:txBody>
-                  <a:tcPr marL="5564" marR="5564" marT="5564" marB="0" anchor="ctr"/>
-                </a:tc>
-                <a:tc>
-                  <a:txBody>
-                    <a:bodyPr/>
-                    <a:lstStyle/>
-                    <a:p>
-                      <a:pPr algn="l" fontAlgn="ctr"/>
-                      <a:r>
-                        <a:rPr lang="en-US" sz="600" u="none" strike="noStrike">
-                          <a:effectLst/>
-                        </a:rPr>
-                        <a:t>[Defect] save/load : rooms visit information error.  - at load time, current room is in room visited.</a:t>
-                      </a:r>
-                      <a:endParaRPr lang="en-US" sz="600" b="0" i="0" u="none" strike="noStrike">
-                        <a:solidFill>
-                          <a:srgbClr val="000000"/>
-                        </a:solidFill>
-                        <a:effectLst/>
-                        <a:latin typeface="맑은 고딕" panose="020B0503020000020004" pitchFamily="50" charset="-127"/>
-                        <a:ea typeface="맑은 고딕" panose="020B0503020000020004" pitchFamily="50" charset="-127"/>
-                      </a:endParaRPr>
-                    </a:p>
-                  </a:txBody>
-                  <a:tcPr marL="5564" marR="5564" marT="5564" marB="0" anchor="ctr"/>
-                </a:tc>
-                <a:tc>
-                  <a:txBody>
-                    <a:bodyPr/>
-                    <a:lstStyle/>
-                    <a:p>
-                      <a:pPr algn="l" fontAlgn="ctr"/>
-                      <a:r>
-                        <a:rPr lang="en-US" sz="600" u="none" strike="noStrike">
-                          <a:effectLst/>
-                        </a:rPr>
-                        <a:t>High</a:t>
-                      </a:r>
-                      <a:endParaRPr lang="en-US" sz="600" b="0" i="0" u="none" strike="noStrike">
-                        <a:solidFill>
-                          <a:srgbClr val="000000"/>
-                        </a:solidFill>
-                        <a:effectLst/>
-                        <a:latin typeface="맑은 고딕" panose="020B0503020000020004" pitchFamily="50" charset="-127"/>
-                        <a:ea typeface="맑은 고딕" panose="020B0503020000020004" pitchFamily="50" charset="-127"/>
-                      </a:endParaRPr>
-                    </a:p>
-                  </a:txBody>
-                  <a:tcPr marL="5564" marR="5564" marT="5564" marB="0" anchor="ctr"/>
-                </a:tc>
-              </a:tr>
-              <a:tr h="201426">
-                <a:tc>
-                  <a:txBody>
-                    <a:bodyPr/>
-                    <a:lstStyle/>
-                    <a:p>
-                      <a:pPr algn="l" fontAlgn="ctr"/>
-                      <a:r>
-                        <a:rPr lang="en-US" sz="600" u="none" strike="noStrike">
-                          <a:effectLst/>
-                        </a:rPr>
-                        <a:t>SDET-202</a:t>
-                      </a:r>
-                      <a:endParaRPr lang="en-US" sz="600" b="0" i="0" u="none" strike="noStrike">
-                        <a:solidFill>
-                          <a:srgbClr val="000000"/>
-                        </a:solidFill>
-                        <a:effectLst/>
-                        <a:latin typeface="맑은 고딕" panose="020B0503020000020004" pitchFamily="50" charset="-127"/>
-                        <a:ea typeface="맑은 고딕" panose="020B0503020000020004" pitchFamily="50" charset="-127"/>
-                      </a:endParaRPr>
-                    </a:p>
-                  </a:txBody>
-                  <a:tcPr marL="5564" marR="5564" marT="5564" marB="0" anchor="ctr"/>
-                </a:tc>
-                <a:tc>
-                  <a:txBody>
-                    <a:bodyPr/>
-                    <a:lstStyle/>
-                    <a:p>
-                      <a:pPr algn="l" fontAlgn="ctr"/>
-                      <a:r>
-                        <a:rPr lang="en-US" sz="600" u="none" strike="noStrike">
-                          <a:effectLst/>
-                        </a:rPr>
-                        <a:t>[Defect] save/load : point cal error - elevator game 6point save -&gt; continue game. 8 point -&gt; load game score 14 </a:t>
-                      </a:r>
-                      <a:endParaRPr lang="en-US" sz="600" b="0" i="0" u="none" strike="noStrike">
-                        <a:solidFill>
-                          <a:srgbClr val="000000"/>
-                        </a:solidFill>
-                        <a:effectLst/>
-                        <a:latin typeface="맑은 고딕" panose="020B0503020000020004" pitchFamily="50" charset="-127"/>
-                        <a:ea typeface="맑은 고딕" panose="020B0503020000020004" pitchFamily="50" charset="-127"/>
-                      </a:endParaRPr>
-                    </a:p>
-                  </a:txBody>
-                  <a:tcPr marL="5564" marR="5564" marT="5564" marB="0" anchor="ctr"/>
-                </a:tc>
-                <a:tc>
-                  <a:txBody>
-                    <a:bodyPr/>
-                    <a:lstStyle/>
-                    <a:p>
-                      <a:pPr algn="l" fontAlgn="ctr"/>
-                      <a:r>
-                        <a:rPr lang="en-US" sz="600" u="none" strike="noStrike">
-                          <a:effectLst/>
-                        </a:rPr>
-                        <a:t>High</a:t>
-                      </a:r>
-                      <a:endParaRPr lang="en-US" sz="600" b="0" i="0" u="none" strike="noStrike">
-                        <a:solidFill>
-                          <a:srgbClr val="000000"/>
-                        </a:solidFill>
-                        <a:effectLst/>
-                        <a:latin typeface="맑은 고딕" panose="020B0503020000020004" pitchFamily="50" charset="-127"/>
-                        <a:ea typeface="맑은 고딕" panose="020B0503020000020004" pitchFamily="50" charset="-127"/>
-                      </a:endParaRPr>
-                    </a:p>
-                  </a:txBody>
-                  <a:tcPr marL="5564" marR="5564" marT="5564" marB="0" anchor="ctr"/>
-                </a:tc>
-              </a:tr>
-              <a:tr h="201426">
-                <a:tc>
-                  <a:txBody>
-                    <a:bodyPr/>
-                    <a:lstStyle/>
-                    <a:p>
-                      <a:pPr algn="l" fontAlgn="ctr"/>
-                      <a:r>
-                        <a:rPr lang="en-US" sz="600" u="none" strike="noStrike">
-                          <a:effectLst/>
-                        </a:rPr>
-                        <a:t>SDET-201</a:t>
-                      </a:r>
-                      <a:endParaRPr lang="en-US" sz="600" b="0" i="0" u="none" strike="noStrike">
-                        <a:solidFill>
-                          <a:srgbClr val="000000"/>
-                        </a:solidFill>
-                        <a:effectLst/>
-                        <a:latin typeface="맑은 고딕" panose="020B0503020000020004" pitchFamily="50" charset="-127"/>
-                        <a:ea typeface="맑은 고딕" panose="020B0503020000020004" pitchFamily="50" charset="-127"/>
-                      </a:endParaRPr>
-                    </a:p>
-                  </a:txBody>
-                  <a:tcPr marL="5564" marR="5564" marT="5564" marB="0" anchor="ctr"/>
-                </a:tc>
-                <a:tc>
-                  <a:txBody>
-                    <a:bodyPr/>
-                    <a:lstStyle/>
-                    <a:p>
-                      <a:pPr algn="l" fontAlgn="ctr"/>
-                      <a:r>
-                        <a:rPr lang="en-US" sz="600" u="none" strike="noStrike" dirty="0">
-                          <a:effectLst/>
-                        </a:rPr>
-                        <a:t>[Defect] network game - "</a:t>
-                      </a:r>
-                      <a:r>
-                        <a:rPr lang="en-US" sz="600" u="none" strike="noStrike" dirty="0" err="1">
-                          <a:effectLst/>
-                        </a:rPr>
-                        <a:t>javax.crypto.IllegalBlockSizeException</a:t>
-                      </a:r>
-                      <a:r>
-                        <a:rPr lang="en-US" sz="600" u="none" strike="noStrike" dirty="0">
-                          <a:effectLst/>
-                        </a:rPr>
-                        <a:t>" error</a:t>
-                      </a:r>
-                      <a:endParaRPr lang="en-US" sz="600" b="0" i="0" u="none" strike="noStrike" dirty="0">
-                        <a:solidFill>
-                          <a:srgbClr val="000000"/>
-                        </a:solidFill>
-                        <a:effectLst/>
-                        <a:latin typeface="맑은 고딕" panose="020B0503020000020004" pitchFamily="50" charset="-127"/>
-                        <a:ea typeface="맑은 고딕" panose="020B0503020000020004" pitchFamily="50" charset="-127"/>
-                      </a:endParaRPr>
-                    </a:p>
-                  </a:txBody>
-                  <a:tcPr marL="5564" marR="5564" marT="5564" marB="0" anchor="ctr"/>
-                </a:tc>
-                <a:tc>
-                  <a:txBody>
-                    <a:bodyPr/>
-                    <a:lstStyle/>
-                    <a:p>
-                      <a:pPr algn="l" fontAlgn="ctr"/>
-                      <a:r>
-                        <a:rPr lang="en-US" sz="600" u="none" strike="noStrike">
-                          <a:effectLst/>
-                        </a:rPr>
-                        <a:t>Highest</a:t>
-                      </a:r>
-                      <a:endParaRPr lang="en-US" sz="600" b="0" i="0" u="none" strike="noStrike">
-                        <a:solidFill>
-                          <a:srgbClr val="000000"/>
-                        </a:solidFill>
-                        <a:effectLst/>
-                        <a:latin typeface="맑은 고딕" panose="020B0503020000020004" pitchFamily="50" charset="-127"/>
-                        <a:ea typeface="맑은 고딕" panose="020B0503020000020004" pitchFamily="50" charset="-127"/>
-                      </a:endParaRPr>
-                    </a:p>
-                  </a:txBody>
-                  <a:tcPr marL="5564" marR="5564" marT="5564" marB="0" anchor="ctr"/>
-                </a:tc>
-              </a:tr>
-              <a:tr h="122414">
-                <a:tc>
-                  <a:txBody>
-                    <a:bodyPr/>
-                    <a:lstStyle/>
-                    <a:p>
-                      <a:pPr algn="l" fontAlgn="ctr"/>
-                      <a:r>
-                        <a:rPr lang="en-US" sz="600" u="none" strike="noStrike">
-                          <a:effectLst/>
-                        </a:rPr>
-                        <a:t>SDET-199</a:t>
-                      </a:r>
-                      <a:endParaRPr lang="en-US" sz="600" b="0" i="0" u="none" strike="noStrike">
-                        <a:solidFill>
-                          <a:srgbClr val="000000"/>
-                        </a:solidFill>
-                        <a:effectLst/>
-                        <a:latin typeface="맑은 고딕" panose="020B0503020000020004" pitchFamily="50" charset="-127"/>
-                        <a:ea typeface="맑은 고딕" panose="020B0503020000020004" pitchFamily="50" charset="-127"/>
-                      </a:endParaRPr>
-                    </a:p>
-                  </a:txBody>
-                  <a:tcPr marL="5564" marR="5564" marT="5564" marB="0" anchor="ctr"/>
-                </a:tc>
-                <a:tc>
-                  <a:txBody>
-                    <a:bodyPr/>
-                    <a:lstStyle/>
-                    <a:p>
-                      <a:pPr algn="l" fontAlgn="ctr"/>
-                      <a:r>
-                        <a:rPr lang="en-US" sz="600" u="none" strike="noStrike">
-                          <a:effectLst/>
-                        </a:rPr>
-                        <a:t>[Defect] network game - When do network games initialize?</a:t>
-                      </a:r>
-                      <a:endParaRPr lang="en-US" sz="600" b="0" i="0" u="none" strike="noStrike">
-                        <a:solidFill>
-                          <a:srgbClr val="000000"/>
-                        </a:solidFill>
-                        <a:effectLst/>
-                        <a:latin typeface="맑은 고딕" panose="020B0503020000020004" pitchFamily="50" charset="-127"/>
-                        <a:ea typeface="맑은 고딕" panose="020B0503020000020004" pitchFamily="50" charset="-127"/>
-                      </a:endParaRPr>
-                    </a:p>
-                  </a:txBody>
-                  <a:tcPr marL="5564" marR="5564" marT="5564" marB="0" anchor="ctr"/>
-                </a:tc>
-                <a:tc>
-                  <a:txBody>
-                    <a:bodyPr/>
-                    <a:lstStyle/>
-                    <a:p>
-                      <a:pPr algn="l" fontAlgn="ctr"/>
-                      <a:r>
-                        <a:rPr lang="en-US" sz="600" u="none" strike="noStrike">
-                          <a:effectLst/>
-                        </a:rPr>
-                        <a:t>High</a:t>
-                      </a:r>
-                      <a:endParaRPr lang="en-US" sz="600" b="0" i="0" u="none" strike="noStrike">
-                        <a:solidFill>
-                          <a:srgbClr val="000000"/>
-                        </a:solidFill>
-                        <a:effectLst/>
-                        <a:latin typeface="맑은 고딕" panose="020B0503020000020004" pitchFamily="50" charset="-127"/>
-                        <a:ea typeface="맑은 고딕" panose="020B0503020000020004" pitchFamily="50" charset="-127"/>
-                      </a:endParaRPr>
-                    </a:p>
-                  </a:txBody>
-                  <a:tcPr marL="5564" marR="5564" marT="5564" marB="0" anchor="ctr"/>
-                </a:tc>
-              </a:tr>
-              <a:tr h="201426">
-                <a:tc>
-                  <a:txBody>
-                    <a:bodyPr/>
-                    <a:lstStyle/>
-                    <a:p>
-                      <a:pPr algn="l" fontAlgn="ctr"/>
-                      <a:r>
-                        <a:rPr lang="en-US" sz="600" u="none" strike="noStrike">
-                          <a:effectLst/>
-                        </a:rPr>
-                        <a:t>SDET-197</a:t>
-                      </a:r>
-                      <a:endParaRPr lang="en-US" sz="600" b="0" i="0" u="none" strike="noStrike">
-                        <a:solidFill>
-                          <a:srgbClr val="000000"/>
-                        </a:solidFill>
-                        <a:effectLst/>
-                        <a:latin typeface="맑은 고딕" panose="020B0503020000020004" pitchFamily="50" charset="-127"/>
-                        <a:ea typeface="맑은 고딕" panose="020B0503020000020004" pitchFamily="50" charset="-127"/>
-                      </a:endParaRPr>
-                    </a:p>
-                  </a:txBody>
-                  <a:tcPr marL="5564" marR="5564" marT="5564" marB="0" anchor="ctr"/>
-                </a:tc>
-                <a:tc>
-                  <a:txBody>
-                    <a:bodyPr/>
-                    <a:lstStyle/>
-                    <a:p>
-                      <a:pPr algn="l" fontAlgn="ctr"/>
-                      <a:r>
-                        <a:rPr lang="en-US" sz="600" u="none" strike="noStrike" dirty="0">
-                          <a:effectLst/>
-                        </a:rPr>
-                        <a:t>[Defect] network game : some one game lost -&gt; gamer counter is not discount</a:t>
-                      </a:r>
-                      <a:endParaRPr lang="en-US" sz="600" b="0" i="0" u="none" strike="noStrike" dirty="0">
-                        <a:solidFill>
-                          <a:srgbClr val="000000"/>
-                        </a:solidFill>
-                        <a:effectLst/>
-                        <a:latin typeface="맑은 고딕" panose="020B0503020000020004" pitchFamily="50" charset="-127"/>
-                        <a:ea typeface="맑은 고딕" panose="020B0503020000020004" pitchFamily="50" charset="-127"/>
-                      </a:endParaRPr>
-                    </a:p>
-                  </a:txBody>
-                  <a:tcPr marL="5564" marR="5564" marT="5564" marB="0" anchor="ctr"/>
-                </a:tc>
-                <a:tc>
-                  <a:txBody>
-                    <a:bodyPr/>
-                    <a:lstStyle/>
-                    <a:p>
-                      <a:pPr algn="l" fontAlgn="ctr"/>
-                      <a:r>
-                        <a:rPr lang="en-US" sz="600" u="none" strike="noStrike">
-                          <a:effectLst/>
-                        </a:rPr>
-                        <a:t>Medium</a:t>
-                      </a:r>
-                      <a:endParaRPr lang="en-US" sz="600" b="0" i="0" u="none" strike="noStrike">
-                        <a:solidFill>
-                          <a:srgbClr val="000000"/>
-                        </a:solidFill>
-                        <a:effectLst/>
-                        <a:latin typeface="맑은 고딕" panose="020B0503020000020004" pitchFamily="50" charset="-127"/>
-                        <a:ea typeface="맑은 고딕" panose="020B0503020000020004" pitchFamily="50" charset="-127"/>
-                      </a:endParaRPr>
-                    </a:p>
-                  </a:txBody>
-                  <a:tcPr marL="5564" marR="5564" marT="5564" marB="0" anchor="ctr"/>
-                </a:tc>
-              </a:tr>
-              <a:tr h="201426">
-                <a:tc>
-                  <a:txBody>
-                    <a:bodyPr/>
-                    <a:lstStyle/>
-                    <a:p>
-                      <a:pPr algn="l" fontAlgn="ctr"/>
-                      <a:r>
-                        <a:rPr lang="en-US" sz="600" u="none" strike="noStrike">
-                          <a:effectLst/>
-                        </a:rPr>
-                        <a:t>SDET-194</a:t>
-                      </a:r>
-                      <a:endParaRPr lang="en-US" sz="600" b="0" i="0" u="none" strike="noStrike">
-                        <a:solidFill>
-                          <a:srgbClr val="000000"/>
-                        </a:solidFill>
-                        <a:effectLst/>
-                        <a:latin typeface="맑은 고딕" panose="020B0503020000020004" pitchFamily="50" charset="-127"/>
-                        <a:ea typeface="맑은 고딕" panose="020B0503020000020004" pitchFamily="50" charset="-127"/>
-                      </a:endParaRPr>
-                    </a:p>
-                  </a:txBody>
-                  <a:tcPr marL="5564" marR="5564" marT="5564" marB="0" anchor="ctr"/>
-                </a:tc>
-                <a:tc>
-                  <a:txBody>
-                    <a:bodyPr/>
-                    <a:lstStyle/>
-                    <a:p>
-                      <a:pPr algn="l" fontAlgn="ctr"/>
-                      <a:r>
-                        <a:rPr lang="en-US" sz="600" u="none" strike="noStrike">
-                          <a:effectLst/>
-                        </a:rPr>
-                        <a:t>[Defect] requirement item room - There are no that item in the inventory. -&gt; action error</a:t>
-                      </a:r>
-                      <a:endParaRPr lang="en-US" sz="600" b="0" i="0" u="none" strike="noStrike">
-                        <a:solidFill>
-                          <a:srgbClr val="000000"/>
-                        </a:solidFill>
-                        <a:effectLst/>
-                        <a:latin typeface="맑은 고딕" panose="020B0503020000020004" pitchFamily="50" charset="-127"/>
-                        <a:ea typeface="맑은 고딕" panose="020B0503020000020004" pitchFamily="50" charset="-127"/>
-                      </a:endParaRPr>
-                    </a:p>
-                  </a:txBody>
-                  <a:tcPr marL="5564" marR="5564" marT="5564" marB="0" anchor="ctr"/>
-                </a:tc>
-                <a:tc>
-                  <a:txBody>
-                    <a:bodyPr/>
-                    <a:lstStyle/>
-                    <a:p>
-                      <a:pPr algn="l" fontAlgn="ctr"/>
-                      <a:r>
-                        <a:rPr lang="en-US" sz="600" u="none" strike="noStrike">
-                          <a:effectLst/>
-                        </a:rPr>
-                        <a:t>High</a:t>
-                      </a:r>
-                      <a:endParaRPr lang="en-US" sz="600" b="0" i="0" u="none" strike="noStrike">
-                        <a:solidFill>
-                          <a:srgbClr val="000000"/>
-                        </a:solidFill>
-                        <a:effectLst/>
-                        <a:latin typeface="맑은 고딕" panose="020B0503020000020004" pitchFamily="50" charset="-127"/>
-                        <a:ea typeface="맑은 고딕" panose="020B0503020000020004" pitchFamily="50" charset="-127"/>
-                      </a:endParaRPr>
-                    </a:p>
-                  </a:txBody>
-                  <a:tcPr marL="5564" marR="5564" marT="5564" marB="0" anchor="ctr"/>
-                </a:tc>
-              </a:tr>
-              <a:tr h="201426">
-                <a:tc>
-                  <a:txBody>
-                    <a:bodyPr/>
-                    <a:lstStyle/>
-                    <a:p>
-                      <a:pPr algn="l" fontAlgn="ctr"/>
-                      <a:r>
-                        <a:rPr lang="en-US" sz="600" u="none" strike="noStrike">
-                          <a:effectLst/>
-                        </a:rPr>
-                        <a:t>SDET-193</a:t>
-                      </a:r>
-                      <a:endParaRPr lang="en-US" sz="600" b="0" i="0" u="none" strike="noStrike">
-                        <a:solidFill>
-                          <a:srgbClr val="000000"/>
-                        </a:solidFill>
-                        <a:effectLst/>
-                        <a:latin typeface="맑은 고딕" panose="020B0503020000020004" pitchFamily="50" charset="-127"/>
-                        <a:ea typeface="맑은 고딕" panose="020B0503020000020004" pitchFamily="50" charset="-127"/>
-                      </a:endParaRPr>
-                    </a:p>
-                  </a:txBody>
-                  <a:tcPr marL="5564" marR="5564" marT="5564" marB="0" anchor="ctr"/>
-                </a:tc>
-                <a:tc>
-                  <a:txBody>
-                    <a:bodyPr/>
-                    <a:lstStyle/>
-                    <a:p>
-                      <a:pPr algn="l" fontAlgn="ctr"/>
-                      <a:r>
-                        <a:rPr lang="en-US" sz="600" u="none" strike="noStrike">
-                          <a:effectLst/>
-                        </a:rPr>
-                        <a:t>[Defect] game config. : There is an unconnected room. -&gt; no error</a:t>
-                      </a:r>
-                      <a:endParaRPr lang="en-US" sz="600" b="0" i="0" u="none" strike="noStrike">
-                        <a:solidFill>
-                          <a:srgbClr val="000000"/>
-                        </a:solidFill>
-                        <a:effectLst/>
-                        <a:latin typeface="맑은 고딕" panose="020B0503020000020004" pitchFamily="50" charset="-127"/>
-                        <a:ea typeface="맑은 고딕" panose="020B0503020000020004" pitchFamily="50" charset="-127"/>
-                      </a:endParaRPr>
-                    </a:p>
-                  </a:txBody>
-                  <a:tcPr marL="5564" marR="5564" marT="5564" marB="0" anchor="ctr"/>
-                </a:tc>
-                <a:tc>
-                  <a:txBody>
-                    <a:bodyPr/>
-                    <a:lstStyle/>
-                    <a:p>
-                      <a:pPr algn="l" fontAlgn="ctr"/>
-                      <a:r>
-                        <a:rPr lang="en-US" sz="600" u="none" strike="noStrike">
-                          <a:effectLst/>
-                        </a:rPr>
-                        <a:t>Medium</a:t>
-                      </a:r>
-                      <a:endParaRPr lang="en-US" sz="600" b="0" i="0" u="none" strike="noStrike">
-                        <a:solidFill>
-                          <a:srgbClr val="000000"/>
-                        </a:solidFill>
-                        <a:effectLst/>
-                        <a:latin typeface="맑은 고딕" panose="020B0503020000020004" pitchFamily="50" charset="-127"/>
-                        <a:ea typeface="맑은 고딕" panose="020B0503020000020004" pitchFamily="50" charset="-127"/>
-                      </a:endParaRPr>
-                    </a:p>
-                  </a:txBody>
-                  <a:tcPr marL="5564" marR="5564" marT="5564" marB="0" anchor="ctr"/>
-                </a:tc>
-              </a:tr>
-              <a:tr h="201426">
-                <a:tc>
-                  <a:txBody>
-                    <a:bodyPr/>
-                    <a:lstStyle/>
-                    <a:p>
-                      <a:pPr algn="l" fontAlgn="ctr"/>
-                      <a:r>
-                        <a:rPr lang="en-US" sz="600" u="none" strike="noStrike">
-                          <a:effectLst/>
-                        </a:rPr>
-                        <a:t>SDET-192</a:t>
-                      </a:r>
-                      <a:endParaRPr lang="en-US" sz="600" b="0" i="0" u="none" strike="noStrike">
-                        <a:solidFill>
-                          <a:srgbClr val="000000"/>
-                        </a:solidFill>
-                        <a:effectLst/>
-                        <a:latin typeface="맑은 고딕" panose="020B0503020000020004" pitchFamily="50" charset="-127"/>
-                        <a:ea typeface="맑은 고딕" panose="020B0503020000020004" pitchFamily="50" charset="-127"/>
-                      </a:endParaRPr>
-                    </a:p>
-                  </a:txBody>
-                  <a:tcPr marL="5564" marR="5564" marT="5564" marB="0" anchor="ctr"/>
-                </a:tc>
-                <a:tc>
-                  <a:txBody>
-                    <a:bodyPr/>
-                    <a:lstStyle/>
-                    <a:p>
-                      <a:pPr algn="l" fontAlgn="ctr"/>
-                      <a:r>
-                        <a:rPr lang="en-US" sz="600" u="none" strike="noStrike" dirty="0">
-                          <a:effectLst/>
-                        </a:rPr>
-                        <a:t>[Defect] game </a:t>
-                      </a:r>
-                      <a:r>
-                        <a:rPr lang="en-US" sz="600" u="none" strike="noStrike" dirty="0" err="1">
-                          <a:effectLst/>
-                        </a:rPr>
-                        <a:t>config</a:t>
-                      </a:r>
-                      <a:r>
-                        <a:rPr lang="en-US" sz="600" u="none" strike="noStrike" dirty="0">
-                          <a:effectLst/>
-                        </a:rPr>
-                        <a:t>. : requirement item room game -&gt; there is not </a:t>
-                      </a:r>
-                      <a:r>
-                        <a:rPr lang="en-US" sz="600" u="none" strike="noStrike" dirty="0" err="1">
-                          <a:effectLst/>
-                        </a:rPr>
-                        <a:t>requireditem</a:t>
-                      </a:r>
-                      <a:r>
-                        <a:rPr lang="en-US" sz="600" u="none" strike="noStrike" dirty="0">
-                          <a:effectLst/>
-                        </a:rPr>
-                        <a:t> in game -&gt; no error</a:t>
-                      </a:r>
-                      <a:endParaRPr lang="en-US" sz="600" b="0" i="0" u="none" strike="noStrike" dirty="0">
-                        <a:solidFill>
-                          <a:srgbClr val="000000"/>
-                        </a:solidFill>
-                        <a:effectLst/>
-                        <a:latin typeface="맑은 고딕" panose="020B0503020000020004" pitchFamily="50" charset="-127"/>
-                        <a:ea typeface="맑은 고딕" panose="020B0503020000020004" pitchFamily="50" charset="-127"/>
-                      </a:endParaRPr>
-                    </a:p>
-                  </a:txBody>
-                  <a:tcPr marL="5564" marR="5564" marT="5564" marB="0" anchor="ctr"/>
-                </a:tc>
-                <a:tc>
-                  <a:txBody>
-                    <a:bodyPr/>
-                    <a:lstStyle/>
-                    <a:p>
-                      <a:pPr algn="l" fontAlgn="ctr"/>
-                      <a:r>
-                        <a:rPr lang="en-US" sz="600" u="none" strike="noStrike">
-                          <a:effectLst/>
-                        </a:rPr>
-                        <a:t>Medium</a:t>
-                      </a:r>
-                      <a:endParaRPr lang="en-US" sz="600" b="0" i="0" u="none" strike="noStrike">
-                        <a:solidFill>
-                          <a:srgbClr val="000000"/>
-                        </a:solidFill>
-                        <a:effectLst/>
-                        <a:latin typeface="맑은 고딕" panose="020B0503020000020004" pitchFamily="50" charset="-127"/>
-                        <a:ea typeface="맑은 고딕" panose="020B0503020000020004" pitchFamily="50" charset="-127"/>
-                      </a:endParaRPr>
-                    </a:p>
-                  </a:txBody>
-                  <a:tcPr marL="5564" marR="5564" marT="5564" marB="0" anchor="ctr"/>
-                </a:tc>
-              </a:tr>
-              <a:tr h="201426">
-                <a:tc>
-                  <a:txBody>
-                    <a:bodyPr/>
-                    <a:lstStyle/>
-                    <a:p>
-                      <a:pPr algn="l" fontAlgn="ctr"/>
-                      <a:r>
-                        <a:rPr lang="en-US" sz="600" u="none" strike="noStrike">
-                          <a:effectLst/>
-                        </a:rPr>
-                        <a:t>SDET-191</a:t>
-                      </a:r>
-                      <a:endParaRPr lang="en-US" sz="600" b="0" i="0" u="none" strike="noStrike">
-                        <a:solidFill>
-                          <a:srgbClr val="000000"/>
-                        </a:solidFill>
-                        <a:effectLst/>
-                        <a:latin typeface="맑은 고딕" panose="020B0503020000020004" pitchFamily="50" charset="-127"/>
-                        <a:ea typeface="맑은 고딕" panose="020B0503020000020004" pitchFamily="50" charset="-127"/>
-                      </a:endParaRPr>
-                    </a:p>
-                  </a:txBody>
-                  <a:tcPr marL="5564" marR="5564" marT="5564" marB="0" anchor="ctr"/>
-                </a:tc>
-                <a:tc>
-                  <a:txBody>
-                    <a:bodyPr/>
-                    <a:lstStyle/>
-                    <a:p>
-                      <a:pPr algn="l" fontAlgn="ctr"/>
-                      <a:r>
-                        <a:rPr lang="en-US" sz="600" u="none" strike="noStrike">
-                          <a:effectLst/>
-                        </a:rPr>
-                        <a:t>[Defect] [game config] excavatable room game have not shovel in game -&gt; no error</a:t>
-                      </a:r>
-                      <a:endParaRPr lang="en-US" sz="600" b="0" i="0" u="none" strike="noStrike">
-                        <a:solidFill>
-                          <a:srgbClr val="000000"/>
-                        </a:solidFill>
-                        <a:effectLst/>
-                        <a:latin typeface="맑은 고딕" panose="020B0503020000020004" pitchFamily="50" charset="-127"/>
-                        <a:ea typeface="맑은 고딕" panose="020B0503020000020004" pitchFamily="50" charset="-127"/>
-                      </a:endParaRPr>
-                    </a:p>
-                  </a:txBody>
-                  <a:tcPr marL="5564" marR="5564" marT="5564" marB="0" anchor="ctr"/>
-                </a:tc>
-                <a:tc>
-                  <a:txBody>
-                    <a:bodyPr/>
-                    <a:lstStyle/>
-                    <a:p>
-                      <a:pPr algn="l" fontAlgn="ctr"/>
-                      <a:r>
-                        <a:rPr lang="en-US" sz="600" u="none" strike="noStrike">
-                          <a:effectLst/>
-                        </a:rPr>
-                        <a:t>Medium</a:t>
-                      </a:r>
-                      <a:endParaRPr lang="en-US" sz="600" b="0" i="0" u="none" strike="noStrike">
-                        <a:solidFill>
-                          <a:srgbClr val="000000"/>
-                        </a:solidFill>
-                        <a:effectLst/>
-                        <a:latin typeface="맑은 고딕" panose="020B0503020000020004" pitchFamily="50" charset="-127"/>
-                        <a:ea typeface="맑은 고딕" panose="020B0503020000020004" pitchFamily="50" charset="-127"/>
-                      </a:endParaRPr>
-                    </a:p>
-                  </a:txBody>
-                  <a:tcPr marL="5564" marR="5564" marT="5564" marB="0" anchor="ctr"/>
-                </a:tc>
-              </a:tr>
-              <a:tr h="201426">
-                <a:tc>
-                  <a:txBody>
-                    <a:bodyPr/>
-                    <a:lstStyle/>
-                    <a:p>
-                      <a:pPr algn="l" fontAlgn="ctr"/>
-                      <a:r>
-                        <a:rPr lang="en-US" sz="600" u="none" strike="noStrike">
-                          <a:effectLst/>
-                        </a:rPr>
-                        <a:t>SDET-190</a:t>
-                      </a:r>
-                      <a:endParaRPr lang="en-US" sz="600" b="0" i="0" u="none" strike="noStrike">
-                        <a:solidFill>
-                          <a:srgbClr val="000000"/>
-                        </a:solidFill>
-                        <a:effectLst/>
-                        <a:latin typeface="맑은 고딕" panose="020B0503020000020004" pitchFamily="50" charset="-127"/>
-                        <a:ea typeface="맑은 고딕" panose="020B0503020000020004" pitchFamily="50" charset="-127"/>
-                      </a:endParaRPr>
-                    </a:p>
-                  </a:txBody>
-                  <a:tcPr marL="5564" marR="5564" marT="5564" marB="0" anchor="ctr"/>
-                </a:tc>
-                <a:tc>
-                  <a:txBody>
-                    <a:bodyPr/>
-                    <a:lstStyle/>
-                    <a:p>
-                      <a:pPr algn="l" fontAlgn="ctr"/>
-                      <a:r>
-                        <a:rPr lang="en-US" sz="600" u="none" strike="noStrike">
-                          <a:effectLst/>
-                        </a:rPr>
-                        <a:t>[Defect] game config. : look room game have not key, lock item in game - no error</a:t>
-                      </a:r>
-                      <a:endParaRPr lang="en-US" sz="600" b="0" i="0" u="none" strike="noStrike">
-                        <a:solidFill>
-                          <a:srgbClr val="000000"/>
-                        </a:solidFill>
-                        <a:effectLst/>
-                        <a:latin typeface="맑은 고딕" panose="020B0503020000020004" pitchFamily="50" charset="-127"/>
-                        <a:ea typeface="맑은 고딕" panose="020B0503020000020004" pitchFamily="50" charset="-127"/>
-                      </a:endParaRPr>
-                    </a:p>
-                  </a:txBody>
-                  <a:tcPr marL="5564" marR="5564" marT="5564" marB="0" anchor="ctr"/>
-                </a:tc>
-                <a:tc>
-                  <a:txBody>
-                    <a:bodyPr/>
-                    <a:lstStyle/>
-                    <a:p>
-                      <a:pPr algn="l" fontAlgn="ctr"/>
-                      <a:r>
-                        <a:rPr lang="en-US" sz="600" u="none" strike="noStrike">
-                          <a:effectLst/>
-                        </a:rPr>
-                        <a:t>Medium</a:t>
-                      </a:r>
-                      <a:endParaRPr lang="en-US" sz="600" b="0" i="0" u="none" strike="noStrike">
-                        <a:solidFill>
-                          <a:srgbClr val="000000"/>
-                        </a:solidFill>
-                        <a:effectLst/>
-                        <a:latin typeface="맑은 고딕" panose="020B0503020000020004" pitchFamily="50" charset="-127"/>
-                        <a:ea typeface="맑은 고딕" panose="020B0503020000020004" pitchFamily="50" charset="-127"/>
-                      </a:endParaRPr>
-                    </a:p>
-                  </a:txBody>
-                  <a:tcPr marL="5564" marR="5564" marT="5564" marB="0" anchor="ctr"/>
-                </a:tc>
-              </a:tr>
-              <a:tr h="201426">
-                <a:tc>
-                  <a:txBody>
-                    <a:bodyPr/>
-                    <a:lstStyle/>
-                    <a:p>
-                      <a:pPr algn="l" fontAlgn="ctr"/>
-                      <a:r>
-                        <a:rPr lang="en-US" sz="600" u="none" strike="noStrike">
-                          <a:effectLst/>
-                        </a:rPr>
-                        <a:t>SDET-189</a:t>
-                      </a:r>
-                      <a:endParaRPr lang="en-US" sz="600" b="0" i="0" u="none" strike="noStrike">
-                        <a:solidFill>
-                          <a:srgbClr val="000000"/>
-                        </a:solidFill>
-                        <a:effectLst/>
-                        <a:latin typeface="맑은 고딕" panose="020B0503020000020004" pitchFamily="50" charset="-127"/>
-                        <a:ea typeface="맑은 고딕" panose="020B0503020000020004" pitchFamily="50" charset="-127"/>
-                      </a:endParaRPr>
-                    </a:p>
-                  </a:txBody>
-                  <a:tcPr marL="5564" marR="5564" marT="5564" marB="0" anchor="ctr"/>
-                </a:tc>
-                <a:tc>
-                  <a:txBody>
-                    <a:bodyPr/>
-                    <a:lstStyle/>
-                    <a:p>
-                      <a:pPr algn="l" fontAlgn="ctr"/>
-                      <a:r>
-                        <a:rPr lang="en-US" sz="600" u="none" strike="noStrike">
-                          <a:effectLst/>
-                        </a:rPr>
-                        <a:t>[Defect] game cofig : obscured room releated item is not in game -&gt; no error</a:t>
-                      </a:r>
-                      <a:endParaRPr lang="en-US" sz="600" b="0" i="0" u="none" strike="noStrike">
-                        <a:solidFill>
-                          <a:srgbClr val="000000"/>
-                        </a:solidFill>
-                        <a:effectLst/>
-                        <a:latin typeface="맑은 고딕" panose="020B0503020000020004" pitchFamily="50" charset="-127"/>
-                        <a:ea typeface="맑은 고딕" panose="020B0503020000020004" pitchFamily="50" charset="-127"/>
-                      </a:endParaRPr>
-                    </a:p>
-                  </a:txBody>
-                  <a:tcPr marL="5564" marR="5564" marT="5564" marB="0" anchor="ctr"/>
-                </a:tc>
-                <a:tc>
-                  <a:txBody>
-                    <a:bodyPr/>
-                    <a:lstStyle/>
-                    <a:p>
-                      <a:pPr algn="l" fontAlgn="ctr"/>
-                      <a:r>
-                        <a:rPr lang="en-US" sz="600" u="none" strike="noStrike">
-                          <a:effectLst/>
-                        </a:rPr>
-                        <a:t>Medium</a:t>
-                      </a:r>
-                      <a:endParaRPr lang="en-US" sz="600" b="0" i="0" u="none" strike="noStrike">
-                        <a:solidFill>
-                          <a:srgbClr val="000000"/>
-                        </a:solidFill>
-                        <a:effectLst/>
-                        <a:latin typeface="맑은 고딕" panose="020B0503020000020004" pitchFamily="50" charset="-127"/>
-                        <a:ea typeface="맑은 고딕" panose="020B0503020000020004" pitchFamily="50" charset="-127"/>
-                      </a:endParaRPr>
-                    </a:p>
-                  </a:txBody>
-                  <a:tcPr marL="5564" marR="5564" marT="5564" marB="0" anchor="ctr"/>
-                </a:tc>
-              </a:tr>
-              <a:tr h="201426">
-                <a:tc>
-                  <a:txBody>
-                    <a:bodyPr/>
-                    <a:lstStyle/>
-                    <a:p>
-                      <a:pPr algn="l" fontAlgn="ctr"/>
-                      <a:r>
-                        <a:rPr lang="en-US" sz="600" u="none" strike="noStrike">
-                          <a:effectLst/>
-                        </a:rPr>
-                        <a:t>SDET-188</a:t>
-                      </a:r>
-                      <a:endParaRPr lang="en-US" sz="600" b="0" i="0" u="none" strike="noStrike">
-                        <a:solidFill>
-                          <a:srgbClr val="000000"/>
-                        </a:solidFill>
-                        <a:effectLst/>
-                        <a:latin typeface="맑은 고딕" panose="020B0503020000020004" pitchFamily="50" charset="-127"/>
-                        <a:ea typeface="맑은 고딕" panose="020B0503020000020004" pitchFamily="50" charset="-127"/>
-                      </a:endParaRPr>
-                    </a:p>
-                  </a:txBody>
-                  <a:tcPr marL="5564" marR="5564" marT="5564" marB="0" anchor="ctr"/>
-                </a:tc>
-                <a:tc>
-                  <a:txBody>
-                    <a:bodyPr/>
-                    <a:lstStyle/>
-                    <a:p>
-                      <a:pPr algn="l" fontAlgn="ctr"/>
-                      <a:r>
-                        <a:rPr lang="en-US" sz="600" u="none" strike="noStrike">
-                          <a:effectLst/>
-                        </a:rPr>
-                        <a:t>[Defect] _elevatorRestrictedFloor </a:t>
-                      </a:r>
-                      <a:r>
-                        <a:rPr lang="ko-KR" altLang="en-US" sz="600" u="none" strike="noStrike">
-                          <a:effectLst/>
-                        </a:rPr>
-                        <a:t>媛</a:t>
-                      </a:r>
-                      <a:r>
-                        <a:rPr lang="en-US" altLang="ko-KR" sz="600" u="none" strike="noStrike">
-                          <a:effectLst/>
-                        </a:rPr>
-                        <a:t>?</a:t>
-                      </a:r>
-                      <a:r>
-                        <a:rPr lang="ko-KR" altLang="en-US" sz="600" u="none" strike="noStrike">
-                          <a:effectLst/>
-                        </a:rPr>
-                        <a:t>諛</a:t>
-                      </a:r>
-                      <a:r>
-                        <a:rPr lang="en-US" altLang="ko-KR" sz="600" u="none" strike="noStrike">
-                          <a:effectLst/>
-                        </a:rPr>
-                        <a:t>?_</a:t>
-                      </a:r>
-                      <a:r>
-                        <a:rPr lang="en-US" sz="600" u="none" strike="noStrike">
-                          <a:effectLst/>
-                        </a:rPr>
-                        <a:t>elevatorInitialFloor </a:t>
-                      </a:r>
-                      <a:r>
-                        <a:rPr lang="ko-KR" altLang="en-US" sz="600" u="none" strike="noStrike">
-                          <a:effectLst/>
-                        </a:rPr>
-                        <a:t>媛믪씠 </a:t>
-                      </a:r>
-                      <a:r>
-                        <a:rPr lang="en-US" altLang="ko-KR" sz="600" u="none" strike="noStrike">
-                          <a:effectLst/>
-                        </a:rPr>
-                        <a:t>?</a:t>
-                      </a:r>
-                      <a:r>
-                        <a:rPr lang="ko-KR" altLang="en-US" sz="600" u="none" strike="noStrike">
-                          <a:effectLst/>
-                        </a:rPr>
-                        <a:t>ㅼ젣 痢</a:t>
-                      </a:r>
-                      <a:r>
-                        <a:rPr lang="en-US" altLang="ko-KR" sz="600" u="none" strike="noStrike">
-                          <a:effectLst/>
-                        </a:rPr>
-                        <a:t>?</a:t>
-                      </a:r>
-                      <a:r>
-                        <a:rPr lang="ko-KR" altLang="en-US" sz="600" u="none" strike="noStrike">
-                          <a:effectLst/>
-                        </a:rPr>
-                        <a:t>媛믨낵 </a:t>
-                      </a:r>
-                      <a:r>
-                        <a:rPr lang="en-US" altLang="ko-KR" sz="600" u="none" strike="noStrike">
-                          <a:effectLst/>
-                        </a:rPr>
-                        <a:t>?</a:t>
-                      </a:r>
-                      <a:r>
-                        <a:rPr lang="ko-KR" altLang="en-US" sz="600" u="none" strike="noStrike">
-                          <a:effectLst/>
-                        </a:rPr>
-                        <a:t>ㅻ쫫</a:t>
-                      </a:r>
-                      <a:endParaRPr lang="ko-KR" altLang="en-US" sz="600" b="0" i="0" u="none" strike="noStrike">
-                        <a:solidFill>
-                          <a:srgbClr val="000000"/>
-                        </a:solidFill>
-                        <a:effectLst/>
-                        <a:latin typeface="맑은 고딕" panose="020B0503020000020004" pitchFamily="50" charset="-127"/>
-                        <a:ea typeface="맑은 고딕" panose="020B0503020000020004" pitchFamily="50" charset="-127"/>
-                      </a:endParaRPr>
-                    </a:p>
-                  </a:txBody>
-                  <a:tcPr marL="5564" marR="5564" marT="5564" marB="0" anchor="ctr"/>
-                </a:tc>
-                <a:tc>
-                  <a:txBody>
-                    <a:bodyPr/>
-                    <a:lstStyle/>
-                    <a:p>
-                      <a:pPr algn="l" fontAlgn="ctr"/>
-                      <a:r>
-                        <a:rPr lang="en-US" sz="600" u="none" strike="noStrike">
-                          <a:effectLst/>
-                        </a:rPr>
-                        <a:t>Medium</a:t>
-                      </a:r>
-                      <a:endParaRPr lang="en-US" sz="600" b="0" i="0" u="none" strike="noStrike">
-                        <a:solidFill>
-                          <a:srgbClr val="000000"/>
-                        </a:solidFill>
-                        <a:effectLst/>
-                        <a:latin typeface="맑은 고딕" panose="020B0503020000020004" pitchFamily="50" charset="-127"/>
-                        <a:ea typeface="맑은 고딕" panose="020B0503020000020004" pitchFamily="50" charset="-127"/>
-                      </a:endParaRPr>
-                    </a:p>
-                  </a:txBody>
-                  <a:tcPr marL="5564" marR="5564" marT="5564" marB="0" anchor="ctr"/>
-                </a:tc>
-              </a:tr>
-              <a:tr h="201426">
-                <a:tc>
-                  <a:txBody>
-                    <a:bodyPr/>
-                    <a:lstStyle/>
-                    <a:p>
-                      <a:pPr algn="l" fontAlgn="ctr"/>
-                      <a:r>
-                        <a:rPr lang="en-US" sz="600" u="none" strike="noStrike">
-                          <a:effectLst/>
-                        </a:rPr>
-                        <a:t>SDET-187</a:t>
-                      </a:r>
-                      <a:endParaRPr lang="en-US" sz="600" b="0" i="0" u="none" strike="noStrike">
-                        <a:solidFill>
-                          <a:srgbClr val="000000"/>
-                        </a:solidFill>
-                        <a:effectLst/>
-                        <a:latin typeface="맑은 고딕" panose="020B0503020000020004" pitchFamily="50" charset="-127"/>
-                        <a:ea typeface="맑은 고딕" panose="020B0503020000020004" pitchFamily="50" charset="-127"/>
-                      </a:endParaRPr>
-                    </a:p>
-                  </a:txBody>
-                  <a:tcPr marL="5564" marR="5564" marT="5564" marB="0" anchor="ctr"/>
-                </a:tc>
-                <a:tc>
-                  <a:txBody>
-                    <a:bodyPr/>
-                    <a:lstStyle/>
-                    <a:p>
-                      <a:pPr algn="l" fontAlgn="ctr"/>
-                      <a:r>
-                        <a:rPr lang="en-US" sz="600" u="none" strike="noStrike">
-                          <a:effectLst/>
-                        </a:rPr>
-                        <a:t>[Defect] [game config] elevator room -&gt; no button item -&gt; no error</a:t>
-                      </a:r>
-                      <a:endParaRPr lang="en-US" sz="600" b="0" i="0" u="none" strike="noStrike">
-                        <a:solidFill>
-                          <a:srgbClr val="000000"/>
-                        </a:solidFill>
-                        <a:effectLst/>
-                        <a:latin typeface="맑은 고딕" panose="020B0503020000020004" pitchFamily="50" charset="-127"/>
-                        <a:ea typeface="맑은 고딕" panose="020B0503020000020004" pitchFamily="50" charset="-127"/>
-                      </a:endParaRPr>
-                    </a:p>
-                  </a:txBody>
-                  <a:tcPr marL="5564" marR="5564" marT="5564" marB="0" anchor="ctr"/>
-                </a:tc>
-                <a:tc>
-                  <a:txBody>
-                    <a:bodyPr/>
-                    <a:lstStyle/>
-                    <a:p>
-                      <a:pPr algn="l" fontAlgn="ctr"/>
-                      <a:r>
-                        <a:rPr lang="en-US" sz="600" u="none" strike="noStrike">
-                          <a:effectLst/>
-                        </a:rPr>
-                        <a:t>Medium</a:t>
-                      </a:r>
-                      <a:endParaRPr lang="en-US" sz="600" b="0" i="0" u="none" strike="noStrike">
-                        <a:solidFill>
-                          <a:srgbClr val="000000"/>
-                        </a:solidFill>
-                        <a:effectLst/>
-                        <a:latin typeface="맑은 고딕" panose="020B0503020000020004" pitchFamily="50" charset="-127"/>
-                        <a:ea typeface="맑은 고딕" panose="020B0503020000020004" pitchFamily="50" charset="-127"/>
-                      </a:endParaRPr>
-                    </a:p>
-                  </a:txBody>
-                  <a:tcPr marL="5564" marR="5564" marT="5564" marB="0" anchor="ctr"/>
-                </a:tc>
-              </a:tr>
-              <a:tr h="201426">
-                <a:tc>
-                  <a:txBody>
-                    <a:bodyPr/>
-                    <a:lstStyle/>
-                    <a:p>
-                      <a:pPr algn="l" fontAlgn="ctr"/>
-                      <a:r>
-                        <a:rPr lang="en-US" sz="600" u="none" strike="noStrike">
-                          <a:effectLst/>
-                        </a:rPr>
-                        <a:t>SDET-186</a:t>
-                      </a:r>
-                      <a:endParaRPr lang="en-US" sz="600" b="0" i="0" u="none" strike="noStrike">
-                        <a:solidFill>
-                          <a:srgbClr val="000000"/>
-                        </a:solidFill>
-                        <a:effectLst/>
-                        <a:latin typeface="맑은 고딕" panose="020B0503020000020004" pitchFamily="50" charset="-127"/>
-                        <a:ea typeface="맑은 고딕" panose="020B0503020000020004" pitchFamily="50" charset="-127"/>
-                      </a:endParaRPr>
-                    </a:p>
-                  </a:txBody>
-                  <a:tcPr marL="5564" marR="5564" marT="5564" marB="0" anchor="ctr"/>
-                </a:tc>
-                <a:tc>
-                  <a:txBody>
-                    <a:bodyPr/>
-                    <a:lstStyle/>
-                    <a:p>
-                      <a:pPr algn="l" fontAlgn="ctr"/>
-                      <a:r>
-                        <a:rPr lang="en-US" sz="600" u="none" strike="noStrike">
-                          <a:effectLst/>
-                        </a:rPr>
-                        <a:t>[Defect] collector game -&gt; goal item is not in game -&gt; no error</a:t>
-                      </a:r>
-                      <a:endParaRPr lang="en-US" sz="600" b="0" i="0" u="none" strike="noStrike">
-                        <a:solidFill>
-                          <a:srgbClr val="000000"/>
-                        </a:solidFill>
-                        <a:effectLst/>
-                        <a:latin typeface="맑은 고딕" panose="020B0503020000020004" pitchFamily="50" charset="-127"/>
-                        <a:ea typeface="맑은 고딕" panose="020B0503020000020004" pitchFamily="50" charset="-127"/>
-                      </a:endParaRPr>
-                    </a:p>
-                  </a:txBody>
-                  <a:tcPr marL="5564" marR="5564" marT="5564" marB="0" anchor="ctr"/>
-                </a:tc>
-                <a:tc>
-                  <a:txBody>
-                    <a:bodyPr/>
-                    <a:lstStyle/>
-                    <a:p>
-                      <a:pPr algn="l" fontAlgn="ctr"/>
-                      <a:r>
-                        <a:rPr lang="en-US" sz="600" u="none" strike="noStrike">
-                          <a:effectLst/>
-                        </a:rPr>
-                        <a:t>Medium</a:t>
-                      </a:r>
-                      <a:endParaRPr lang="en-US" sz="600" b="0" i="0" u="none" strike="noStrike">
-                        <a:solidFill>
-                          <a:srgbClr val="000000"/>
-                        </a:solidFill>
-                        <a:effectLst/>
-                        <a:latin typeface="맑은 고딕" panose="020B0503020000020004" pitchFamily="50" charset="-127"/>
-                        <a:ea typeface="맑은 고딕" panose="020B0503020000020004" pitchFamily="50" charset="-127"/>
-                      </a:endParaRPr>
-                    </a:p>
-                  </a:txBody>
-                  <a:tcPr marL="5564" marR="5564" marT="5564" marB="0" anchor="ctr"/>
-                </a:tc>
-              </a:tr>
-              <a:tr h="201426">
-                <a:tc>
-                  <a:txBody>
-                    <a:bodyPr/>
-                    <a:lstStyle/>
-                    <a:p>
-                      <a:pPr algn="l" fontAlgn="ctr"/>
-                      <a:r>
-                        <a:rPr lang="en-US" sz="600" u="none" strike="noStrike">
-                          <a:effectLst/>
-                        </a:rPr>
-                        <a:t>SDET-185</a:t>
-                      </a:r>
-                      <a:endParaRPr lang="en-US" sz="600" b="0" i="0" u="none" strike="noStrike">
-                        <a:solidFill>
-                          <a:srgbClr val="000000"/>
-                        </a:solidFill>
-                        <a:effectLst/>
-                        <a:latin typeface="맑은 고딕" panose="020B0503020000020004" pitchFamily="50" charset="-127"/>
-                        <a:ea typeface="맑은 고딕" panose="020B0503020000020004" pitchFamily="50" charset="-127"/>
-                      </a:endParaRPr>
-                    </a:p>
-                  </a:txBody>
-                  <a:tcPr marL="5564" marR="5564" marT="5564" marB="0" anchor="ctr"/>
-                </a:tc>
-                <a:tc>
-                  <a:txBody>
-                    <a:bodyPr/>
-                    <a:lstStyle/>
-                    <a:p>
-                      <a:pPr algn="l" fontAlgn="ctr"/>
-                      <a:r>
-                        <a:rPr lang="en-US" sz="600" u="none" strike="noStrike">
-                          <a:effectLst/>
-                        </a:rPr>
-                        <a:t>[Defect] point game -&gt; very large point over game all point -&gt; no error</a:t>
-                      </a:r>
-                      <a:endParaRPr lang="en-US" sz="600" b="0" i="0" u="none" strike="noStrike">
-                        <a:solidFill>
-                          <a:srgbClr val="000000"/>
-                        </a:solidFill>
-                        <a:effectLst/>
-                        <a:latin typeface="맑은 고딕" panose="020B0503020000020004" pitchFamily="50" charset="-127"/>
-                        <a:ea typeface="맑은 고딕" panose="020B0503020000020004" pitchFamily="50" charset="-127"/>
-                      </a:endParaRPr>
-                    </a:p>
-                  </a:txBody>
-                  <a:tcPr marL="5564" marR="5564" marT="5564" marB="0" anchor="ctr"/>
-                </a:tc>
-                <a:tc>
-                  <a:txBody>
-                    <a:bodyPr/>
-                    <a:lstStyle/>
-                    <a:p>
-                      <a:pPr algn="l" fontAlgn="ctr"/>
-                      <a:r>
-                        <a:rPr lang="en-US" sz="600" u="none" strike="noStrike">
-                          <a:effectLst/>
-                        </a:rPr>
-                        <a:t>Medium</a:t>
-                      </a:r>
-                      <a:endParaRPr lang="en-US" sz="600" b="0" i="0" u="none" strike="noStrike">
-                        <a:solidFill>
-                          <a:srgbClr val="000000"/>
-                        </a:solidFill>
-                        <a:effectLst/>
-                        <a:latin typeface="맑은 고딕" panose="020B0503020000020004" pitchFamily="50" charset="-127"/>
-                        <a:ea typeface="맑은 고딕" panose="020B0503020000020004" pitchFamily="50" charset="-127"/>
-                      </a:endParaRPr>
-                    </a:p>
-                  </a:txBody>
-                  <a:tcPr marL="5564" marR="5564" marT="5564" marB="0" anchor="ctr"/>
-                </a:tc>
-              </a:tr>
-              <a:tr h="122414">
-                <a:tc>
-                  <a:txBody>
-                    <a:bodyPr/>
-                    <a:lstStyle/>
-                    <a:p>
-                      <a:pPr algn="l" fontAlgn="ctr"/>
-                      <a:r>
-                        <a:rPr lang="en-US" sz="600" u="none" strike="noStrike">
-                          <a:effectLst/>
-                        </a:rPr>
-                        <a:t>SDET-184</a:t>
-                      </a:r>
-                      <a:endParaRPr lang="en-US" sz="600" b="0" i="0" u="none" strike="noStrike">
-                        <a:solidFill>
-                          <a:srgbClr val="000000"/>
-                        </a:solidFill>
-                        <a:effectLst/>
-                        <a:latin typeface="맑은 고딕" panose="020B0503020000020004" pitchFamily="50" charset="-127"/>
-                        <a:ea typeface="맑은 고딕" panose="020B0503020000020004" pitchFamily="50" charset="-127"/>
-                      </a:endParaRPr>
-                    </a:p>
-                  </a:txBody>
-                  <a:tcPr marL="5564" marR="5564" marT="5564" marB="0" anchor="ctr"/>
-                </a:tc>
-                <a:tc>
-                  <a:txBody>
-                    <a:bodyPr/>
-                    <a:lstStyle/>
-                    <a:p>
-                      <a:pPr algn="l" fontAlgn="ctr"/>
-                      <a:r>
-                        <a:rPr lang="en-US" sz="600" u="none" strike="noStrike">
-                          <a:effectLst/>
-                        </a:rPr>
-                        <a:t>[Defect] explore game -&gt; goal room is not game -&gt; no error</a:t>
-                      </a:r>
-                      <a:endParaRPr lang="en-US" sz="600" b="0" i="0" u="none" strike="noStrike">
-                        <a:solidFill>
-                          <a:srgbClr val="000000"/>
-                        </a:solidFill>
-                        <a:effectLst/>
-                        <a:latin typeface="맑은 고딕" panose="020B0503020000020004" pitchFamily="50" charset="-127"/>
-                        <a:ea typeface="맑은 고딕" panose="020B0503020000020004" pitchFamily="50" charset="-127"/>
-                      </a:endParaRPr>
-                    </a:p>
-                  </a:txBody>
-                  <a:tcPr marL="5564" marR="5564" marT="5564" marB="0" anchor="ctr"/>
-                </a:tc>
-                <a:tc>
-                  <a:txBody>
-                    <a:bodyPr/>
-                    <a:lstStyle/>
-                    <a:p>
-                      <a:pPr algn="l" fontAlgn="ctr"/>
-                      <a:r>
-                        <a:rPr lang="en-US" sz="600" u="none" strike="noStrike">
-                          <a:effectLst/>
-                        </a:rPr>
-                        <a:t>Medium</a:t>
-                      </a:r>
-                      <a:endParaRPr lang="en-US" sz="600" b="0" i="0" u="none" strike="noStrike">
-                        <a:solidFill>
-                          <a:srgbClr val="000000"/>
-                        </a:solidFill>
-                        <a:effectLst/>
-                        <a:latin typeface="맑은 고딕" panose="020B0503020000020004" pitchFamily="50" charset="-127"/>
-                        <a:ea typeface="맑은 고딕" panose="020B0503020000020004" pitchFamily="50" charset="-127"/>
-                      </a:endParaRPr>
-                    </a:p>
-                  </a:txBody>
-                  <a:tcPr marL="5564" marR="5564" marT="5564" marB="0" anchor="ctr"/>
-                </a:tc>
-              </a:tr>
-              <a:tr h="201426">
-                <a:tc>
-                  <a:txBody>
-                    <a:bodyPr/>
-                    <a:lstStyle/>
-                    <a:p>
-                      <a:pPr algn="l" fontAlgn="ctr"/>
-                      <a:r>
-                        <a:rPr lang="en-US" sz="600" u="none" strike="noStrike">
-                          <a:effectLst/>
-                        </a:rPr>
-                        <a:t>SDET-178</a:t>
-                      </a:r>
-                      <a:endParaRPr lang="en-US" sz="600" b="0" i="0" u="none" strike="noStrike">
-                        <a:solidFill>
-                          <a:srgbClr val="000000"/>
-                        </a:solidFill>
-                        <a:effectLst/>
-                        <a:latin typeface="맑은 고딕" panose="020B0503020000020004" pitchFamily="50" charset="-127"/>
-                        <a:ea typeface="맑은 고딕" panose="020B0503020000020004" pitchFamily="50" charset="-127"/>
-                      </a:endParaRPr>
-                    </a:p>
-                  </a:txBody>
-                  <a:tcPr marL="5564" marR="5564" marT="5564" marB="0" anchor="ctr"/>
-                </a:tc>
-                <a:tc>
-                  <a:txBody>
-                    <a:bodyPr/>
-                    <a:lstStyle/>
-                    <a:p>
-                      <a:pPr algn="l" fontAlgn="ctr"/>
-                      <a:r>
-                        <a:rPr lang="en-US" sz="600" u="none" strike="noStrike">
-                          <a:effectLst/>
-                        </a:rPr>
-                        <a:t>[Defect] obscured room - obscuringItem : dynamite is not action</a:t>
-                      </a:r>
-                      <a:endParaRPr lang="en-US" sz="600" b="0" i="0" u="none" strike="noStrike">
-                        <a:solidFill>
-                          <a:srgbClr val="000000"/>
-                        </a:solidFill>
-                        <a:effectLst/>
-                        <a:latin typeface="맑은 고딕" panose="020B0503020000020004" pitchFamily="50" charset="-127"/>
-                        <a:ea typeface="맑은 고딕" panose="020B0503020000020004" pitchFamily="50" charset="-127"/>
-                      </a:endParaRPr>
-                    </a:p>
-                  </a:txBody>
-                  <a:tcPr marL="5564" marR="5564" marT="5564" marB="0" anchor="ctr"/>
-                </a:tc>
-                <a:tc>
-                  <a:txBody>
-                    <a:bodyPr/>
-                    <a:lstStyle/>
-                    <a:p>
-                      <a:pPr algn="l" fontAlgn="ctr"/>
-                      <a:r>
-                        <a:rPr lang="en-US" sz="600" u="none" strike="noStrike">
-                          <a:effectLst/>
-                        </a:rPr>
-                        <a:t>High</a:t>
-                      </a:r>
-                      <a:endParaRPr lang="en-US" sz="600" b="0" i="0" u="none" strike="noStrike">
-                        <a:solidFill>
-                          <a:srgbClr val="000000"/>
-                        </a:solidFill>
-                        <a:effectLst/>
-                        <a:latin typeface="맑은 고딕" panose="020B0503020000020004" pitchFamily="50" charset="-127"/>
-                        <a:ea typeface="맑은 고딕" panose="020B0503020000020004" pitchFamily="50" charset="-127"/>
-                      </a:endParaRPr>
-                    </a:p>
-                  </a:txBody>
-                  <a:tcPr marL="5564" marR="5564" marT="5564" marB="0" anchor="ctr"/>
-                </a:tc>
-              </a:tr>
-              <a:tr h="122414">
-                <a:tc>
-                  <a:txBody>
-                    <a:bodyPr/>
-                    <a:lstStyle/>
-                    <a:p>
-                      <a:pPr algn="l" fontAlgn="ctr"/>
-                      <a:r>
-                        <a:rPr lang="en-US" sz="600" u="none" strike="noStrike">
-                          <a:effectLst/>
-                        </a:rPr>
-                        <a:t>SDET-152</a:t>
-                      </a:r>
-                      <a:endParaRPr lang="en-US" sz="600" b="0" i="0" u="none" strike="noStrike">
-                        <a:solidFill>
-                          <a:srgbClr val="000000"/>
-                        </a:solidFill>
-                        <a:effectLst/>
-                        <a:latin typeface="맑은 고딕" panose="020B0503020000020004" pitchFamily="50" charset="-127"/>
-                        <a:ea typeface="맑은 고딕" panose="020B0503020000020004" pitchFamily="50" charset="-127"/>
-                      </a:endParaRPr>
-                    </a:p>
-                  </a:txBody>
-                  <a:tcPr marL="5564" marR="5564" marT="5564" marB="0" anchor="ctr"/>
-                </a:tc>
-                <a:tc>
-                  <a:txBody>
-                    <a:bodyPr/>
-                    <a:lstStyle/>
-                    <a:p>
-                      <a:pPr algn="l" fontAlgn="ctr"/>
-                      <a:r>
-                        <a:rPr lang="en-US" sz="600" u="none" strike="noStrike">
-                          <a:effectLst/>
-                        </a:rPr>
-                        <a:t>[Defect] pass, "\ n" action in Additional action required item </a:t>
-                      </a:r>
-                      <a:endParaRPr lang="en-US" sz="600" b="0" i="0" u="none" strike="noStrike">
-                        <a:solidFill>
-                          <a:srgbClr val="000000"/>
-                        </a:solidFill>
-                        <a:effectLst/>
-                        <a:latin typeface="맑은 고딕" panose="020B0503020000020004" pitchFamily="50" charset="-127"/>
-                        <a:ea typeface="맑은 고딕" panose="020B0503020000020004" pitchFamily="50" charset="-127"/>
-                      </a:endParaRPr>
-                    </a:p>
-                  </a:txBody>
-                  <a:tcPr marL="5564" marR="5564" marT="5564" marB="0" anchor="ctr"/>
-                </a:tc>
-                <a:tc>
-                  <a:txBody>
-                    <a:bodyPr/>
-                    <a:lstStyle/>
-                    <a:p>
-                      <a:pPr algn="l" fontAlgn="ctr"/>
-                      <a:r>
-                        <a:rPr lang="en-US" sz="600" u="none" strike="noStrike">
-                          <a:effectLst/>
-                        </a:rPr>
-                        <a:t>Medium</a:t>
-                      </a:r>
-                      <a:endParaRPr lang="en-US" sz="600" b="0" i="0" u="none" strike="noStrike">
-                        <a:solidFill>
-                          <a:srgbClr val="000000"/>
-                        </a:solidFill>
-                        <a:effectLst/>
-                        <a:latin typeface="맑은 고딕" panose="020B0503020000020004" pitchFamily="50" charset="-127"/>
-                        <a:ea typeface="맑은 고딕" panose="020B0503020000020004" pitchFamily="50" charset="-127"/>
-                      </a:endParaRPr>
-                    </a:p>
-                  </a:txBody>
-                  <a:tcPr marL="5564" marR="5564" marT="5564" marB="0" anchor="ctr"/>
-                </a:tc>
-              </a:tr>
-              <a:tr h="201426">
-                <a:tc>
-                  <a:txBody>
-                    <a:bodyPr/>
-                    <a:lstStyle/>
-                    <a:p>
-                      <a:pPr algn="l" fontAlgn="ctr"/>
-                      <a:r>
-                        <a:rPr lang="en-US" sz="600" u="none" strike="noStrike">
-                          <a:effectLst/>
-                        </a:rPr>
-                        <a:t>SDET-151</a:t>
-                      </a:r>
-                      <a:endParaRPr lang="en-US" sz="600" b="0" i="0" u="none" strike="noStrike">
-                        <a:solidFill>
-                          <a:srgbClr val="000000"/>
-                        </a:solidFill>
-                        <a:effectLst/>
-                        <a:latin typeface="맑은 고딕" panose="020B0503020000020004" pitchFamily="50" charset="-127"/>
-                        <a:ea typeface="맑은 고딕" panose="020B0503020000020004" pitchFamily="50" charset="-127"/>
-                      </a:endParaRPr>
-                    </a:p>
-                  </a:txBody>
-                  <a:tcPr marL="5564" marR="5564" marT="5564" marB="0" anchor="ctr"/>
-                </a:tc>
-                <a:tc>
-                  <a:txBody>
-                    <a:bodyPr/>
-                    <a:lstStyle/>
-                    <a:p>
-                      <a:pPr algn="l" fontAlgn="ctr"/>
-                      <a:r>
-                        <a:rPr lang="en-US" sz="600" u="none" strike="noStrike">
-                          <a:effectLst/>
-                        </a:rPr>
-                        <a:t>[Defect] [Discuss] 'status' action - room visited list : Indication of allowable duplication</a:t>
-                      </a:r>
-                      <a:endParaRPr lang="en-US" sz="600" b="0" i="0" u="none" strike="noStrike">
-                        <a:solidFill>
-                          <a:srgbClr val="000000"/>
-                        </a:solidFill>
-                        <a:effectLst/>
-                        <a:latin typeface="맑은 고딕" panose="020B0503020000020004" pitchFamily="50" charset="-127"/>
-                        <a:ea typeface="맑은 고딕" panose="020B0503020000020004" pitchFamily="50" charset="-127"/>
-                      </a:endParaRPr>
-                    </a:p>
-                  </a:txBody>
-                  <a:tcPr marL="5564" marR="5564" marT="5564" marB="0" anchor="ctr"/>
-                </a:tc>
-                <a:tc>
-                  <a:txBody>
-                    <a:bodyPr/>
-                    <a:lstStyle/>
-                    <a:p>
-                      <a:pPr algn="l" fontAlgn="ctr"/>
-                      <a:r>
-                        <a:rPr lang="en-US" sz="600" u="none" strike="noStrike">
-                          <a:effectLst/>
-                        </a:rPr>
-                        <a:t>Medium</a:t>
-                      </a:r>
-                      <a:endParaRPr lang="en-US" sz="600" b="0" i="0" u="none" strike="noStrike">
-                        <a:solidFill>
-                          <a:srgbClr val="000000"/>
-                        </a:solidFill>
-                        <a:effectLst/>
-                        <a:latin typeface="맑은 고딕" panose="020B0503020000020004" pitchFamily="50" charset="-127"/>
-                        <a:ea typeface="맑은 고딕" panose="020B0503020000020004" pitchFamily="50" charset="-127"/>
-                      </a:endParaRPr>
-                    </a:p>
-                  </a:txBody>
-                  <a:tcPr marL="5564" marR="5564" marT="5564" marB="0" anchor="ctr"/>
-                </a:tc>
-              </a:tr>
-              <a:tr h="201426">
-                <a:tc>
-                  <a:txBody>
-                    <a:bodyPr/>
-                    <a:lstStyle/>
-                    <a:p>
-                      <a:pPr algn="l" fontAlgn="ctr"/>
-                      <a:r>
-                        <a:rPr lang="en-US" sz="600" u="none" strike="noStrike">
-                          <a:effectLst/>
-                        </a:rPr>
-                        <a:t>SDET-122</a:t>
-                      </a:r>
-                      <a:endParaRPr lang="en-US" sz="600" b="0" i="0" u="none" strike="noStrike">
-                        <a:solidFill>
-                          <a:srgbClr val="000000"/>
-                        </a:solidFill>
-                        <a:effectLst/>
-                        <a:latin typeface="맑은 고딕" panose="020B0503020000020004" pitchFamily="50" charset="-127"/>
-                        <a:ea typeface="맑은 고딕" panose="020B0503020000020004" pitchFamily="50" charset="-127"/>
-                      </a:endParaRPr>
-                    </a:p>
-                  </a:txBody>
-                  <a:tcPr marL="5564" marR="5564" marT="5564" marB="0" anchor="ctr"/>
-                </a:tc>
-                <a:tc>
-                  <a:txBody>
-                    <a:bodyPr/>
-                    <a:lstStyle/>
-                    <a:p>
-                      <a:pPr algn="l" fontAlgn="ctr"/>
-                      <a:r>
-                        <a:rPr lang="en-US" sz="600" u="none" strike="noStrike">
-                          <a:effectLst/>
-                        </a:rPr>
-                        <a:t>[Defect]  installed item in safe -&gt; remove action -&gt; error status</a:t>
-                      </a:r>
-                      <a:endParaRPr lang="en-US" sz="600" b="0" i="0" u="none" strike="noStrike">
-                        <a:solidFill>
-                          <a:srgbClr val="000000"/>
-                        </a:solidFill>
-                        <a:effectLst/>
-                        <a:latin typeface="맑은 고딕" panose="020B0503020000020004" pitchFamily="50" charset="-127"/>
-                        <a:ea typeface="맑은 고딕" panose="020B0503020000020004" pitchFamily="50" charset="-127"/>
-                      </a:endParaRPr>
-                    </a:p>
-                  </a:txBody>
-                  <a:tcPr marL="5564" marR="5564" marT="5564" marB="0" anchor="ctr"/>
-                </a:tc>
-                <a:tc>
-                  <a:txBody>
-                    <a:bodyPr/>
-                    <a:lstStyle/>
-                    <a:p>
-                      <a:pPr algn="l" fontAlgn="ctr"/>
-                      <a:r>
-                        <a:rPr lang="en-US" sz="600" u="none" strike="noStrike">
-                          <a:effectLst/>
-                        </a:rPr>
-                        <a:t>High</a:t>
-                      </a:r>
-                      <a:endParaRPr lang="en-US" sz="600" b="0" i="0" u="none" strike="noStrike">
-                        <a:solidFill>
-                          <a:srgbClr val="000000"/>
-                        </a:solidFill>
-                        <a:effectLst/>
-                        <a:latin typeface="맑은 고딕" panose="020B0503020000020004" pitchFamily="50" charset="-127"/>
-                        <a:ea typeface="맑은 고딕" panose="020B0503020000020004" pitchFamily="50" charset="-127"/>
-                      </a:endParaRPr>
-                    </a:p>
-                  </a:txBody>
-                  <a:tcPr marL="5564" marR="5564" marT="5564" marB="0" anchor="ctr"/>
-                </a:tc>
-              </a:tr>
-              <a:tr h="122414">
-                <a:tc>
-                  <a:txBody>
-                    <a:bodyPr/>
-                    <a:lstStyle/>
-                    <a:p>
-                      <a:pPr algn="l" fontAlgn="ctr"/>
-                      <a:r>
-                        <a:rPr lang="en-US" sz="600" u="none" strike="noStrike">
-                          <a:effectLst/>
-                        </a:rPr>
-                        <a:t>SDET-121</a:t>
-                      </a:r>
-                      <a:endParaRPr lang="en-US" sz="600" b="0" i="0" u="none" strike="noStrike">
-                        <a:solidFill>
-                          <a:srgbClr val="000000"/>
-                        </a:solidFill>
-                        <a:effectLst/>
-                        <a:latin typeface="맑은 고딕" panose="020B0503020000020004" pitchFamily="50" charset="-127"/>
-                        <a:ea typeface="맑은 고딕" panose="020B0503020000020004" pitchFamily="50" charset="-127"/>
-                      </a:endParaRPr>
-                    </a:p>
-                  </a:txBody>
-                  <a:tcPr marL="5564" marR="5564" marT="5564" marB="0" anchor="ctr"/>
-                </a:tc>
-                <a:tc>
-                  <a:txBody>
-                    <a:bodyPr/>
-                    <a:lstStyle/>
-                    <a:p>
-                      <a:pPr algn="l" fontAlgn="ctr"/>
-                      <a:r>
-                        <a:rPr lang="en-US" sz="600" u="none" strike="noStrike">
-                          <a:effectLst/>
-                        </a:rPr>
-                        <a:t>[Defect]'eat action' point action diffent</a:t>
-                      </a:r>
-                      <a:endParaRPr lang="en-US" sz="600" b="0" i="0" u="none" strike="noStrike">
-                        <a:solidFill>
-                          <a:srgbClr val="000000"/>
-                        </a:solidFill>
-                        <a:effectLst/>
-                        <a:latin typeface="맑은 고딕" panose="020B0503020000020004" pitchFamily="50" charset="-127"/>
-                        <a:ea typeface="맑은 고딕" panose="020B0503020000020004" pitchFamily="50" charset="-127"/>
-                      </a:endParaRPr>
-                    </a:p>
-                  </a:txBody>
-                  <a:tcPr marL="5564" marR="5564" marT="5564" marB="0" anchor="ctr"/>
-                </a:tc>
-                <a:tc>
-                  <a:txBody>
-                    <a:bodyPr/>
-                    <a:lstStyle/>
-                    <a:p>
-                      <a:pPr algn="l" fontAlgn="ctr"/>
-                      <a:r>
-                        <a:rPr lang="en-US" sz="600" u="none" strike="noStrike">
-                          <a:effectLst/>
-                        </a:rPr>
-                        <a:t>High</a:t>
-                      </a:r>
-                      <a:endParaRPr lang="en-US" sz="600" b="0" i="0" u="none" strike="noStrike">
-                        <a:solidFill>
-                          <a:srgbClr val="000000"/>
-                        </a:solidFill>
-                        <a:effectLst/>
-                        <a:latin typeface="맑은 고딕" panose="020B0503020000020004" pitchFamily="50" charset="-127"/>
-                        <a:ea typeface="맑은 고딕" panose="020B0503020000020004" pitchFamily="50" charset="-127"/>
-                      </a:endParaRPr>
-                    </a:p>
-                  </a:txBody>
-                  <a:tcPr marL="5564" marR="5564" marT="5564" marB="0" anchor="ctr"/>
-                </a:tc>
-              </a:tr>
-              <a:tr h="122414">
-                <a:tc>
-                  <a:txBody>
-                    <a:bodyPr/>
-                    <a:lstStyle/>
-                    <a:p>
-                      <a:pPr algn="l" fontAlgn="ctr"/>
-                      <a:r>
-                        <a:rPr lang="en-US" sz="600" u="none" strike="noStrike">
-                          <a:effectLst/>
-                        </a:rPr>
-                        <a:t>SDET-110</a:t>
-                      </a:r>
-                      <a:endParaRPr lang="en-US" sz="600" b="0" i="0" u="none" strike="noStrike">
-                        <a:solidFill>
-                          <a:srgbClr val="000000"/>
-                        </a:solidFill>
-                        <a:effectLst/>
-                        <a:latin typeface="맑은 고딕" panose="020B0503020000020004" pitchFamily="50" charset="-127"/>
-                        <a:ea typeface="맑은 고딕" panose="020B0503020000020004" pitchFamily="50" charset="-127"/>
-                      </a:endParaRPr>
-                    </a:p>
-                  </a:txBody>
-                  <a:tcPr marL="5564" marR="5564" marT="5564" marB="0" anchor="ctr"/>
-                </a:tc>
-                <a:tc>
-                  <a:txBody>
-                    <a:bodyPr/>
-                    <a:lstStyle/>
-                    <a:p>
-                      <a:pPr algn="l" fontAlgn="ctr"/>
-                      <a:r>
-                        <a:rPr lang="en-US" sz="600" u="none" strike="noStrike">
-                          <a:effectLst/>
-                        </a:rPr>
-                        <a:t>[Defect] remove action error</a:t>
-                      </a:r>
-                      <a:endParaRPr lang="en-US" sz="600" b="0" i="0" u="none" strike="noStrike">
-                        <a:solidFill>
-                          <a:srgbClr val="000000"/>
-                        </a:solidFill>
-                        <a:effectLst/>
-                        <a:latin typeface="맑은 고딕" panose="020B0503020000020004" pitchFamily="50" charset="-127"/>
-                        <a:ea typeface="맑은 고딕" panose="020B0503020000020004" pitchFamily="50" charset="-127"/>
-                      </a:endParaRPr>
-                    </a:p>
-                  </a:txBody>
-                  <a:tcPr marL="5564" marR="5564" marT="5564" marB="0" anchor="ctr"/>
-                </a:tc>
-                <a:tc>
-                  <a:txBody>
-                    <a:bodyPr/>
-                    <a:lstStyle/>
-                    <a:p>
-                      <a:pPr algn="l" fontAlgn="ctr"/>
-                      <a:r>
-                        <a:rPr lang="en-US" sz="600" u="none" strike="noStrike">
-                          <a:effectLst/>
-                        </a:rPr>
-                        <a:t>High</a:t>
-                      </a:r>
-                      <a:endParaRPr lang="en-US" sz="600" b="0" i="0" u="none" strike="noStrike">
-                        <a:solidFill>
-                          <a:srgbClr val="000000"/>
-                        </a:solidFill>
-                        <a:effectLst/>
-                        <a:latin typeface="맑은 고딕" panose="020B0503020000020004" pitchFamily="50" charset="-127"/>
-                        <a:ea typeface="맑은 고딕" panose="020B0503020000020004" pitchFamily="50" charset="-127"/>
-                      </a:endParaRPr>
-                    </a:p>
-                  </a:txBody>
-                  <a:tcPr marL="5564" marR="5564" marT="5564" marB="0" anchor="ctr"/>
-                </a:tc>
-              </a:tr>
-              <a:tr h="122414">
-                <a:tc>
-                  <a:txBody>
-                    <a:bodyPr/>
-                    <a:lstStyle/>
-                    <a:p>
-                      <a:pPr algn="l" fontAlgn="ctr"/>
-                      <a:r>
-                        <a:rPr lang="en-US" sz="600" u="none" strike="noStrike">
-                          <a:effectLst/>
-                        </a:rPr>
-                        <a:t>SDET-108</a:t>
-                      </a:r>
-                      <a:endParaRPr lang="en-US" sz="600" b="0" i="0" u="none" strike="noStrike">
-                        <a:solidFill>
-                          <a:srgbClr val="000000"/>
-                        </a:solidFill>
-                        <a:effectLst/>
-                        <a:latin typeface="맑은 고딕" panose="020B0503020000020004" pitchFamily="50" charset="-127"/>
-                        <a:ea typeface="맑은 고딕" panose="020B0503020000020004" pitchFamily="50" charset="-127"/>
-                      </a:endParaRPr>
-                    </a:p>
-                  </a:txBody>
-                  <a:tcPr marL="5564" marR="5564" marT="5564" marB="0" anchor="ctr"/>
-                </a:tc>
-                <a:tc>
-                  <a:txBody>
-                    <a:bodyPr/>
-                    <a:lstStyle/>
-                    <a:p>
-                      <a:pPr algn="l" fontAlgn="ctr"/>
-                      <a:r>
-                        <a:rPr lang="en-US" sz="600" u="none" strike="noStrike">
-                          <a:effectLst/>
-                        </a:rPr>
-                        <a:t>[Defect] break pot -&gt; score error</a:t>
-                      </a:r>
-                      <a:endParaRPr lang="en-US" sz="600" b="0" i="0" u="none" strike="noStrike">
-                        <a:solidFill>
-                          <a:srgbClr val="000000"/>
-                        </a:solidFill>
-                        <a:effectLst/>
-                        <a:latin typeface="맑은 고딕" panose="020B0503020000020004" pitchFamily="50" charset="-127"/>
-                        <a:ea typeface="맑은 고딕" panose="020B0503020000020004" pitchFamily="50" charset="-127"/>
-                      </a:endParaRPr>
-                    </a:p>
-                  </a:txBody>
-                  <a:tcPr marL="5564" marR="5564" marT="5564" marB="0" anchor="ctr"/>
-                </a:tc>
-                <a:tc>
-                  <a:txBody>
-                    <a:bodyPr/>
-                    <a:lstStyle/>
-                    <a:p>
-                      <a:pPr algn="l" fontAlgn="ctr"/>
-                      <a:r>
-                        <a:rPr lang="en-US" sz="600" u="none" strike="noStrike">
-                          <a:effectLst/>
-                        </a:rPr>
-                        <a:t>High</a:t>
-                      </a:r>
-                      <a:endParaRPr lang="en-US" sz="600" b="0" i="0" u="none" strike="noStrike">
-                        <a:solidFill>
-                          <a:srgbClr val="000000"/>
-                        </a:solidFill>
-                        <a:effectLst/>
-                        <a:latin typeface="맑은 고딕" panose="020B0503020000020004" pitchFamily="50" charset="-127"/>
-                        <a:ea typeface="맑은 고딕" panose="020B0503020000020004" pitchFamily="50" charset="-127"/>
-                      </a:endParaRPr>
-                    </a:p>
-                  </a:txBody>
-                  <a:tcPr marL="5564" marR="5564" marT="5564" marB="0" anchor="ctr"/>
-                </a:tc>
-              </a:tr>
-              <a:tr h="122414">
-                <a:tc>
-                  <a:txBody>
-                    <a:bodyPr/>
-                    <a:lstStyle/>
-                    <a:p>
-                      <a:pPr algn="l" fontAlgn="ctr"/>
-                      <a:r>
-                        <a:rPr lang="en-US" sz="600" u="none" strike="noStrike">
-                          <a:effectLst/>
-                        </a:rPr>
-                        <a:t>SDET-100</a:t>
-                      </a:r>
-                      <a:endParaRPr lang="en-US" sz="600" b="0" i="0" u="none" strike="noStrike">
-                        <a:solidFill>
-                          <a:srgbClr val="000000"/>
-                        </a:solidFill>
-                        <a:effectLst/>
-                        <a:latin typeface="맑은 고딕" panose="020B0503020000020004" pitchFamily="50" charset="-127"/>
-                        <a:ea typeface="맑은 고딕" panose="020B0503020000020004" pitchFamily="50" charset="-127"/>
-                      </a:endParaRPr>
-                    </a:p>
-                  </a:txBody>
-                  <a:tcPr marL="5564" marR="5564" marT="5564" marB="0" anchor="ctr"/>
-                </a:tc>
-                <a:tc>
-                  <a:txBody>
-                    <a:bodyPr/>
-                    <a:lstStyle/>
-                    <a:p>
-                      <a:pPr algn="l" fontAlgn="ctr"/>
-                      <a:r>
-                        <a:rPr lang="en-US" sz="600" u="none" strike="noStrike">
-                          <a:effectLst/>
-                        </a:rPr>
-                        <a:t>[Defect] Colletor Goal - status</a:t>
-                      </a:r>
-                      <a:endParaRPr lang="en-US" sz="600" b="0" i="0" u="none" strike="noStrike">
-                        <a:solidFill>
-                          <a:srgbClr val="000000"/>
-                        </a:solidFill>
-                        <a:effectLst/>
-                        <a:latin typeface="맑은 고딕" panose="020B0503020000020004" pitchFamily="50" charset="-127"/>
-                        <a:ea typeface="맑은 고딕" panose="020B0503020000020004" pitchFamily="50" charset="-127"/>
-                      </a:endParaRPr>
-                    </a:p>
-                  </a:txBody>
-                  <a:tcPr marL="5564" marR="5564" marT="5564" marB="0" anchor="ctr"/>
-                </a:tc>
-                <a:tc>
-                  <a:txBody>
-                    <a:bodyPr/>
-                    <a:lstStyle/>
-                    <a:p>
-                      <a:pPr algn="l" fontAlgn="ctr"/>
-                      <a:r>
-                        <a:rPr lang="en-US" sz="600" u="none" strike="noStrike">
-                          <a:effectLst/>
-                        </a:rPr>
-                        <a:t>Medium</a:t>
-                      </a:r>
-                      <a:endParaRPr lang="en-US" sz="600" b="0" i="0" u="none" strike="noStrike">
-                        <a:solidFill>
-                          <a:srgbClr val="000000"/>
-                        </a:solidFill>
-                        <a:effectLst/>
-                        <a:latin typeface="맑은 고딕" panose="020B0503020000020004" pitchFamily="50" charset="-127"/>
-                        <a:ea typeface="맑은 고딕" panose="020B0503020000020004" pitchFamily="50" charset="-127"/>
-                      </a:endParaRPr>
-                    </a:p>
-                  </a:txBody>
-                  <a:tcPr marL="5564" marR="5564" marT="5564" marB="0" anchor="ctr"/>
-                </a:tc>
-              </a:tr>
-              <a:tr h="122414">
-                <a:tc>
-                  <a:txBody>
-                    <a:bodyPr/>
-                    <a:lstStyle/>
-                    <a:p>
-                      <a:pPr algn="l" fontAlgn="ctr"/>
-                      <a:r>
-                        <a:rPr lang="en-US" sz="600" u="none" strike="noStrike">
-                          <a:effectLst/>
-                        </a:rPr>
-                        <a:t>SDET-90</a:t>
-                      </a:r>
-                      <a:endParaRPr lang="en-US" sz="600" b="0" i="0" u="none" strike="noStrike">
-                        <a:solidFill>
-                          <a:srgbClr val="000000"/>
-                        </a:solidFill>
-                        <a:effectLst/>
-                        <a:latin typeface="맑은 고딕" panose="020B0503020000020004" pitchFamily="50" charset="-127"/>
-                        <a:ea typeface="맑은 고딕" panose="020B0503020000020004" pitchFamily="50" charset="-127"/>
-                      </a:endParaRPr>
-                    </a:p>
-                  </a:txBody>
-                  <a:tcPr marL="5564" marR="5564" marT="5564" marB="0" anchor="ctr"/>
-                </a:tc>
-                <a:tc>
-                  <a:txBody>
-                    <a:bodyPr/>
-                    <a:lstStyle/>
-                    <a:p>
-                      <a:pPr algn="l" fontAlgn="ctr"/>
-                      <a:r>
-                        <a:rPr lang="en-US" sz="600" u="none" strike="noStrike">
-                          <a:effectLst/>
-                        </a:rPr>
-                        <a:t>[Defect] Darkness Win/Defeat condition &amp; Explore Goal</a:t>
-                      </a:r>
-                      <a:endParaRPr lang="en-US" sz="600" b="0" i="0" u="none" strike="noStrike">
-                        <a:solidFill>
-                          <a:srgbClr val="000000"/>
-                        </a:solidFill>
-                        <a:effectLst/>
-                        <a:latin typeface="맑은 고딕" panose="020B0503020000020004" pitchFamily="50" charset="-127"/>
-                        <a:ea typeface="맑은 고딕" panose="020B0503020000020004" pitchFamily="50" charset="-127"/>
-                      </a:endParaRPr>
-                    </a:p>
-                  </a:txBody>
-                  <a:tcPr marL="5564" marR="5564" marT="5564" marB="0" anchor="ctr"/>
-                </a:tc>
-                <a:tc>
-                  <a:txBody>
-                    <a:bodyPr/>
-                    <a:lstStyle/>
-                    <a:p>
-                      <a:pPr algn="l" fontAlgn="ctr"/>
-                      <a:r>
-                        <a:rPr lang="en-US" sz="600" u="none" strike="noStrike" dirty="0">
-                          <a:effectLst/>
-                        </a:rPr>
-                        <a:t>High</a:t>
-                      </a:r>
-                      <a:endParaRPr lang="en-US" sz="600" b="0" i="0" u="none" strike="noStrike" dirty="0">
-                        <a:solidFill>
-                          <a:srgbClr val="000000"/>
-                        </a:solidFill>
-                        <a:effectLst/>
-                        <a:latin typeface="맑은 고딕" panose="020B0503020000020004" pitchFamily="50" charset="-127"/>
-                        <a:ea typeface="맑은 고딕" panose="020B0503020000020004" pitchFamily="50" charset="-127"/>
-                      </a:endParaRPr>
-                    </a:p>
-                  </a:txBody>
-                  <a:tcPr marL="5564" marR="5564" marT="5564" marB="0" anchor="ctr"/>
-                </a:tc>
-              </a:tr>
-            </a:tbl>
-          </a:graphicData>
-        </a:graphic>
-      </p:graphicFrame>
-      <p:sp>
-        <p:nvSpPr>
-          <p:cNvPr id="14" name="직사각형 13"/>
-          <p:cNvSpPr/>
-          <p:nvPr/>
-        </p:nvSpPr>
-        <p:spPr>
-          <a:xfrm>
-            <a:off x="5733616" y="893483"/>
-            <a:ext cx="1617751" cy="412742"/>
-          </a:xfrm>
-          <a:prstGeom prst="rect">
-            <a:avLst/>
-          </a:prstGeom>
-        </p:spPr>
-        <p:txBody>
-          <a:bodyPr wrap="none">
-            <a:spAutoFit/>
-          </a:bodyPr>
-          <a:lstStyle/>
-          <a:p>
-            <a:pPr marL="285750" indent="-285750">
-              <a:lnSpc>
-                <a:spcPct val="130000"/>
-              </a:lnSpc>
-              <a:buFont typeface="Arial" panose="020B0604020202020204" pitchFamily="34" charset="0"/>
-              <a:buChar char="•"/>
-            </a:pPr>
-            <a:r>
-              <a:rPr lang="en-US" altLang="ko-KR" b="1" dirty="0" smtClean="0"/>
-              <a:t>NG Defect</a:t>
-            </a:r>
-            <a:endParaRPr lang="en-US" altLang="ko-KR" b="1" dirty="0"/>
-          </a:p>
-        </p:txBody>
-      </p:sp>
       <p:sp>
         <p:nvSpPr>
           <p:cNvPr id="15" name="TextBox 14">
             <a:extLst>
               <a:ext uri="{FF2B5EF4-FFF2-40B4-BE49-F238E27FC236}">
-                <a16:creationId xmlns:a16="http://schemas.microsoft.com/office/drawing/2014/main" xmlns="" id="{B4B1FE1F-6CD7-654F-8F56-C2F661931D17}"/>
+                <a16:creationId xmlns="" xmlns:a16="http://schemas.microsoft.com/office/drawing/2014/main" id="{B4B1FE1F-6CD7-654F-8F56-C2F661931D17}"/>
               </a:ext>
             </a:extLst>
           </p:cNvPr>
@@ -13884,6 +9129,1680 @@
           </a:p>
         </p:txBody>
       </p:sp>
+      <p:graphicFrame>
+        <p:nvGraphicFramePr>
+          <p:cNvPr id="2" name="표 1"/>
+          <p:cNvGraphicFramePr>
+            <a:graphicFrameLocks noGrp="1"/>
+          </p:cNvGraphicFramePr>
+          <p:nvPr>
+            <p:extLst>
+              <p:ext uri="{D42A27DB-BD31-4B8C-83A1-F6EECF244321}">
+                <p14:modId xmlns:p14="http://schemas.microsoft.com/office/powerpoint/2010/main" val="3479772927"/>
+              </p:ext>
+            </p:extLst>
+          </p:nvPr>
+        </p:nvGraphicFramePr>
+        <p:xfrm>
+          <a:off x="755576" y="1326227"/>
+          <a:ext cx="7128791" cy="4540485"/>
+        </p:xfrm>
+        <a:graphic>
+          <a:graphicData uri="http://schemas.openxmlformats.org/drawingml/2006/table">
+            <a:tbl>
+              <a:tblPr>
+                <a:tableStyleId>{5C22544A-7EE6-4342-B048-85BDC9FD1C3A}</a:tableStyleId>
+              </a:tblPr>
+              <a:tblGrid>
+                <a:gridCol w="567570"/>
+                <a:gridCol w="3699720"/>
+                <a:gridCol w="567570"/>
+                <a:gridCol w="2293931"/>
+              </a:tblGrid>
+              <a:tr h="128811">
+                <a:tc>
+                  <a:txBody>
+                    <a:bodyPr/>
+                    <a:lstStyle/>
+                    <a:p>
+                      <a:pPr algn="l" fontAlgn="ctr"/>
+                      <a:r>
+                        <a:rPr lang="en-US" sz="700" u="none" strike="noStrike" dirty="0">
+                          <a:effectLst/>
+                        </a:rPr>
+                        <a:t>Issue key</a:t>
+                      </a:r>
+                      <a:endParaRPr lang="en-US" sz="700" b="0" i="0" u="none" strike="noStrike" dirty="0">
+                        <a:solidFill>
+                          <a:srgbClr val="000000"/>
+                        </a:solidFill>
+                        <a:effectLst/>
+                        <a:latin typeface="맑은 고딕" panose="020B0503020000020004" pitchFamily="50" charset="-127"/>
+                        <a:ea typeface="맑은 고딕" panose="020B0503020000020004" pitchFamily="50" charset="-127"/>
+                      </a:endParaRPr>
+                    </a:p>
+                  </a:txBody>
+                  <a:tcPr marL="5855" marR="5855" marT="5855" marB="0" anchor="ctr"/>
+                </a:tc>
+                <a:tc>
+                  <a:txBody>
+                    <a:bodyPr/>
+                    <a:lstStyle/>
+                    <a:p>
+                      <a:pPr algn="l" fontAlgn="ctr"/>
+                      <a:r>
+                        <a:rPr lang="en-US" sz="700" u="none" strike="noStrike">
+                          <a:effectLst/>
+                        </a:rPr>
+                        <a:t>Summary</a:t>
+                      </a:r>
+                      <a:endParaRPr lang="en-US" sz="700" b="0" i="0" u="none" strike="noStrike">
+                        <a:solidFill>
+                          <a:srgbClr val="000000"/>
+                        </a:solidFill>
+                        <a:effectLst/>
+                        <a:latin typeface="맑은 고딕" panose="020B0503020000020004" pitchFamily="50" charset="-127"/>
+                        <a:ea typeface="맑은 고딕" panose="020B0503020000020004" pitchFamily="50" charset="-127"/>
+                      </a:endParaRPr>
+                    </a:p>
+                  </a:txBody>
+                  <a:tcPr marL="5855" marR="5855" marT="5855" marB="0" anchor="ctr"/>
+                </a:tc>
+                <a:tc>
+                  <a:txBody>
+                    <a:bodyPr/>
+                    <a:lstStyle/>
+                    <a:p>
+                      <a:pPr algn="l" fontAlgn="ctr"/>
+                      <a:r>
+                        <a:rPr lang="en-US" sz="700" u="none" strike="noStrike">
+                          <a:effectLst/>
+                        </a:rPr>
+                        <a:t>Priority</a:t>
+                      </a:r>
+                      <a:endParaRPr lang="en-US" sz="700" b="0" i="0" u="none" strike="noStrike">
+                        <a:solidFill>
+                          <a:srgbClr val="000000"/>
+                        </a:solidFill>
+                        <a:effectLst/>
+                        <a:latin typeface="맑은 고딕" panose="020B0503020000020004" pitchFamily="50" charset="-127"/>
+                        <a:ea typeface="맑은 고딕" panose="020B0503020000020004" pitchFamily="50" charset="-127"/>
+                      </a:endParaRPr>
+                    </a:p>
+                  </a:txBody>
+                  <a:tcPr marL="5855" marR="5855" marT="5855" marB="0" anchor="ctr"/>
+                </a:tc>
+                <a:tc>
+                  <a:txBody>
+                    <a:bodyPr/>
+                    <a:lstStyle/>
+                    <a:p>
+                      <a:pPr algn="l" fontAlgn="ctr"/>
+                      <a:r>
+                        <a:rPr lang="en-US" sz="700" u="none" strike="noStrike">
+                          <a:effectLst/>
+                        </a:rPr>
+                        <a:t>covered TC ID</a:t>
+                      </a:r>
+                      <a:endParaRPr lang="en-US" sz="700" b="0" i="0" u="none" strike="noStrike">
+                        <a:solidFill>
+                          <a:srgbClr val="000000"/>
+                        </a:solidFill>
+                        <a:effectLst/>
+                        <a:latin typeface="맑은 고딕" panose="020B0503020000020004" pitchFamily="50" charset="-127"/>
+                        <a:ea typeface="맑은 고딕" panose="020B0503020000020004" pitchFamily="50" charset="-127"/>
+                      </a:endParaRPr>
+                    </a:p>
+                  </a:txBody>
+                  <a:tcPr marL="5855" marR="5855" marT="5855" marB="0" anchor="ctr"/>
+                </a:tc>
+              </a:tr>
+              <a:tr h="128811">
+                <a:tc>
+                  <a:txBody>
+                    <a:bodyPr/>
+                    <a:lstStyle/>
+                    <a:p>
+                      <a:pPr algn="l" fontAlgn="ctr"/>
+                      <a:r>
+                        <a:rPr lang="en-US" sz="700" u="none" strike="noStrike">
+                          <a:effectLst/>
+                        </a:rPr>
+                        <a:t>SDET-201</a:t>
+                      </a:r>
+                      <a:endParaRPr lang="en-US" sz="700" b="0" i="0" u="none" strike="noStrike">
+                        <a:solidFill>
+                          <a:srgbClr val="000000"/>
+                        </a:solidFill>
+                        <a:effectLst/>
+                        <a:latin typeface="맑은 고딕" panose="020B0503020000020004" pitchFamily="50" charset="-127"/>
+                        <a:ea typeface="맑은 고딕" panose="020B0503020000020004" pitchFamily="50" charset="-127"/>
+                      </a:endParaRPr>
+                    </a:p>
+                  </a:txBody>
+                  <a:tcPr marL="5855" marR="5855" marT="5855" marB="0" anchor="ctr"/>
+                </a:tc>
+                <a:tc>
+                  <a:txBody>
+                    <a:bodyPr/>
+                    <a:lstStyle/>
+                    <a:p>
+                      <a:pPr algn="l" fontAlgn="ctr"/>
+                      <a:r>
+                        <a:rPr lang="en-US" sz="700" u="none" strike="noStrike">
+                          <a:effectLst/>
+                        </a:rPr>
+                        <a:t>[Defect] network game - "javax.crypto.IllegalBlockSizeException" error</a:t>
+                      </a:r>
+                      <a:endParaRPr lang="en-US" sz="700" b="0" i="0" u="none" strike="noStrike">
+                        <a:solidFill>
+                          <a:srgbClr val="000000"/>
+                        </a:solidFill>
+                        <a:effectLst/>
+                        <a:latin typeface="맑은 고딕" panose="020B0503020000020004" pitchFamily="50" charset="-127"/>
+                        <a:ea typeface="맑은 고딕" panose="020B0503020000020004" pitchFamily="50" charset="-127"/>
+                      </a:endParaRPr>
+                    </a:p>
+                  </a:txBody>
+                  <a:tcPr marL="5855" marR="5855" marT="5855" marB="0" anchor="ctr"/>
+                </a:tc>
+                <a:tc>
+                  <a:txBody>
+                    <a:bodyPr/>
+                    <a:lstStyle/>
+                    <a:p>
+                      <a:pPr algn="l" fontAlgn="ctr"/>
+                      <a:r>
+                        <a:rPr lang="en-US" sz="700" u="none" strike="noStrike">
+                          <a:effectLst/>
+                        </a:rPr>
+                        <a:t>Critical</a:t>
+                      </a:r>
+                      <a:endParaRPr lang="en-US" sz="700" b="0" i="0" u="none" strike="noStrike">
+                        <a:solidFill>
+                          <a:srgbClr val="000000"/>
+                        </a:solidFill>
+                        <a:effectLst/>
+                        <a:latin typeface="맑은 고딕" panose="020B0503020000020004" pitchFamily="50" charset="-127"/>
+                        <a:ea typeface="맑은 고딕" panose="020B0503020000020004" pitchFamily="50" charset="-127"/>
+                      </a:endParaRPr>
+                    </a:p>
+                  </a:txBody>
+                  <a:tcPr marL="5855" marR="5855" marT="5855" marB="0" anchor="ctr"/>
+                </a:tc>
+                <a:tc>
+                  <a:txBody>
+                    <a:bodyPr/>
+                    <a:lstStyle/>
+                    <a:p>
+                      <a:pPr algn="l" fontAlgn="ctr"/>
+                      <a:r>
+                        <a:rPr lang="en-US" sz="700" u="none" strike="noStrike">
+                          <a:effectLst/>
+                        </a:rPr>
+                        <a:t>tc_uc04</a:t>
+                      </a:r>
+                      <a:endParaRPr lang="en-US" sz="700" b="0" i="0" u="none" strike="noStrike">
+                        <a:solidFill>
+                          <a:srgbClr val="000000"/>
+                        </a:solidFill>
+                        <a:effectLst/>
+                        <a:latin typeface="맑은 고딕" panose="020B0503020000020004" pitchFamily="50" charset="-127"/>
+                        <a:ea typeface="맑은 고딕" panose="020B0503020000020004" pitchFamily="50" charset="-127"/>
+                      </a:endParaRPr>
+                    </a:p>
+                  </a:txBody>
+                  <a:tcPr marL="5855" marR="5855" marT="5855" marB="0" anchor="ctr"/>
+                </a:tc>
+              </a:tr>
+              <a:tr h="134666">
+                <a:tc>
+                  <a:txBody>
+                    <a:bodyPr/>
+                    <a:lstStyle/>
+                    <a:p>
+                      <a:pPr algn="l" fontAlgn="ctr"/>
+                      <a:r>
+                        <a:rPr lang="en-US" sz="700" u="none" strike="noStrike">
+                          <a:effectLst/>
+                        </a:rPr>
+                        <a:t>SDET-108</a:t>
+                      </a:r>
+                      <a:endParaRPr lang="en-US" sz="700" b="0" i="0" u="none" strike="noStrike">
+                        <a:solidFill>
+                          <a:srgbClr val="000000"/>
+                        </a:solidFill>
+                        <a:effectLst/>
+                        <a:latin typeface="맑은 고딕" panose="020B0503020000020004" pitchFamily="50" charset="-127"/>
+                        <a:ea typeface="맑은 고딕" panose="020B0503020000020004" pitchFamily="50" charset="-127"/>
+                      </a:endParaRPr>
+                    </a:p>
+                  </a:txBody>
+                  <a:tcPr marL="5855" marR="5855" marT="5855" marB="0" anchor="ctr"/>
+                </a:tc>
+                <a:tc>
+                  <a:txBody>
+                    <a:bodyPr/>
+                    <a:lstStyle/>
+                    <a:p>
+                      <a:pPr algn="l" fontAlgn="ctr"/>
+                      <a:r>
+                        <a:rPr lang="en-US" sz="700" u="none" strike="noStrike">
+                          <a:effectLst/>
+                        </a:rPr>
+                        <a:t>[Defect] break pot -&gt; score error</a:t>
+                      </a:r>
+                      <a:endParaRPr lang="en-US" sz="700" b="0" i="0" u="none" strike="noStrike">
+                        <a:solidFill>
+                          <a:srgbClr val="000000"/>
+                        </a:solidFill>
+                        <a:effectLst/>
+                        <a:latin typeface="맑은 고딕" panose="020B0503020000020004" pitchFamily="50" charset="-127"/>
+                        <a:ea typeface="맑은 고딕" panose="020B0503020000020004" pitchFamily="50" charset="-127"/>
+                      </a:endParaRPr>
+                    </a:p>
+                  </a:txBody>
+                  <a:tcPr marL="5855" marR="5855" marT="5855" marB="0" anchor="ctr"/>
+                </a:tc>
+                <a:tc>
+                  <a:txBody>
+                    <a:bodyPr/>
+                    <a:lstStyle/>
+                    <a:p>
+                      <a:pPr algn="l" fontAlgn="ctr"/>
+                      <a:r>
+                        <a:rPr lang="en-US" sz="700" u="none" strike="noStrike">
+                          <a:effectLst/>
+                        </a:rPr>
+                        <a:t>Major</a:t>
+                      </a:r>
+                      <a:endParaRPr lang="en-US" sz="700" b="0" i="0" u="none" strike="noStrike">
+                        <a:solidFill>
+                          <a:srgbClr val="000000"/>
+                        </a:solidFill>
+                        <a:effectLst/>
+                        <a:latin typeface="맑은 고딕" panose="020B0503020000020004" pitchFamily="50" charset="-127"/>
+                        <a:ea typeface="맑은 고딕" panose="020B0503020000020004" pitchFamily="50" charset="-127"/>
+                      </a:endParaRPr>
+                    </a:p>
+                  </a:txBody>
+                  <a:tcPr marL="5855" marR="5855" marT="5855" marB="0" anchor="ctr"/>
+                </a:tc>
+                <a:tc>
+                  <a:txBody>
+                    <a:bodyPr/>
+                    <a:lstStyle/>
+                    <a:p>
+                      <a:pPr algn="l" fontAlgn="ctr"/>
+                      <a:r>
+                        <a:rPr lang="en-US" sz="700" u="none" strike="noStrike">
+                          <a:effectLst/>
+                        </a:rPr>
+                        <a:t>tc_p25</a:t>
+                      </a:r>
+                      <a:endParaRPr lang="en-US" sz="700" b="0" i="0" u="none" strike="noStrike">
+                        <a:solidFill>
+                          <a:srgbClr val="000000"/>
+                        </a:solidFill>
+                        <a:effectLst/>
+                        <a:latin typeface="맑은 고딕" panose="020B0503020000020004" pitchFamily="50" charset="-127"/>
+                        <a:ea typeface="맑은 고딕" panose="020B0503020000020004" pitchFamily="50" charset="-127"/>
+                      </a:endParaRPr>
+                    </a:p>
+                  </a:txBody>
+                  <a:tcPr marL="5855" marR="5855" marT="5855" marB="0" anchor="ctr"/>
+                </a:tc>
+              </a:tr>
+              <a:tr h="884114">
+                <a:tc>
+                  <a:txBody>
+                    <a:bodyPr/>
+                    <a:lstStyle/>
+                    <a:p>
+                      <a:pPr algn="l" fontAlgn="ctr"/>
+                      <a:r>
+                        <a:rPr lang="en-US" sz="700" u="none" strike="noStrike">
+                          <a:effectLst/>
+                        </a:rPr>
+                        <a:t>SDET-110</a:t>
+                      </a:r>
+                      <a:endParaRPr lang="en-US" sz="700" b="0" i="0" u="none" strike="noStrike">
+                        <a:solidFill>
+                          <a:srgbClr val="000000"/>
+                        </a:solidFill>
+                        <a:effectLst/>
+                        <a:latin typeface="맑은 고딕" panose="020B0503020000020004" pitchFamily="50" charset="-127"/>
+                        <a:ea typeface="맑은 고딕" panose="020B0503020000020004" pitchFamily="50" charset="-127"/>
+                      </a:endParaRPr>
+                    </a:p>
+                  </a:txBody>
+                  <a:tcPr marL="5855" marR="5855" marT="5855" marB="0" anchor="ctr"/>
+                </a:tc>
+                <a:tc>
+                  <a:txBody>
+                    <a:bodyPr/>
+                    <a:lstStyle/>
+                    <a:p>
+                      <a:pPr algn="l" fontAlgn="ctr"/>
+                      <a:r>
+                        <a:rPr lang="en-US" sz="700" u="none" strike="noStrike">
+                          <a:effectLst/>
+                        </a:rPr>
+                        <a:t>[Defect] remove action error</a:t>
+                      </a:r>
+                      <a:endParaRPr lang="en-US" sz="700" b="0" i="0" u="none" strike="noStrike">
+                        <a:solidFill>
+                          <a:srgbClr val="000000"/>
+                        </a:solidFill>
+                        <a:effectLst/>
+                        <a:latin typeface="맑은 고딕" panose="020B0503020000020004" pitchFamily="50" charset="-127"/>
+                        <a:ea typeface="맑은 고딕" panose="020B0503020000020004" pitchFamily="50" charset="-127"/>
+                      </a:endParaRPr>
+                    </a:p>
+                  </a:txBody>
+                  <a:tcPr marL="5855" marR="5855" marT="5855" marB="0" anchor="ctr"/>
+                </a:tc>
+                <a:tc>
+                  <a:txBody>
+                    <a:bodyPr/>
+                    <a:lstStyle/>
+                    <a:p>
+                      <a:pPr algn="l" fontAlgn="ctr"/>
+                      <a:r>
+                        <a:rPr lang="en-US" sz="700" u="none" strike="noStrike">
+                          <a:effectLst/>
+                        </a:rPr>
+                        <a:t>Major</a:t>
+                      </a:r>
+                      <a:endParaRPr lang="en-US" sz="700" b="0" i="0" u="none" strike="noStrike">
+                        <a:solidFill>
+                          <a:srgbClr val="000000"/>
+                        </a:solidFill>
+                        <a:effectLst/>
+                        <a:latin typeface="맑은 고딕" panose="020B0503020000020004" pitchFamily="50" charset="-127"/>
+                        <a:ea typeface="맑은 고딕" panose="020B0503020000020004" pitchFamily="50" charset="-127"/>
+                      </a:endParaRPr>
+                    </a:p>
+                  </a:txBody>
+                  <a:tcPr marL="5855" marR="5855" marT="5855" marB="0" anchor="ctr"/>
+                </a:tc>
+                <a:tc>
+                  <a:txBody>
+                    <a:bodyPr/>
+                    <a:lstStyle/>
+                    <a:p>
+                      <a:pPr algn="l" fontAlgn="ctr"/>
+                      <a:r>
+                        <a:rPr lang="en-US" sz="700" u="none" strike="noStrike">
+                          <a:effectLst/>
+                        </a:rPr>
+                        <a:t>tc_p8</a:t>
+                      </a:r>
+                      <a:endParaRPr lang="en-US" sz="700" b="0" i="0" u="none" strike="noStrike">
+                        <a:solidFill>
+                          <a:srgbClr val="000000"/>
+                        </a:solidFill>
+                        <a:effectLst/>
+                        <a:latin typeface="맑은 고딕" panose="020B0503020000020004" pitchFamily="50" charset="-127"/>
+                        <a:ea typeface="맑은 고딕" panose="020B0503020000020004" pitchFamily="50" charset="-127"/>
+                      </a:endParaRPr>
+                    </a:p>
+                  </a:txBody>
+                  <a:tcPr marL="5855" marR="5855" marT="5855" marB="0" anchor="ctr"/>
+                </a:tc>
+              </a:tr>
+              <a:tr h="357159">
+                <a:tc>
+                  <a:txBody>
+                    <a:bodyPr/>
+                    <a:lstStyle/>
+                    <a:p>
+                      <a:pPr algn="l" fontAlgn="ctr"/>
+                      <a:r>
+                        <a:rPr lang="en-US" sz="700" u="none" strike="noStrike">
+                          <a:effectLst/>
+                        </a:rPr>
+                        <a:t>SDET-121</a:t>
+                      </a:r>
+                      <a:endParaRPr lang="en-US" sz="700" b="0" i="0" u="none" strike="noStrike">
+                        <a:solidFill>
+                          <a:srgbClr val="000000"/>
+                        </a:solidFill>
+                        <a:effectLst/>
+                        <a:latin typeface="맑은 고딕" panose="020B0503020000020004" pitchFamily="50" charset="-127"/>
+                        <a:ea typeface="맑은 고딕" panose="020B0503020000020004" pitchFamily="50" charset="-127"/>
+                      </a:endParaRPr>
+                    </a:p>
+                  </a:txBody>
+                  <a:tcPr marL="5855" marR="5855" marT="5855" marB="0" anchor="ctr"/>
+                </a:tc>
+                <a:tc>
+                  <a:txBody>
+                    <a:bodyPr/>
+                    <a:lstStyle/>
+                    <a:p>
+                      <a:pPr algn="l" fontAlgn="ctr"/>
+                      <a:r>
+                        <a:rPr lang="en-US" sz="700" u="none" strike="noStrike">
+                          <a:effectLst/>
+                        </a:rPr>
+                        <a:t>[Defect]'eat action' point action diffent</a:t>
+                      </a:r>
+                      <a:endParaRPr lang="en-US" sz="700" b="0" i="0" u="none" strike="noStrike">
+                        <a:solidFill>
+                          <a:srgbClr val="000000"/>
+                        </a:solidFill>
+                        <a:effectLst/>
+                        <a:latin typeface="맑은 고딕" panose="020B0503020000020004" pitchFamily="50" charset="-127"/>
+                        <a:ea typeface="맑은 고딕" panose="020B0503020000020004" pitchFamily="50" charset="-127"/>
+                      </a:endParaRPr>
+                    </a:p>
+                  </a:txBody>
+                  <a:tcPr marL="5855" marR="5855" marT="5855" marB="0" anchor="ctr"/>
+                </a:tc>
+                <a:tc>
+                  <a:txBody>
+                    <a:bodyPr/>
+                    <a:lstStyle/>
+                    <a:p>
+                      <a:pPr algn="l" fontAlgn="ctr"/>
+                      <a:r>
+                        <a:rPr lang="en-US" sz="700" u="none" strike="noStrike">
+                          <a:effectLst/>
+                        </a:rPr>
+                        <a:t>Major</a:t>
+                      </a:r>
+                      <a:endParaRPr lang="en-US" sz="700" b="0" i="0" u="none" strike="noStrike">
+                        <a:solidFill>
+                          <a:srgbClr val="000000"/>
+                        </a:solidFill>
+                        <a:effectLst/>
+                        <a:latin typeface="맑은 고딕" panose="020B0503020000020004" pitchFamily="50" charset="-127"/>
+                        <a:ea typeface="맑은 고딕" panose="020B0503020000020004" pitchFamily="50" charset="-127"/>
+                      </a:endParaRPr>
+                    </a:p>
+                  </a:txBody>
+                  <a:tcPr marL="5855" marR="5855" marT="5855" marB="0" anchor="ctr"/>
+                </a:tc>
+                <a:tc>
+                  <a:txBody>
+                    <a:bodyPr/>
+                    <a:lstStyle/>
+                    <a:p>
+                      <a:pPr algn="l" fontAlgn="ctr"/>
+                      <a:r>
+                        <a:rPr lang="en-US" sz="700" u="none" strike="noStrike">
+                          <a:effectLst/>
+                        </a:rPr>
+                        <a:t>tc_p22</a:t>
+                      </a:r>
+                      <a:endParaRPr lang="en-US" sz="700" b="0" i="0" u="none" strike="noStrike">
+                        <a:solidFill>
+                          <a:srgbClr val="000000"/>
+                        </a:solidFill>
+                        <a:effectLst/>
+                        <a:latin typeface="맑은 고딕" panose="020B0503020000020004" pitchFamily="50" charset="-127"/>
+                        <a:ea typeface="맑은 고딕" panose="020B0503020000020004" pitchFamily="50" charset="-127"/>
+                      </a:endParaRPr>
+                    </a:p>
+                  </a:txBody>
+                  <a:tcPr marL="5855" marR="5855" marT="5855" marB="0" anchor="ctr"/>
+                </a:tc>
+              </a:tr>
+              <a:tr h="357159">
+                <a:tc>
+                  <a:txBody>
+                    <a:bodyPr/>
+                    <a:lstStyle/>
+                    <a:p>
+                      <a:pPr algn="l" fontAlgn="ctr"/>
+                      <a:r>
+                        <a:rPr lang="en-US" sz="700" u="none" strike="noStrike">
+                          <a:effectLst/>
+                        </a:rPr>
+                        <a:t>SDET-122</a:t>
+                      </a:r>
+                      <a:endParaRPr lang="en-US" sz="700" b="0" i="0" u="none" strike="noStrike">
+                        <a:solidFill>
+                          <a:srgbClr val="000000"/>
+                        </a:solidFill>
+                        <a:effectLst/>
+                        <a:latin typeface="맑은 고딕" panose="020B0503020000020004" pitchFamily="50" charset="-127"/>
+                        <a:ea typeface="맑은 고딕" panose="020B0503020000020004" pitchFamily="50" charset="-127"/>
+                      </a:endParaRPr>
+                    </a:p>
+                  </a:txBody>
+                  <a:tcPr marL="5855" marR="5855" marT="5855" marB="0" anchor="ctr"/>
+                </a:tc>
+                <a:tc>
+                  <a:txBody>
+                    <a:bodyPr/>
+                    <a:lstStyle/>
+                    <a:p>
+                      <a:pPr algn="l" fontAlgn="ctr"/>
+                      <a:r>
+                        <a:rPr lang="en-US" sz="700" u="none" strike="noStrike">
+                          <a:effectLst/>
+                        </a:rPr>
+                        <a:t>[Defect]  installed item in safe -&gt; remove action -&gt; error status</a:t>
+                      </a:r>
+                      <a:endParaRPr lang="en-US" sz="700" b="0" i="0" u="none" strike="noStrike">
+                        <a:solidFill>
+                          <a:srgbClr val="000000"/>
+                        </a:solidFill>
+                        <a:effectLst/>
+                        <a:latin typeface="맑은 고딕" panose="020B0503020000020004" pitchFamily="50" charset="-127"/>
+                        <a:ea typeface="맑은 고딕" panose="020B0503020000020004" pitchFamily="50" charset="-127"/>
+                      </a:endParaRPr>
+                    </a:p>
+                  </a:txBody>
+                  <a:tcPr marL="5855" marR="5855" marT="5855" marB="0" anchor="ctr"/>
+                </a:tc>
+                <a:tc>
+                  <a:txBody>
+                    <a:bodyPr/>
+                    <a:lstStyle/>
+                    <a:p>
+                      <a:pPr algn="l" fontAlgn="ctr"/>
+                      <a:r>
+                        <a:rPr lang="en-US" sz="700" u="none" strike="noStrike">
+                          <a:effectLst/>
+                        </a:rPr>
+                        <a:t>Major</a:t>
+                      </a:r>
+                      <a:endParaRPr lang="en-US" sz="700" b="0" i="0" u="none" strike="noStrike">
+                        <a:solidFill>
+                          <a:srgbClr val="000000"/>
+                        </a:solidFill>
+                        <a:effectLst/>
+                        <a:latin typeface="맑은 고딕" panose="020B0503020000020004" pitchFamily="50" charset="-127"/>
+                        <a:ea typeface="맑은 고딕" panose="020B0503020000020004" pitchFamily="50" charset="-127"/>
+                      </a:endParaRPr>
+                    </a:p>
+                  </a:txBody>
+                  <a:tcPr marL="5855" marR="5855" marT="5855" marB="0" anchor="ctr"/>
+                </a:tc>
+                <a:tc>
+                  <a:txBody>
+                    <a:bodyPr/>
+                    <a:lstStyle/>
+                    <a:p>
+                      <a:pPr algn="l" fontAlgn="ctr"/>
+                      <a:r>
+                        <a:rPr lang="en-US" sz="700" u="none" strike="noStrike">
+                          <a:effectLst/>
+                        </a:rPr>
+                        <a:t>tc_opensafe</a:t>
+                      </a:r>
+                      <a:endParaRPr lang="en-US" sz="700" b="0" i="0" u="none" strike="noStrike">
+                        <a:solidFill>
+                          <a:srgbClr val="000000"/>
+                        </a:solidFill>
+                        <a:effectLst/>
+                        <a:latin typeface="맑은 고딕" panose="020B0503020000020004" pitchFamily="50" charset="-127"/>
+                        <a:ea typeface="맑은 고딕" panose="020B0503020000020004" pitchFamily="50" charset="-127"/>
+                      </a:endParaRPr>
+                    </a:p>
+                  </a:txBody>
+                  <a:tcPr marL="5855" marR="5855" marT="5855" marB="0" anchor="ctr"/>
+                </a:tc>
+              </a:tr>
+              <a:tr h="269333">
+                <a:tc>
+                  <a:txBody>
+                    <a:bodyPr/>
+                    <a:lstStyle/>
+                    <a:p>
+                      <a:pPr algn="l" fontAlgn="ctr"/>
+                      <a:r>
+                        <a:rPr lang="en-US" sz="700" u="none" strike="noStrike">
+                          <a:effectLst/>
+                        </a:rPr>
+                        <a:t>SDET-178</a:t>
+                      </a:r>
+                      <a:endParaRPr lang="en-US" sz="700" b="0" i="0" u="none" strike="noStrike">
+                        <a:solidFill>
+                          <a:srgbClr val="000000"/>
+                        </a:solidFill>
+                        <a:effectLst/>
+                        <a:latin typeface="맑은 고딕" panose="020B0503020000020004" pitchFamily="50" charset="-127"/>
+                        <a:ea typeface="맑은 고딕" panose="020B0503020000020004" pitchFamily="50" charset="-127"/>
+                      </a:endParaRPr>
+                    </a:p>
+                  </a:txBody>
+                  <a:tcPr marL="5855" marR="5855" marT="5855" marB="0" anchor="ctr"/>
+                </a:tc>
+                <a:tc>
+                  <a:txBody>
+                    <a:bodyPr/>
+                    <a:lstStyle/>
+                    <a:p>
+                      <a:pPr algn="l" fontAlgn="ctr"/>
+                      <a:r>
+                        <a:rPr lang="en-US" sz="700" u="none" strike="noStrike">
+                          <a:effectLst/>
+                        </a:rPr>
+                        <a:t>[Defect] obscured room - obscuringItem : dynamite is not action</a:t>
+                      </a:r>
+                      <a:endParaRPr lang="en-US" sz="700" b="0" i="0" u="none" strike="noStrike">
+                        <a:solidFill>
+                          <a:srgbClr val="000000"/>
+                        </a:solidFill>
+                        <a:effectLst/>
+                        <a:latin typeface="맑은 고딕" panose="020B0503020000020004" pitchFamily="50" charset="-127"/>
+                        <a:ea typeface="맑은 고딕" panose="020B0503020000020004" pitchFamily="50" charset="-127"/>
+                      </a:endParaRPr>
+                    </a:p>
+                  </a:txBody>
+                  <a:tcPr marL="5855" marR="5855" marT="5855" marB="0" anchor="ctr"/>
+                </a:tc>
+                <a:tc>
+                  <a:txBody>
+                    <a:bodyPr/>
+                    <a:lstStyle/>
+                    <a:p>
+                      <a:pPr algn="l" fontAlgn="ctr"/>
+                      <a:r>
+                        <a:rPr lang="en-US" sz="700" u="none" strike="noStrike">
+                          <a:effectLst/>
+                        </a:rPr>
+                        <a:t>Major</a:t>
+                      </a:r>
+                      <a:endParaRPr lang="en-US" sz="700" b="0" i="0" u="none" strike="noStrike">
+                        <a:solidFill>
+                          <a:srgbClr val="000000"/>
+                        </a:solidFill>
+                        <a:effectLst/>
+                        <a:latin typeface="맑은 고딕" panose="020B0503020000020004" pitchFamily="50" charset="-127"/>
+                        <a:ea typeface="맑은 고딕" panose="020B0503020000020004" pitchFamily="50" charset="-127"/>
+                      </a:endParaRPr>
+                    </a:p>
+                  </a:txBody>
+                  <a:tcPr marL="5855" marR="5855" marT="5855" marB="0" anchor="ctr"/>
+                </a:tc>
+                <a:tc>
+                  <a:txBody>
+                    <a:bodyPr/>
+                    <a:lstStyle/>
+                    <a:p>
+                      <a:pPr algn="l" fontAlgn="ctr"/>
+                      <a:r>
+                        <a:rPr lang="en-US" sz="700" u="none" strike="noStrike">
+                          <a:effectLst/>
+                        </a:rPr>
+                        <a:t>tc_detonatedynamite</a:t>
+                      </a:r>
+                      <a:endParaRPr lang="en-US" sz="700" b="0" i="0" u="none" strike="noStrike">
+                        <a:solidFill>
+                          <a:srgbClr val="000000"/>
+                        </a:solidFill>
+                        <a:effectLst/>
+                        <a:latin typeface="맑은 고딕" panose="020B0503020000020004" pitchFamily="50" charset="-127"/>
+                        <a:ea typeface="맑은 고딕" panose="020B0503020000020004" pitchFamily="50" charset="-127"/>
+                      </a:endParaRPr>
+                    </a:p>
+                  </a:txBody>
+                  <a:tcPr marL="5855" marR="5855" marT="5855" marB="0" anchor="ctr"/>
+                </a:tc>
+              </a:tr>
+              <a:tr h="211953">
+                <a:tc>
+                  <a:txBody>
+                    <a:bodyPr/>
+                    <a:lstStyle/>
+                    <a:p>
+                      <a:pPr algn="l" fontAlgn="ctr"/>
+                      <a:r>
+                        <a:rPr lang="en-US" sz="700" u="none" strike="noStrike">
+                          <a:effectLst/>
+                        </a:rPr>
+                        <a:t>SDET-194</a:t>
+                      </a:r>
+                      <a:endParaRPr lang="en-US" sz="700" b="0" i="0" u="none" strike="noStrike">
+                        <a:solidFill>
+                          <a:srgbClr val="000000"/>
+                        </a:solidFill>
+                        <a:effectLst/>
+                        <a:latin typeface="맑은 고딕" panose="020B0503020000020004" pitchFamily="50" charset="-127"/>
+                        <a:ea typeface="맑은 고딕" panose="020B0503020000020004" pitchFamily="50" charset="-127"/>
+                      </a:endParaRPr>
+                    </a:p>
+                  </a:txBody>
+                  <a:tcPr marL="5855" marR="5855" marT="5855" marB="0" anchor="ctr"/>
+                </a:tc>
+                <a:tc>
+                  <a:txBody>
+                    <a:bodyPr/>
+                    <a:lstStyle/>
+                    <a:p>
+                      <a:pPr algn="l" fontAlgn="ctr"/>
+                      <a:r>
+                        <a:rPr lang="en-US" sz="700" u="none" strike="noStrike">
+                          <a:effectLst/>
+                        </a:rPr>
+                        <a:t>[Defect] requirement item room - There are no that item in the inventory. -&gt; action error</a:t>
+                      </a:r>
+                      <a:endParaRPr lang="en-US" sz="700" b="0" i="0" u="none" strike="noStrike">
+                        <a:solidFill>
+                          <a:srgbClr val="000000"/>
+                        </a:solidFill>
+                        <a:effectLst/>
+                        <a:latin typeface="맑은 고딕" panose="020B0503020000020004" pitchFamily="50" charset="-127"/>
+                        <a:ea typeface="맑은 고딕" panose="020B0503020000020004" pitchFamily="50" charset="-127"/>
+                      </a:endParaRPr>
+                    </a:p>
+                  </a:txBody>
+                  <a:tcPr marL="5855" marR="5855" marT="5855" marB="0" anchor="ctr"/>
+                </a:tc>
+                <a:tc>
+                  <a:txBody>
+                    <a:bodyPr/>
+                    <a:lstStyle/>
+                    <a:p>
+                      <a:pPr algn="l" fontAlgn="ctr"/>
+                      <a:r>
+                        <a:rPr lang="en-US" sz="700" u="none" strike="noStrike">
+                          <a:effectLst/>
+                        </a:rPr>
+                        <a:t>Major</a:t>
+                      </a:r>
+                      <a:endParaRPr lang="en-US" sz="700" b="0" i="0" u="none" strike="noStrike">
+                        <a:solidFill>
+                          <a:srgbClr val="000000"/>
+                        </a:solidFill>
+                        <a:effectLst/>
+                        <a:latin typeface="맑은 고딕" panose="020B0503020000020004" pitchFamily="50" charset="-127"/>
+                        <a:ea typeface="맑은 고딕" panose="020B0503020000020004" pitchFamily="50" charset="-127"/>
+                      </a:endParaRPr>
+                    </a:p>
+                  </a:txBody>
+                  <a:tcPr marL="5855" marR="5855" marT="5855" marB="0" anchor="ctr"/>
+                </a:tc>
+                <a:tc>
+                  <a:txBody>
+                    <a:bodyPr/>
+                    <a:lstStyle/>
+                    <a:p>
+                      <a:pPr algn="l" fontAlgn="ctr"/>
+                      <a:r>
+                        <a:rPr lang="en-US" sz="700" u="none" strike="noStrike">
+                          <a:effectLst/>
+                        </a:rPr>
+                        <a:t>tc_removedocumentinsafe</a:t>
+                      </a:r>
+                      <a:endParaRPr lang="en-US" sz="700" b="0" i="0" u="none" strike="noStrike">
+                        <a:solidFill>
+                          <a:srgbClr val="000000"/>
+                        </a:solidFill>
+                        <a:effectLst/>
+                        <a:latin typeface="맑은 고딕" panose="020B0503020000020004" pitchFamily="50" charset="-127"/>
+                        <a:ea typeface="맑은 고딕" panose="020B0503020000020004" pitchFamily="50" charset="-127"/>
+                      </a:endParaRPr>
+                    </a:p>
+                  </a:txBody>
+                  <a:tcPr marL="5855" marR="5855" marT="5855" marB="0" anchor="ctr"/>
+                </a:tc>
+              </a:tr>
+              <a:tr h="211953">
+                <a:tc>
+                  <a:txBody>
+                    <a:bodyPr/>
+                    <a:lstStyle/>
+                    <a:p>
+                      <a:pPr algn="l" fontAlgn="ctr"/>
+                      <a:r>
+                        <a:rPr lang="en-US" sz="700" u="none" strike="noStrike">
+                          <a:effectLst/>
+                        </a:rPr>
+                        <a:t>SDET-202</a:t>
+                      </a:r>
+                      <a:endParaRPr lang="en-US" sz="700" b="0" i="0" u="none" strike="noStrike">
+                        <a:solidFill>
+                          <a:srgbClr val="000000"/>
+                        </a:solidFill>
+                        <a:effectLst/>
+                        <a:latin typeface="맑은 고딕" panose="020B0503020000020004" pitchFamily="50" charset="-127"/>
+                        <a:ea typeface="맑은 고딕" panose="020B0503020000020004" pitchFamily="50" charset="-127"/>
+                      </a:endParaRPr>
+                    </a:p>
+                  </a:txBody>
+                  <a:tcPr marL="5855" marR="5855" marT="5855" marB="0" anchor="ctr"/>
+                </a:tc>
+                <a:tc>
+                  <a:txBody>
+                    <a:bodyPr/>
+                    <a:lstStyle/>
+                    <a:p>
+                      <a:pPr algn="l" fontAlgn="ctr"/>
+                      <a:r>
+                        <a:rPr lang="en-US" sz="700" u="none" strike="noStrike">
+                          <a:effectLst/>
+                        </a:rPr>
+                        <a:t>[Defect] save/load : point cal error - elevator game 6point save -&gt; continue game. 8 point -&gt; load game score 14 </a:t>
+                      </a:r>
+                      <a:endParaRPr lang="en-US" sz="700" b="0" i="0" u="none" strike="noStrike">
+                        <a:solidFill>
+                          <a:srgbClr val="000000"/>
+                        </a:solidFill>
+                        <a:effectLst/>
+                        <a:latin typeface="맑은 고딕" panose="020B0503020000020004" pitchFamily="50" charset="-127"/>
+                        <a:ea typeface="맑은 고딕" panose="020B0503020000020004" pitchFamily="50" charset="-127"/>
+                      </a:endParaRPr>
+                    </a:p>
+                  </a:txBody>
+                  <a:tcPr marL="5855" marR="5855" marT="5855" marB="0" anchor="ctr"/>
+                </a:tc>
+                <a:tc>
+                  <a:txBody>
+                    <a:bodyPr/>
+                    <a:lstStyle/>
+                    <a:p>
+                      <a:pPr algn="l" fontAlgn="ctr"/>
+                      <a:r>
+                        <a:rPr lang="en-US" sz="700" u="none" strike="noStrike">
+                          <a:effectLst/>
+                        </a:rPr>
+                        <a:t>Major</a:t>
+                      </a:r>
+                      <a:endParaRPr lang="en-US" sz="700" b="0" i="0" u="none" strike="noStrike">
+                        <a:solidFill>
+                          <a:srgbClr val="000000"/>
+                        </a:solidFill>
+                        <a:effectLst/>
+                        <a:latin typeface="맑은 고딕" panose="020B0503020000020004" pitchFamily="50" charset="-127"/>
+                        <a:ea typeface="맑은 고딕" panose="020B0503020000020004" pitchFamily="50" charset="-127"/>
+                      </a:endParaRPr>
+                    </a:p>
+                  </a:txBody>
+                  <a:tcPr marL="5855" marR="5855" marT="5855" marB="0" anchor="ctr"/>
+                </a:tc>
+                <a:tc>
+                  <a:txBody>
+                    <a:bodyPr/>
+                    <a:lstStyle/>
+                    <a:p>
+                      <a:pPr algn="l" fontAlgn="ctr"/>
+                      <a:r>
+                        <a:rPr lang="en-US" sz="700" u="none" strike="noStrike">
+                          <a:effectLst/>
+                        </a:rPr>
+                        <a:t>tc_p4, tc_p5</a:t>
+                      </a:r>
+                      <a:endParaRPr lang="en-US" sz="700" b="0" i="0" u="none" strike="noStrike">
+                        <a:solidFill>
+                          <a:srgbClr val="000000"/>
+                        </a:solidFill>
+                        <a:effectLst/>
+                        <a:latin typeface="맑은 고딕" panose="020B0503020000020004" pitchFamily="50" charset="-127"/>
+                        <a:ea typeface="맑은 고딕" panose="020B0503020000020004" pitchFamily="50" charset="-127"/>
+                      </a:endParaRPr>
+                    </a:p>
+                  </a:txBody>
+                  <a:tcPr marL="5855" marR="5855" marT="5855" marB="0" anchor="ctr"/>
+                </a:tc>
+              </a:tr>
+              <a:tr h="211953">
+                <a:tc>
+                  <a:txBody>
+                    <a:bodyPr/>
+                    <a:lstStyle/>
+                    <a:p>
+                      <a:pPr algn="l" fontAlgn="ctr"/>
+                      <a:r>
+                        <a:rPr lang="en-US" sz="700" u="none" strike="noStrike">
+                          <a:effectLst/>
+                        </a:rPr>
+                        <a:t>SDET-203</a:t>
+                      </a:r>
+                      <a:endParaRPr lang="en-US" sz="700" b="0" i="0" u="none" strike="noStrike">
+                        <a:solidFill>
+                          <a:srgbClr val="000000"/>
+                        </a:solidFill>
+                        <a:effectLst/>
+                        <a:latin typeface="맑은 고딕" panose="020B0503020000020004" pitchFamily="50" charset="-127"/>
+                        <a:ea typeface="맑은 고딕" panose="020B0503020000020004" pitchFamily="50" charset="-127"/>
+                      </a:endParaRPr>
+                    </a:p>
+                  </a:txBody>
+                  <a:tcPr marL="5855" marR="5855" marT="5855" marB="0" anchor="ctr"/>
+                </a:tc>
+                <a:tc>
+                  <a:txBody>
+                    <a:bodyPr/>
+                    <a:lstStyle/>
+                    <a:p>
+                      <a:pPr algn="l" fontAlgn="ctr"/>
+                      <a:r>
+                        <a:rPr lang="en-US" sz="700" u="none" strike="noStrike">
+                          <a:effectLst/>
+                        </a:rPr>
+                        <a:t>[Defect] save/load : rooms visit information error.  - at load time, current room is in room visited.</a:t>
+                      </a:r>
+                      <a:endParaRPr lang="en-US" sz="700" b="0" i="0" u="none" strike="noStrike">
+                        <a:solidFill>
+                          <a:srgbClr val="000000"/>
+                        </a:solidFill>
+                        <a:effectLst/>
+                        <a:latin typeface="맑은 고딕" panose="020B0503020000020004" pitchFamily="50" charset="-127"/>
+                        <a:ea typeface="맑은 고딕" panose="020B0503020000020004" pitchFamily="50" charset="-127"/>
+                      </a:endParaRPr>
+                    </a:p>
+                  </a:txBody>
+                  <a:tcPr marL="5855" marR="5855" marT="5855" marB="0" anchor="ctr"/>
+                </a:tc>
+                <a:tc>
+                  <a:txBody>
+                    <a:bodyPr/>
+                    <a:lstStyle/>
+                    <a:p>
+                      <a:pPr algn="l" fontAlgn="ctr"/>
+                      <a:r>
+                        <a:rPr lang="en-US" sz="700" u="none" strike="noStrike">
+                          <a:effectLst/>
+                        </a:rPr>
+                        <a:t>Major</a:t>
+                      </a:r>
+                      <a:endParaRPr lang="en-US" sz="700" b="0" i="0" u="none" strike="noStrike">
+                        <a:solidFill>
+                          <a:srgbClr val="000000"/>
+                        </a:solidFill>
+                        <a:effectLst/>
+                        <a:latin typeface="맑은 고딕" panose="020B0503020000020004" pitchFamily="50" charset="-127"/>
+                        <a:ea typeface="맑은 고딕" panose="020B0503020000020004" pitchFamily="50" charset="-127"/>
+                      </a:endParaRPr>
+                    </a:p>
+                  </a:txBody>
+                  <a:tcPr marL="5855" marR="5855" marT="5855" marB="0" anchor="ctr"/>
+                </a:tc>
+                <a:tc>
+                  <a:txBody>
+                    <a:bodyPr/>
+                    <a:lstStyle/>
+                    <a:p>
+                      <a:pPr algn="l" fontAlgn="ctr"/>
+                      <a:r>
+                        <a:rPr lang="en-US" sz="700" u="none" strike="noStrike">
+                          <a:effectLst/>
+                        </a:rPr>
+                        <a:t>tc_p9, tc_digshovel</a:t>
+                      </a:r>
+                      <a:endParaRPr lang="en-US" sz="700" b="0" i="0" u="none" strike="noStrike">
+                        <a:solidFill>
+                          <a:srgbClr val="000000"/>
+                        </a:solidFill>
+                        <a:effectLst/>
+                        <a:latin typeface="맑은 고딕" panose="020B0503020000020004" pitchFamily="50" charset="-127"/>
+                        <a:ea typeface="맑은 고딕" panose="020B0503020000020004" pitchFamily="50" charset="-127"/>
+                      </a:endParaRPr>
+                    </a:p>
+                  </a:txBody>
+                  <a:tcPr marL="5855" marR="5855" marT="5855" marB="0" anchor="ctr"/>
+                </a:tc>
+              </a:tr>
+              <a:tr h="620637">
+                <a:tc>
+                  <a:txBody>
+                    <a:bodyPr/>
+                    <a:lstStyle/>
+                    <a:p>
+                      <a:pPr algn="l" fontAlgn="ctr"/>
+                      <a:r>
+                        <a:rPr lang="en-US" sz="700" u="none" strike="noStrike">
+                          <a:effectLst/>
+                        </a:rPr>
+                        <a:t>SDET-90</a:t>
+                      </a:r>
+                      <a:endParaRPr lang="en-US" sz="700" b="0" i="0" u="none" strike="noStrike">
+                        <a:solidFill>
+                          <a:srgbClr val="000000"/>
+                        </a:solidFill>
+                        <a:effectLst/>
+                        <a:latin typeface="맑은 고딕" panose="020B0503020000020004" pitchFamily="50" charset="-127"/>
+                        <a:ea typeface="맑은 고딕" panose="020B0503020000020004" pitchFamily="50" charset="-127"/>
+                      </a:endParaRPr>
+                    </a:p>
+                  </a:txBody>
+                  <a:tcPr marL="5855" marR="5855" marT="5855" marB="0" anchor="ctr"/>
+                </a:tc>
+                <a:tc>
+                  <a:txBody>
+                    <a:bodyPr/>
+                    <a:lstStyle/>
+                    <a:p>
+                      <a:pPr algn="l" fontAlgn="ctr"/>
+                      <a:r>
+                        <a:rPr lang="en-US" sz="700" u="none" strike="noStrike">
+                          <a:effectLst/>
+                        </a:rPr>
+                        <a:t>[Defect] Darkness Win/Defeat condition &amp; Explore Goal</a:t>
+                      </a:r>
+                      <a:endParaRPr lang="en-US" sz="700" b="0" i="0" u="none" strike="noStrike">
+                        <a:solidFill>
+                          <a:srgbClr val="000000"/>
+                        </a:solidFill>
+                        <a:effectLst/>
+                        <a:latin typeface="맑은 고딕" panose="020B0503020000020004" pitchFamily="50" charset="-127"/>
+                        <a:ea typeface="맑은 고딕" panose="020B0503020000020004" pitchFamily="50" charset="-127"/>
+                      </a:endParaRPr>
+                    </a:p>
+                  </a:txBody>
+                  <a:tcPr marL="5855" marR="5855" marT="5855" marB="0" anchor="ctr"/>
+                </a:tc>
+                <a:tc>
+                  <a:txBody>
+                    <a:bodyPr/>
+                    <a:lstStyle/>
+                    <a:p>
+                      <a:pPr algn="l" fontAlgn="ctr"/>
+                      <a:r>
+                        <a:rPr lang="en-US" sz="700" u="none" strike="noStrike">
+                          <a:effectLst/>
+                        </a:rPr>
+                        <a:t>Major</a:t>
+                      </a:r>
+                      <a:endParaRPr lang="en-US" sz="700" b="0" i="0" u="none" strike="noStrike">
+                        <a:solidFill>
+                          <a:srgbClr val="000000"/>
+                        </a:solidFill>
+                        <a:effectLst/>
+                        <a:latin typeface="맑은 고딕" panose="020B0503020000020004" pitchFamily="50" charset="-127"/>
+                        <a:ea typeface="맑은 고딕" panose="020B0503020000020004" pitchFamily="50" charset="-127"/>
+                      </a:endParaRPr>
+                    </a:p>
+                  </a:txBody>
+                  <a:tcPr marL="5855" marR="5855" marT="5855" marB="0" anchor="ctr"/>
+                </a:tc>
+                <a:tc>
+                  <a:txBody>
+                    <a:bodyPr/>
+                    <a:lstStyle/>
+                    <a:p>
+                      <a:pPr algn="l" fontAlgn="ctr"/>
+                      <a:r>
+                        <a:rPr lang="en-US" sz="700" u="none" strike="noStrike" dirty="0">
+                          <a:effectLst/>
+                        </a:rPr>
+                        <a:t>tc_uc02</a:t>
+                      </a:r>
+                      <a:endParaRPr lang="en-US" sz="700" b="0" i="0" u="none" strike="noStrike" dirty="0">
+                        <a:solidFill>
+                          <a:srgbClr val="000000"/>
+                        </a:solidFill>
+                        <a:effectLst/>
+                        <a:latin typeface="맑은 고딕" panose="020B0503020000020004" pitchFamily="50" charset="-127"/>
+                        <a:ea typeface="맑은 고딕" panose="020B0503020000020004" pitchFamily="50" charset="-127"/>
+                      </a:endParaRPr>
+                    </a:p>
+                  </a:txBody>
+                  <a:tcPr marL="5855" marR="5855" marT="5855" marB="0" anchor="ctr"/>
+                </a:tc>
+              </a:tr>
+              <a:tr h="181507">
+                <a:tc>
+                  <a:txBody>
+                    <a:bodyPr/>
+                    <a:lstStyle/>
+                    <a:p>
+                      <a:pPr algn="l" fontAlgn="ctr"/>
+                      <a:r>
+                        <a:rPr lang="en-US" sz="700" u="none" strike="noStrike">
+                          <a:effectLst/>
+                        </a:rPr>
+                        <a:t>SDET-152</a:t>
+                      </a:r>
+                      <a:endParaRPr lang="en-US" sz="700" b="0" i="0" u="none" strike="noStrike">
+                        <a:solidFill>
+                          <a:srgbClr val="000000"/>
+                        </a:solidFill>
+                        <a:effectLst/>
+                        <a:latin typeface="맑은 고딕" panose="020B0503020000020004" pitchFamily="50" charset="-127"/>
+                        <a:ea typeface="맑은 고딕" panose="020B0503020000020004" pitchFamily="50" charset="-127"/>
+                      </a:endParaRPr>
+                    </a:p>
+                  </a:txBody>
+                  <a:tcPr marL="5855" marR="5855" marT="5855" marB="0" anchor="ctr"/>
+                </a:tc>
+                <a:tc>
+                  <a:txBody>
+                    <a:bodyPr/>
+                    <a:lstStyle/>
+                    <a:p>
+                      <a:pPr algn="l" fontAlgn="ctr"/>
+                      <a:r>
+                        <a:rPr lang="en-US" sz="700" u="none" strike="noStrike">
+                          <a:effectLst/>
+                        </a:rPr>
+                        <a:t>[Defect] pass, "\ n" action in Additional action required item </a:t>
+                      </a:r>
+                      <a:endParaRPr lang="en-US" sz="700" b="0" i="0" u="none" strike="noStrike">
+                        <a:solidFill>
+                          <a:srgbClr val="000000"/>
+                        </a:solidFill>
+                        <a:effectLst/>
+                        <a:latin typeface="맑은 고딕" panose="020B0503020000020004" pitchFamily="50" charset="-127"/>
+                        <a:ea typeface="맑은 고딕" panose="020B0503020000020004" pitchFamily="50" charset="-127"/>
+                      </a:endParaRPr>
+                    </a:p>
+                  </a:txBody>
+                  <a:tcPr marL="5855" marR="5855" marT="5855" marB="0" anchor="ctr"/>
+                </a:tc>
+                <a:tc>
+                  <a:txBody>
+                    <a:bodyPr/>
+                    <a:lstStyle/>
+                    <a:p>
+                      <a:pPr algn="l" fontAlgn="ctr"/>
+                      <a:r>
+                        <a:rPr lang="en-US" sz="700" u="none" strike="noStrike">
+                          <a:effectLst/>
+                        </a:rPr>
+                        <a:t>Minor</a:t>
+                      </a:r>
+                      <a:endParaRPr lang="en-US" sz="700" b="0" i="0" u="none" strike="noStrike">
+                        <a:solidFill>
+                          <a:srgbClr val="000000"/>
+                        </a:solidFill>
+                        <a:effectLst/>
+                        <a:latin typeface="맑은 고딕" panose="020B0503020000020004" pitchFamily="50" charset="-127"/>
+                        <a:ea typeface="맑은 고딕" panose="020B0503020000020004" pitchFamily="50" charset="-127"/>
+                      </a:endParaRPr>
+                    </a:p>
+                  </a:txBody>
+                  <a:tcPr marL="5855" marR="5855" marT="5855" marB="0" anchor="ctr"/>
+                </a:tc>
+                <a:tc>
+                  <a:txBody>
+                    <a:bodyPr/>
+                    <a:lstStyle/>
+                    <a:p>
+                      <a:pPr algn="l" fontAlgn="ctr"/>
+                      <a:r>
+                        <a:rPr lang="en-US" sz="700" u="none" strike="noStrike">
+                          <a:effectLst/>
+                        </a:rPr>
+                        <a:t>tc_cg3</a:t>
+                      </a:r>
+                      <a:endParaRPr lang="en-US" sz="700" b="0" i="0" u="none" strike="noStrike">
+                        <a:solidFill>
+                          <a:srgbClr val="000000"/>
+                        </a:solidFill>
+                        <a:effectLst/>
+                        <a:latin typeface="맑은 고딕" panose="020B0503020000020004" pitchFamily="50" charset="-127"/>
+                        <a:ea typeface="맑은 고딕" panose="020B0503020000020004" pitchFamily="50" charset="-127"/>
+                      </a:endParaRPr>
+                    </a:p>
+                  </a:txBody>
+                  <a:tcPr marL="5855" marR="5855" marT="5855" marB="0" anchor="ctr"/>
+                </a:tc>
+              </a:tr>
+              <a:tr h="211953">
+                <a:tc>
+                  <a:txBody>
+                    <a:bodyPr/>
+                    <a:lstStyle/>
+                    <a:p>
+                      <a:pPr algn="l" fontAlgn="ctr"/>
+                      <a:r>
+                        <a:rPr lang="en-US" sz="700" u="none" strike="noStrike">
+                          <a:effectLst/>
+                        </a:rPr>
+                        <a:t>SDET-185</a:t>
+                      </a:r>
+                      <a:endParaRPr lang="en-US" sz="700" b="0" i="0" u="none" strike="noStrike">
+                        <a:solidFill>
+                          <a:srgbClr val="000000"/>
+                        </a:solidFill>
+                        <a:effectLst/>
+                        <a:latin typeface="맑은 고딕" panose="020B0503020000020004" pitchFamily="50" charset="-127"/>
+                        <a:ea typeface="맑은 고딕" panose="020B0503020000020004" pitchFamily="50" charset="-127"/>
+                      </a:endParaRPr>
+                    </a:p>
+                  </a:txBody>
+                  <a:tcPr marL="5855" marR="5855" marT="5855" marB="0" anchor="ctr"/>
+                </a:tc>
+                <a:tc>
+                  <a:txBody>
+                    <a:bodyPr/>
+                    <a:lstStyle/>
+                    <a:p>
+                      <a:pPr algn="l" fontAlgn="ctr"/>
+                      <a:r>
+                        <a:rPr lang="en-US" sz="700" u="none" strike="noStrike">
+                          <a:effectLst/>
+                        </a:rPr>
+                        <a:t>[Defect] point game -&gt; very large point over game all point -&gt; no error</a:t>
+                      </a:r>
+                      <a:endParaRPr lang="en-US" sz="700" b="0" i="0" u="none" strike="noStrike">
+                        <a:solidFill>
+                          <a:srgbClr val="000000"/>
+                        </a:solidFill>
+                        <a:effectLst/>
+                        <a:latin typeface="맑은 고딕" panose="020B0503020000020004" pitchFamily="50" charset="-127"/>
+                        <a:ea typeface="맑은 고딕" panose="020B0503020000020004" pitchFamily="50" charset="-127"/>
+                      </a:endParaRPr>
+                    </a:p>
+                  </a:txBody>
+                  <a:tcPr marL="5855" marR="5855" marT="5855" marB="0" anchor="ctr"/>
+                </a:tc>
+                <a:tc>
+                  <a:txBody>
+                    <a:bodyPr/>
+                    <a:lstStyle/>
+                    <a:p>
+                      <a:pPr algn="l" fontAlgn="ctr"/>
+                      <a:r>
+                        <a:rPr lang="en-US" sz="700" u="none" strike="noStrike">
+                          <a:effectLst/>
+                        </a:rPr>
+                        <a:t>Minor</a:t>
+                      </a:r>
+                      <a:endParaRPr lang="en-US" sz="700" b="0" i="0" u="none" strike="noStrike">
+                        <a:solidFill>
+                          <a:srgbClr val="000000"/>
+                        </a:solidFill>
+                        <a:effectLst/>
+                        <a:latin typeface="맑은 고딕" panose="020B0503020000020004" pitchFamily="50" charset="-127"/>
+                        <a:ea typeface="맑은 고딕" panose="020B0503020000020004" pitchFamily="50" charset="-127"/>
+                      </a:endParaRPr>
+                    </a:p>
+                  </a:txBody>
+                  <a:tcPr marL="5855" marR="5855" marT="5855" marB="0" anchor="ctr"/>
+                </a:tc>
+                <a:tc>
+                  <a:txBody>
+                    <a:bodyPr/>
+                    <a:lstStyle/>
+                    <a:p>
+                      <a:pPr algn="l" fontAlgn="ctr"/>
+                      <a:r>
+                        <a:rPr lang="en-US" sz="700" u="none" strike="noStrike">
+                          <a:effectLst/>
+                        </a:rPr>
+                        <a:t>tc_openlock</a:t>
+                      </a:r>
+                      <a:endParaRPr lang="en-US" sz="700" b="0" i="0" u="none" strike="noStrike">
+                        <a:solidFill>
+                          <a:srgbClr val="000000"/>
+                        </a:solidFill>
+                        <a:effectLst/>
+                        <a:latin typeface="맑은 고딕" panose="020B0503020000020004" pitchFamily="50" charset="-127"/>
+                        <a:ea typeface="맑은 고딕" panose="020B0503020000020004" pitchFamily="50" charset="-127"/>
+                      </a:endParaRPr>
+                    </a:p>
+                  </a:txBody>
+                  <a:tcPr marL="5855" marR="5855" marT="5855" marB="0" anchor="ctr"/>
+                </a:tc>
+              </a:tr>
+              <a:tr h="134666">
+                <a:tc>
+                  <a:txBody>
+                    <a:bodyPr/>
+                    <a:lstStyle/>
+                    <a:p>
+                      <a:pPr algn="l" fontAlgn="ctr"/>
+                      <a:r>
+                        <a:rPr lang="en-US" sz="700" u="none" strike="noStrike">
+                          <a:effectLst/>
+                        </a:rPr>
+                        <a:t>SDET-187</a:t>
+                      </a:r>
+                      <a:endParaRPr lang="en-US" sz="700" b="0" i="0" u="none" strike="noStrike">
+                        <a:solidFill>
+                          <a:srgbClr val="000000"/>
+                        </a:solidFill>
+                        <a:effectLst/>
+                        <a:latin typeface="맑은 고딕" panose="020B0503020000020004" pitchFamily="50" charset="-127"/>
+                        <a:ea typeface="맑은 고딕" panose="020B0503020000020004" pitchFamily="50" charset="-127"/>
+                      </a:endParaRPr>
+                    </a:p>
+                  </a:txBody>
+                  <a:tcPr marL="5855" marR="5855" marT="5855" marB="0" anchor="ctr"/>
+                </a:tc>
+                <a:tc>
+                  <a:txBody>
+                    <a:bodyPr/>
+                    <a:lstStyle/>
+                    <a:p>
+                      <a:pPr algn="l" fontAlgn="ctr"/>
+                      <a:r>
+                        <a:rPr lang="en-US" sz="700" u="none" strike="noStrike">
+                          <a:effectLst/>
+                        </a:rPr>
+                        <a:t>[Defect] [game config] elevator room -&gt; no button item -&gt; no error</a:t>
+                      </a:r>
+                      <a:endParaRPr lang="en-US" sz="700" b="0" i="0" u="none" strike="noStrike">
+                        <a:solidFill>
+                          <a:srgbClr val="000000"/>
+                        </a:solidFill>
+                        <a:effectLst/>
+                        <a:latin typeface="맑은 고딕" panose="020B0503020000020004" pitchFamily="50" charset="-127"/>
+                        <a:ea typeface="맑은 고딕" panose="020B0503020000020004" pitchFamily="50" charset="-127"/>
+                      </a:endParaRPr>
+                    </a:p>
+                  </a:txBody>
+                  <a:tcPr marL="5855" marR="5855" marT="5855" marB="0" anchor="ctr"/>
+                </a:tc>
+                <a:tc>
+                  <a:txBody>
+                    <a:bodyPr/>
+                    <a:lstStyle/>
+                    <a:p>
+                      <a:pPr algn="l" fontAlgn="ctr"/>
+                      <a:r>
+                        <a:rPr lang="en-US" sz="700" u="none" strike="noStrike">
+                          <a:effectLst/>
+                        </a:rPr>
+                        <a:t>Minor</a:t>
+                      </a:r>
+                      <a:endParaRPr lang="en-US" sz="700" b="0" i="0" u="none" strike="noStrike">
+                        <a:solidFill>
+                          <a:srgbClr val="000000"/>
+                        </a:solidFill>
+                        <a:effectLst/>
+                        <a:latin typeface="맑은 고딕" panose="020B0503020000020004" pitchFamily="50" charset="-127"/>
+                        <a:ea typeface="맑은 고딕" panose="020B0503020000020004" pitchFamily="50" charset="-127"/>
+                      </a:endParaRPr>
+                    </a:p>
+                  </a:txBody>
+                  <a:tcPr marL="5855" marR="5855" marT="5855" marB="0" anchor="ctr"/>
+                </a:tc>
+                <a:tc>
+                  <a:txBody>
+                    <a:bodyPr/>
+                    <a:lstStyle/>
+                    <a:p>
+                      <a:pPr algn="l" fontAlgn="ctr"/>
+                      <a:r>
+                        <a:rPr lang="en-US" sz="700" u="none" strike="noStrike">
+                          <a:effectLst/>
+                        </a:rPr>
+                        <a:t>tc_uc04</a:t>
+                      </a:r>
+                      <a:endParaRPr lang="en-US" sz="700" b="0" i="0" u="none" strike="noStrike">
+                        <a:solidFill>
+                          <a:srgbClr val="000000"/>
+                        </a:solidFill>
+                        <a:effectLst/>
+                        <a:latin typeface="맑은 고딕" panose="020B0503020000020004" pitchFamily="50" charset="-127"/>
+                        <a:ea typeface="맑은 고딕" panose="020B0503020000020004" pitchFamily="50" charset="-127"/>
+                      </a:endParaRPr>
+                    </a:p>
+                  </a:txBody>
+                  <a:tcPr marL="5855" marR="5855" marT="5855" marB="0" anchor="ctr"/>
+                </a:tc>
+              </a:tr>
+              <a:tr h="211953">
+                <a:tc>
+                  <a:txBody>
+                    <a:bodyPr/>
+                    <a:lstStyle/>
+                    <a:p>
+                      <a:pPr algn="l" fontAlgn="ctr"/>
+                      <a:r>
+                        <a:rPr lang="en-US" sz="700" u="none" strike="noStrike">
+                          <a:effectLst/>
+                        </a:rPr>
+                        <a:t>SDET-188</a:t>
+                      </a:r>
+                      <a:endParaRPr lang="en-US" sz="700" b="0" i="0" u="none" strike="noStrike">
+                        <a:solidFill>
+                          <a:srgbClr val="000000"/>
+                        </a:solidFill>
+                        <a:effectLst/>
+                        <a:latin typeface="맑은 고딕" panose="020B0503020000020004" pitchFamily="50" charset="-127"/>
+                        <a:ea typeface="맑은 고딕" panose="020B0503020000020004" pitchFamily="50" charset="-127"/>
+                      </a:endParaRPr>
+                    </a:p>
+                  </a:txBody>
+                  <a:tcPr marL="5855" marR="5855" marT="5855" marB="0" anchor="ctr"/>
+                </a:tc>
+                <a:tc>
+                  <a:txBody>
+                    <a:bodyPr/>
+                    <a:lstStyle/>
+                    <a:p>
+                      <a:pPr algn="l" fontAlgn="ctr"/>
+                      <a:r>
+                        <a:rPr lang="en-US" sz="700" u="none" strike="noStrike">
+                          <a:effectLst/>
+                        </a:rPr>
+                        <a:t>[Defect] _elevatorRestrictedFloor </a:t>
+                      </a:r>
+                      <a:r>
+                        <a:rPr lang="ko-KR" altLang="en-US" sz="700" u="none" strike="noStrike">
+                          <a:effectLst/>
+                        </a:rPr>
+                        <a:t>媛</a:t>
+                      </a:r>
+                      <a:r>
+                        <a:rPr lang="en-US" altLang="ko-KR" sz="700" u="none" strike="noStrike">
+                          <a:effectLst/>
+                        </a:rPr>
+                        <a:t>?</a:t>
+                      </a:r>
+                      <a:r>
+                        <a:rPr lang="ko-KR" altLang="en-US" sz="700" u="none" strike="noStrike">
+                          <a:effectLst/>
+                        </a:rPr>
+                        <a:t>諛</a:t>
+                      </a:r>
+                      <a:r>
+                        <a:rPr lang="en-US" altLang="ko-KR" sz="700" u="none" strike="noStrike">
+                          <a:effectLst/>
+                        </a:rPr>
+                        <a:t>?_</a:t>
+                      </a:r>
+                      <a:r>
+                        <a:rPr lang="en-US" sz="700" u="none" strike="noStrike">
+                          <a:effectLst/>
+                        </a:rPr>
+                        <a:t>elevatorInitialFloor </a:t>
+                      </a:r>
+                      <a:r>
+                        <a:rPr lang="ko-KR" altLang="en-US" sz="700" u="none" strike="noStrike">
+                          <a:effectLst/>
+                        </a:rPr>
+                        <a:t>媛믪씠 </a:t>
+                      </a:r>
+                      <a:r>
+                        <a:rPr lang="en-US" altLang="ko-KR" sz="700" u="none" strike="noStrike">
+                          <a:effectLst/>
+                        </a:rPr>
+                        <a:t>?</a:t>
+                      </a:r>
+                      <a:r>
+                        <a:rPr lang="ko-KR" altLang="en-US" sz="700" u="none" strike="noStrike">
+                          <a:effectLst/>
+                        </a:rPr>
+                        <a:t>ㅼ젣 痢</a:t>
+                      </a:r>
+                      <a:r>
+                        <a:rPr lang="en-US" altLang="ko-KR" sz="700" u="none" strike="noStrike">
+                          <a:effectLst/>
+                        </a:rPr>
+                        <a:t>?</a:t>
+                      </a:r>
+                      <a:r>
+                        <a:rPr lang="ko-KR" altLang="en-US" sz="700" u="none" strike="noStrike">
+                          <a:effectLst/>
+                        </a:rPr>
+                        <a:t>媛믨낵 </a:t>
+                      </a:r>
+                      <a:r>
+                        <a:rPr lang="en-US" altLang="ko-KR" sz="700" u="none" strike="noStrike">
+                          <a:effectLst/>
+                        </a:rPr>
+                        <a:t>?</a:t>
+                      </a:r>
+                      <a:r>
+                        <a:rPr lang="ko-KR" altLang="en-US" sz="700" u="none" strike="noStrike">
+                          <a:effectLst/>
+                        </a:rPr>
+                        <a:t>ㅻ쫫</a:t>
+                      </a:r>
+                      <a:endParaRPr lang="ko-KR" altLang="en-US" sz="700" b="0" i="0" u="none" strike="noStrike">
+                        <a:solidFill>
+                          <a:srgbClr val="000000"/>
+                        </a:solidFill>
+                        <a:effectLst/>
+                        <a:latin typeface="맑은 고딕" panose="020B0503020000020004" pitchFamily="50" charset="-127"/>
+                        <a:ea typeface="맑은 고딕" panose="020B0503020000020004" pitchFamily="50" charset="-127"/>
+                      </a:endParaRPr>
+                    </a:p>
+                  </a:txBody>
+                  <a:tcPr marL="5855" marR="5855" marT="5855" marB="0" anchor="ctr"/>
+                </a:tc>
+                <a:tc>
+                  <a:txBody>
+                    <a:bodyPr/>
+                    <a:lstStyle/>
+                    <a:p>
+                      <a:pPr algn="l" fontAlgn="ctr"/>
+                      <a:r>
+                        <a:rPr lang="en-US" sz="700" u="none" strike="noStrike">
+                          <a:effectLst/>
+                        </a:rPr>
+                        <a:t>Minor</a:t>
+                      </a:r>
+                      <a:endParaRPr lang="en-US" sz="700" b="0" i="0" u="none" strike="noStrike">
+                        <a:solidFill>
+                          <a:srgbClr val="000000"/>
+                        </a:solidFill>
+                        <a:effectLst/>
+                        <a:latin typeface="맑은 고딕" panose="020B0503020000020004" pitchFamily="50" charset="-127"/>
+                        <a:ea typeface="맑은 고딕" panose="020B0503020000020004" pitchFamily="50" charset="-127"/>
+                      </a:endParaRPr>
+                    </a:p>
+                  </a:txBody>
+                  <a:tcPr marL="5855" marR="5855" marT="5855" marB="0" anchor="ctr"/>
+                </a:tc>
+                <a:tc>
+                  <a:txBody>
+                    <a:bodyPr/>
+                    <a:lstStyle/>
+                    <a:p>
+                      <a:pPr algn="l" fontAlgn="ctr"/>
+                      <a:r>
+                        <a:rPr lang="en-US" sz="700" u="none" strike="noStrike">
+                          <a:effectLst/>
+                        </a:rPr>
+                        <a:t>tc_p1</a:t>
+                      </a:r>
+                      <a:endParaRPr lang="en-US" sz="700" b="0" i="0" u="none" strike="noStrike">
+                        <a:solidFill>
+                          <a:srgbClr val="000000"/>
+                        </a:solidFill>
+                        <a:effectLst/>
+                        <a:latin typeface="맑은 고딕" panose="020B0503020000020004" pitchFamily="50" charset="-127"/>
+                        <a:ea typeface="맑은 고딕" panose="020B0503020000020004" pitchFamily="50" charset="-127"/>
+                      </a:endParaRPr>
+                    </a:p>
+                  </a:txBody>
+                  <a:tcPr marL="5855" marR="5855" marT="5855" marB="0" anchor="ctr"/>
+                </a:tc>
+              </a:tr>
+              <a:tr h="269333">
+                <a:tc>
+                  <a:txBody>
+                    <a:bodyPr/>
+                    <a:lstStyle/>
+                    <a:p>
+                      <a:pPr algn="l" fontAlgn="ctr"/>
+                      <a:r>
+                        <a:rPr lang="en-US" sz="700" u="none" strike="noStrike">
+                          <a:effectLst/>
+                        </a:rPr>
+                        <a:t>SDET-193</a:t>
+                      </a:r>
+                      <a:endParaRPr lang="en-US" sz="700" b="0" i="0" u="none" strike="noStrike">
+                        <a:solidFill>
+                          <a:srgbClr val="000000"/>
+                        </a:solidFill>
+                        <a:effectLst/>
+                        <a:latin typeface="맑은 고딕" panose="020B0503020000020004" pitchFamily="50" charset="-127"/>
+                        <a:ea typeface="맑은 고딕" panose="020B0503020000020004" pitchFamily="50" charset="-127"/>
+                      </a:endParaRPr>
+                    </a:p>
+                  </a:txBody>
+                  <a:tcPr marL="5855" marR="5855" marT="5855" marB="0" anchor="ctr"/>
+                </a:tc>
+                <a:tc>
+                  <a:txBody>
+                    <a:bodyPr/>
+                    <a:lstStyle/>
+                    <a:p>
+                      <a:pPr algn="l" fontAlgn="ctr"/>
+                      <a:r>
+                        <a:rPr lang="en-US" sz="700" u="none" strike="noStrike">
+                          <a:effectLst/>
+                        </a:rPr>
+                        <a:t>[Defect] game config. : There is an unconnected room. -&gt; no error</a:t>
+                      </a:r>
+                      <a:endParaRPr lang="en-US" sz="700" b="0" i="0" u="none" strike="noStrike">
+                        <a:solidFill>
+                          <a:srgbClr val="000000"/>
+                        </a:solidFill>
+                        <a:effectLst/>
+                        <a:latin typeface="맑은 고딕" panose="020B0503020000020004" pitchFamily="50" charset="-127"/>
+                        <a:ea typeface="맑은 고딕" panose="020B0503020000020004" pitchFamily="50" charset="-127"/>
+                      </a:endParaRPr>
+                    </a:p>
+                  </a:txBody>
+                  <a:tcPr marL="5855" marR="5855" marT="5855" marB="0" anchor="ctr"/>
+                </a:tc>
+                <a:tc>
+                  <a:txBody>
+                    <a:bodyPr/>
+                    <a:lstStyle/>
+                    <a:p>
+                      <a:pPr algn="l" fontAlgn="ctr"/>
+                      <a:r>
+                        <a:rPr lang="en-US" sz="700" u="none" strike="noStrike">
+                          <a:effectLst/>
+                        </a:rPr>
+                        <a:t>Minor</a:t>
+                      </a:r>
+                      <a:endParaRPr lang="en-US" sz="700" b="0" i="0" u="none" strike="noStrike">
+                        <a:solidFill>
+                          <a:srgbClr val="000000"/>
+                        </a:solidFill>
+                        <a:effectLst/>
+                        <a:latin typeface="맑은 고딕" panose="020B0503020000020004" pitchFamily="50" charset="-127"/>
+                        <a:ea typeface="맑은 고딕" panose="020B0503020000020004" pitchFamily="50" charset="-127"/>
+                      </a:endParaRPr>
+                    </a:p>
+                  </a:txBody>
+                  <a:tcPr marL="5855" marR="5855" marT="5855" marB="0" anchor="ctr"/>
+                </a:tc>
+                <a:tc>
+                  <a:txBody>
+                    <a:bodyPr/>
+                    <a:lstStyle/>
+                    <a:p>
+                      <a:pPr algn="l" fontAlgn="ctr"/>
+                      <a:r>
+                        <a:rPr lang="en-US" sz="700" u="none" strike="noStrike" dirty="0" err="1">
+                          <a:effectLst/>
+                        </a:rPr>
+                        <a:t>tc_putgoldinlock</a:t>
+                      </a:r>
+                      <a:endParaRPr lang="en-US" sz="700" b="0" i="0" u="none" strike="noStrike" dirty="0">
+                        <a:solidFill>
+                          <a:srgbClr val="000000"/>
+                        </a:solidFill>
+                        <a:effectLst/>
+                        <a:latin typeface="맑은 고딕" panose="020B0503020000020004" pitchFamily="50" charset="-127"/>
+                        <a:ea typeface="맑은 고딕" panose="020B0503020000020004" pitchFamily="50" charset="-127"/>
+                      </a:endParaRPr>
+                    </a:p>
+                  </a:txBody>
+                  <a:tcPr marL="5855" marR="5855" marT="5855" marB="0" anchor="ctr"/>
+                </a:tc>
+              </a:tr>
+            </a:tbl>
+          </a:graphicData>
+        </a:graphic>
+      </p:graphicFrame>
     </p:spTree>
     <p:extLst>
       <p:ext uri="{BB962C8B-B14F-4D97-AF65-F5344CB8AC3E}">
@@ -13926,7 +10845,7 @@
           <p:cNvPr id="8" name="그림 7">
             <a:extLst>
               <a:ext uri="{FF2B5EF4-FFF2-40B4-BE49-F238E27FC236}">
-                <a16:creationId xmlns="" xmlns:a16="http://schemas.microsoft.com/office/drawing/2014/main" id="{434B5C57-8B8B-1A4A-B338-3D39BA11B5B9}"/>
+                <a16:creationId xmlns:a16="http://schemas.microsoft.com/office/drawing/2014/main" xmlns="" id="{434B5C57-8B8B-1A4A-B338-3D39BA11B5B9}"/>
               </a:ext>
             </a:extLst>
           </p:cNvPr>
@@ -13962,7 +10881,7 @@
           <p:cNvPr id="37" name="슬라이드 번호 개체 틀 4">
             <a:extLst>
               <a:ext uri="{FF2B5EF4-FFF2-40B4-BE49-F238E27FC236}">
-                <a16:creationId xmlns="" xmlns:a16="http://schemas.microsoft.com/office/drawing/2014/main" id="{9FA75F19-B7A8-6A4F-A5D3-84D9FFF88627}"/>
+                <a16:creationId xmlns:a16="http://schemas.microsoft.com/office/drawing/2014/main" xmlns="" id="{9FA75F19-B7A8-6A4F-A5D3-84D9FFF88627}"/>
               </a:ext>
             </a:extLst>
           </p:cNvPr>
@@ -17642,7 +14561,7 @@
                     <a:p>
                       <a:pPr algn="l" fontAlgn="ctr"/>
                       <a:r>
-                        <a:rPr lang="en-US" sz="800" b="0" i="0" u="none" strike="noStrike">
+                        <a:rPr lang="en-US" sz="800" b="0" i="0" u="none" strike="noStrike" dirty="0">
                           <a:solidFill>
                             <a:srgbClr val="000000"/>
                           </a:solidFill>
@@ -19212,7 +16131,7 @@
           <p:cNvPr id="9" name="TextBox 8">
             <a:extLst>
               <a:ext uri="{FF2B5EF4-FFF2-40B4-BE49-F238E27FC236}">
-                <a16:creationId xmlns="" xmlns:a16="http://schemas.microsoft.com/office/drawing/2014/main" id="{B4B1FE1F-6CD7-654F-8F56-C2F661931D17}"/>
+                <a16:creationId xmlns:a16="http://schemas.microsoft.com/office/drawing/2014/main" xmlns="" id="{B4B1FE1F-6CD7-654F-8F56-C2F661931D17}"/>
               </a:ext>
             </a:extLst>
           </p:cNvPr>
